--- a/ASP.net REST API.pptx
+++ b/ASP.net REST API.pptx
@@ -32,23 +32,30 @@
     <p:sldId id="277" r:id="rId27"/>
     <p:sldId id="278" r:id="rId28"/>
     <p:sldId id="279" r:id="rId29"/>
+    <p:sldId id="280" r:id="rId30"/>
+    <p:sldId id="281" r:id="rId31"/>
+    <p:sldId id="282" r:id="rId32"/>
+    <p:sldId id="283" r:id="rId33"/>
+    <p:sldId id="284" r:id="rId34"/>
+    <p:sldId id="285" r:id="rId35"/>
+    <p:sldId id="286" r:id="rId36"/>
   </p:sldIdLst>
   <p:sldSz cy="5143500" cx="9144000"/>
   <p:notesSz cx="6858000" cy="9144000"/>
   <p:embeddedFontLst>
     <p:embeddedFont>
       <p:font typeface="Montserrat"/>
-      <p:regular r:id="rId30"/>
-      <p:bold r:id="rId31"/>
-      <p:italic r:id="rId32"/>
-      <p:boldItalic r:id="rId33"/>
+      <p:regular r:id="rId37"/>
+      <p:bold r:id="rId38"/>
+      <p:italic r:id="rId39"/>
+      <p:boldItalic r:id="rId40"/>
     </p:embeddedFont>
     <p:embeddedFont>
       <p:font typeface="Lato"/>
-      <p:regular r:id="rId34"/>
-      <p:bold r:id="rId35"/>
-      <p:italic r:id="rId36"/>
-      <p:boldItalic r:id="rId37"/>
+      <p:regular r:id="rId41"/>
+      <p:bold r:id="rId42"/>
+      <p:italic r:id="rId43"/>
+      <p:boldItalic r:id="rId44"/>
     </p:embeddedFont>
   </p:embeddedFontLst>
   <p:defaultTextStyle>
@@ -2408,6 +2415,501 @@
 </p:notes>
 </file>
 
+<file path=ppt/notesSlides/notesSlide25.xml><?xml version="1.0" encoding="utf-8"?>
+<p:notes xmlns:a="http://schemas.openxmlformats.org/drawingml/2006/main" xmlns:r="http://schemas.openxmlformats.org/officeDocument/2006/relationships" xmlns:mc="http://schemas.openxmlformats.org/markup-compatibility/2006" xmlns:mv="urn:schemas-microsoft-com:mac:vml" xmlns:p="http://schemas.openxmlformats.org/presentationml/2006/main" xmlns:c="http://schemas.openxmlformats.org/drawingml/2006/chart" xmlns:dgm="http://schemas.openxmlformats.org/drawingml/2006/diagram" xmlns:o="urn:schemas-microsoft-com:office:office" xmlns:v="urn:schemas-microsoft-com:vml" xmlns:pvml="urn:schemas-microsoft-com:office:powerpoint" xmlns:com="http://schemas.openxmlformats.org/drawingml/2006/compatibility" xmlns:p14="http://schemas.microsoft.com/office/powerpoint/2010/main" xmlns:p15="http://schemas.microsoft.com/office/powerpoint/2012/main" xmlns:ahyp="http://schemas.microsoft.com/office/drawing/2018/hyperlinkcolor" showMasterPhAnim="0" showMasterSp="0">
+  <p:cSld>
+    <p:spTree>
+      <p:nvGrpSpPr>
+        <p:cNvPr id="305" name="Shape 305"/>
+        <p:cNvGrpSpPr/>
+        <p:nvPr/>
+      </p:nvGrpSpPr>
+      <p:grpSpPr>
+        <a:xfrm>
+          <a:off x="0" y="0"/>
+          <a:ext cx="0" cy="0"/>
+          <a:chOff x="0" y="0"/>
+          <a:chExt cx="0" cy="0"/>
+        </a:xfrm>
+      </p:grpSpPr>
+      <p:sp>
+        <p:nvSpPr>
+          <p:cNvPr id="306" name="Google Shape;306;ge08904afc2_1_68:notes"/>
+          <p:cNvSpPr/>
+          <p:nvPr>
+            <p:ph idx="2" type="sldImg"/>
+          </p:nvPr>
+        </p:nvSpPr>
+        <p:spPr>
+          <a:xfrm>
+            <a:off x="381300" y="685800"/>
+            <a:ext cx="6096000" cy="3429000"/>
+          </a:xfrm>
+          <a:custGeom>
+            <a:rect b="b" l="l" r="r" t="t"/>
+            <a:pathLst>
+              <a:path extrusionOk="0" h="120000" w="120000">
+                <a:moveTo>
+                  <a:pt x="0" y="0"/>
+                </a:moveTo>
+                <a:lnTo>
+                  <a:pt x="120000" y="0"/>
+                </a:lnTo>
+                <a:lnTo>
+                  <a:pt x="120000" y="120000"/>
+                </a:lnTo>
+                <a:lnTo>
+                  <a:pt x="0" y="120000"/>
+                </a:lnTo>
+                <a:close/>
+              </a:path>
+            </a:pathLst>
+          </a:custGeom>
+        </p:spPr>
+      </p:sp>
+      <p:sp>
+        <p:nvSpPr>
+          <p:cNvPr id="307" name="Google Shape;307;ge08904afc2_1_68:notes"/>
+          <p:cNvSpPr txBox="1"/>
+          <p:nvPr>
+            <p:ph idx="1" type="body"/>
+          </p:nvPr>
+        </p:nvSpPr>
+        <p:spPr>
+          <a:xfrm>
+            <a:off x="685800" y="4343400"/>
+            <a:ext cx="5486400" cy="4114800"/>
+          </a:xfrm>
+          <a:prstGeom prst="rect">
+            <a:avLst/>
+          </a:prstGeom>
+        </p:spPr>
+        <p:txBody>
+          <a:bodyPr anchorCtr="0" anchor="t" bIns="91425" lIns="91425" spcFirstLastPara="1" rIns="91425" wrap="square" tIns="91425">
+            <a:noAutofit/>
+          </a:bodyPr>
+          <a:lstStyle/>
+          <a:p>
+            <a:pPr indent="0" lvl="0" marL="0" rtl="0" algn="l">
+              <a:spcBef>
+                <a:spcPts val="0"/>
+              </a:spcBef>
+              <a:spcAft>
+                <a:spcPts val="0"/>
+              </a:spcAft>
+              <a:buNone/>
+            </a:pPr>
+            <a:r>
+              <a:t/>
+            </a:r>
+            <a:endParaRPr/>
+          </a:p>
+        </p:txBody>
+      </p:sp>
+    </p:spTree>
+  </p:cSld>
+  <p:clrMapOvr>
+    <a:masterClrMapping/>
+  </p:clrMapOvr>
+</p:notes>
+</file>
+
+<file path=ppt/notesSlides/notesSlide26.xml><?xml version="1.0" encoding="utf-8"?>
+<p:notes xmlns:a="http://schemas.openxmlformats.org/drawingml/2006/main" xmlns:r="http://schemas.openxmlformats.org/officeDocument/2006/relationships" xmlns:mc="http://schemas.openxmlformats.org/markup-compatibility/2006" xmlns:mv="urn:schemas-microsoft-com:mac:vml" xmlns:p="http://schemas.openxmlformats.org/presentationml/2006/main" xmlns:c="http://schemas.openxmlformats.org/drawingml/2006/chart" xmlns:dgm="http://schemas.openxmlformats.org/drawingml/2006/diagram" xmlns:o="urn:schemas-microsoft-com:office:office" xmlns:v="urn:schemas-microsoft-com:vml" xmlns:pvml="urn:schemas-microsoft-com:office:powerpoint" xmlns:com="http://schemas.openxmlformats.org/drawingml/2006/compatibility" xmlns:p14="http://schemas.microsoft.com/office/powerpoint/2010/main" xmlns:p15="http://schemas.microsoft.com/office/powerpoint/2012/main" xmlns:ahyp="http://schemas.microsoft.com/office/drawing/2018/hyperlinkcolor" showMasterPhAnim="0" showMasterSp="0">
+  <p:cSld>
+    <p:spTree>
+      <p:nvGrpSpPr>
+        <p:cNvPr id="311" name="Shape 311"/>
+        <p:cNvGrpSpPr/>
+        <p:nvPr/>
+      </p:nvGrpSpPr>
+      <p:grpSpPr>
+        <a:xfrm>
+          <a:off x="0" y="0"/>
+          <a:ext cx="0" cy="0"/>
+          <a:chOff x="0" y="0"/>
+          <a:chExt cx="0" cy="0"/>
+        </a:xfrm>
+      </p:grpSpPr>
+      <p:sp>
+        <p:nvSpPr>
+          <p:cNvPr id="312" name="Google Shape;312;ge08904afc2_1_73:notes"/>
+          <p:cNvSpPr/>
+          <p:nvPr>
+            <p:ph idx="2" type="sldImg"/>
+          </p:nvPr>
+        </p:nvSpPr>
+        <p:spPr>
+          <a:xfrm>
+            <a:off x="381300" y="685800"/>
+            <a:ext cx="6096000" cy="3429000"/>
+          </a:xfrm>
+          <a:custGeom>
+            <a:rect b="b" l="l" r="r" t="t"/>
+            <a:pathLst>
+              <a:path extrusionOk="0" h="120000" w="120000">
+                <a:moveTo>
+                  <a:pt x="0" y="0"/>
+                </a:moveTo>
+                <a:lnTo>
+                  <a:pt x="120000" y="0"/>
+                </a:lnTo>
+                <a:lnTo>
+                  <a:pt x="120000" y="120000"/>
+                </a:lnTo>
+                <a:lnTo>
+                  <a:pt x="0" y="120000"/>
+                </a:lnTo>
+                <a:close/>
+              </a:path>
+            </a:pathLst>
+          </a:custGeom>
+        </p:spPr>
+      </p:sp>
+      <p:sp>
+        <p:nvSpPr>
+          <p:cNvPr id="313" name="Google Shape;313;ge08904afc2_1_73:notes"/>
+          <p:cNvSpPr txBox="1"/>
+          <p:nvPr>
+            <p:ph idx="1" type="body"/>
+          </p:nvPr>
+        </p:nvSpPr>
+        <p:spPr>
+          <a:xfrm>
+            <a:off x="685800" y="4343400"/>
+            <a:ext cx="5486400" cy="4114800"/>
+          </a:xfrm>
+          <a:prstGeom prst="rect">
+            <a:avLst/>
+          </a:prstGeom>
+        </p:spPr>
+        <p:txBody>
+          <a:bodyPr anchorCtr="0" anchor="t" bIns="91425" lIns="91425" spcFirstLastPara="1" rIns="91425" wrap="square" tIns="91425">
+            <a:noAutofit/>
+          </a:bodyPr>
+          <a:lstStyle/>
+          <a:p>
+            <a:pPr indent="0" lvl="0" marL="0" rtl="0" algn="l">
+              <a:spcBef>
+                <a:spcPts val="0"/>
+              </a:spcBef>
+              <a:spcAft>
+                <a:spcPts val="0"/>
+              </a:spcAft>
+              <a:buNone/>
+            </a:pPr>
+            <a:r>
+              <a:t/>
+            </a:r>
+            <a:endParaRPr/>
+          </a:p>
+        </p:txBody>
+      </p:sp>
+    </p:spTree>
+  </p:cSld>
+  <p:clrMapOvr>
+    <a:masterClrMapping/>
+  </p:clrMapOvr>
+</p:notes>
+</file>
+
+<file path=ppt/notesSlides/notesSlide27.xml><?xml version="1.0" encoding="utf-8"?>
+<p:notes xmlns:a="http://schemas.openxmlformats.org/drawingml/2006/main" xmlns:r="http://schemas.openxmlformats.org/officeDocument/2006/relationships" xmlns:mc="http://schemas.openxmlformats.org/markup-compatibility/2006" xmlns:mv="urn:schemas-microsoft-com:mac:vml" xmlns:p="http://schemas.openxmlformats.org/presentationml/2006/main" xmlns:c="http://schemas.openxmlformats.org/drawingml/2006/chart" xmlns:dgm="http://schemas.openxmlformats.org/drawingml/2006/diagram" xmlns:o="urn:schemas-microsoft-com:office:office" xmlns:v="urn:schemas-microsoft-com:vml" xmlns:pvml="urn:schemas-microsoft-com:office:powerpoint" xmlns:com="http://schemas.openxmlformats.org/drawingml/2006/compatibility" xmlns:p14="http://schemas.microsoft.com/office/powerpoint/2010/main" xmlns:p15="http://schemas.microsoft.com/office/powerpoint/2012/main" xmlns:ahyp="http://schemas.microsoft.com/office/drawing/2018/hyperlinkcolor" showMasterPhAnim="0" showMasterSp="0">
+  <p:cSld>
+    <p:spTree>
+      <p:nvGrpSpPr>
+        <p:cNvPr id="318" name="Shape 318"/>
+        <p:cNvGrpSpPr/>
+        <p:nvPr/>
+      </p:nvGrpSpPr>
+      <p:grpSpPr>
+        <a:xfrm>
+          <a:off x="0" y="0"/>
+          <a:ext cx="0" cy="0"/>
+          <a:chOff x="0" y="0"/>
+          <a:chExt cx="0" cy="0"/>
+        </a:xfrm>
+      </p:grpSpPr>
+      <p:sp>
+        <p:nvSpPr>
+          <p:cNvPr id="319" name="Google Shape;319;ge08904afc2_1_84:notes"/>
+          <p:cNvSpPr/>
+          <p:nvPr>
+            <p:ph idx="2" type="sldImg"/>
+          </p:nvPr>
+        </p:nvSpPr>
+        <p:spPr>
+          <a:xfrm>
+            <a:off x="381300" y="685800"/>
+            <a:ext cx="6096000" cy="3429000"/>
+          </a:xfrm>
+          <a:custGeom>
+            <a:rect b="b" l="l" r="r" t="t"/>
+            <a:pathLst>
+              <a:path extrusionOk="0" h="120000" w="120000">
+                <a:moveTo>
+                  <a:pt x="0" y="0"/>
+                </a:moveTo>
+                <a:lnTo>
+                  <a:pt x="120000" y="0"/>
+                </a:lnTo>
+                <a:lnTo>
+                  <a:pt x="120000" y="120000"/>
+                </a:lnTo>
+                <a:lnTo>
+                  <a:pt x="0" y="120000"/>
+                </a:lnTo>
+                <a:close/>
+              </a:path>
+            </a:pathLst>
+          </a:custGeom>
+        </p:spPr>
+      </p:sp>
+      <p:sp>
+        <p:nvSpPr>
+          <p:cNvPr id="320" name="Google Shape;320;ge08904afc2_1_84:notes"/>
+          <p:cNvSpPr txBox="1"/>
+          <p:nvPr>
+            <p:ph idx="1" type="body"/>
+          </p:nvPr>
+        </p:nvSpPr>
+        <p:spPr>
+          <a:xfrm>
+            <a:off x="685800" y="4343400"/>
+            <a:ext cx="5486400" cy="4114800"/>
+          </a:xfrm>
+          <a:prstGeom prst="rect">
+            <a:avLst/>
+          </a:prstGeom>
+        </p:spPr>
+        <p:txBody>
+          <a:bodyPr anchorCtr="0" anchor="t" bIns="91425" lIns="91425" spcFirstLastPara="1" rIns="91425" wrap="square" tIns="91425">
+            <a:noAutofit/>
+          </a:bodyPr>
+          <a:lstStyle/>
+          <a:p>
+            <a:pPr indent="0" lvl="0" marL="0" rtl="0" algn="l">
+              <a:spcBef>
+                <a:spcPts val="0"/>
+              </a:spcBef>
+              <a:spcAft>
+                <a:spcPts val="0"/>
+              </a:spcAft>
+              <a:buNone/>
+            </a:pPr>
+            <a:r>
+              <a:t/>
+            </a:r>
+            <a:endParaRPr/>
+          </a:p>
+        </p:txBody>
+      </p:sp>
+    </p:spTree>
+  </p:cSld>
+  <p:clrMapOvr>
+    <a:masterClrMapping/>
+  </p:clrMapOvr>
+</p:notes>
+</file>
+
+<file path=ppt/notesSlides/notesSlide28.xml><?xml version="1.0" encoding="utf-8"?>
+<p:notes xmlns:a="http://schemas.openxmlformats.org/drawingml/2006/main" xmlns:r="http://schemas.openxmlformats.org/officeDocument/2006/relationships" xmlns:mc="http://schemas.openxmlformats.org/markup-compatibility/2006" xmlns:mv="urn:schemas-microsoft-com:mac:vml" xmlns:p="http://schemas.openxmlformats.org/presentationml/2006/main" xmlns:c="http://schemas.openxmlformats.org/drawingml/2006/chart" xmlns:dgm="http://schemas.openxmlformats.org/drawingml/2006/diagram" xmlns:o="urn:schemas-microsoft-com:office:office" xmlns:v="urn:schemas-microsoft-com:vml" xmlns:pvml="urn:schemas-microsoft-com:office:powerpoint" xmlns:com="http://schemas.openxmlformats.org/drawingml/2006/compatibility" xmlns:p14="http://schemas.microsoft.com/office/powerpoint/2010/main" xmlns:p15="http://schemas.microsoft.com/office/powerpoint/2012/main" xmlns:ahyp="http://schemas.microsoft.com/office/drawing/2018/hyperlinkcolor" showMasterPhAnim="0" showMasterSp="0">
+  <p:cSld>
+    <p:spTree>
+      <p:nvGrpSpPr>
+        <p:cNvPr id="324" name="Shape 324"/>
+        <p:cNvGrpSpPr/>
+        <p:nvPr/>
+      </p:nvGrpSpPr>
+      <p:grpSpPr>
+        <a:xfrm>
+          <a:off x="0" y="0"/>
+          <a:ext cx="0" cy="0"/>
+          <a:chOff x="0" y="0"/>
+          <a:chExt cx="0" cy="0"/>
+        </a:xfrm>
+      </p:grpSpPr>
+      <p:sp>
+        <p:nvSpPr>
+          <p:cNvPr id="325" name="Google Shape;325;ge08904afc2_1_89:notes"/>
+          <p:cNvSpPr/>
+          <p:nvPr>
+            <p:ph idx="2" type="sldImg"/>
+          </p:nvPr>
+        </p:nvSpPr>
+        <p:spPr>
+          <a:xfrm>
+            <a:off x="381300" y="685800"/>
+            <a:ext cx="6096000" cy="3429000"/>
+          </a:xfrm>
+          <a:custGeom>
+            <a:rect b="b" l="l" r="r" t="t"/>
+            <a:pathLst>
+              <a:path extrusionOk="0" h="120000" w="120000">
+                <a:moveTo>
+                  <a:pt x="0" y="0"/>
+                </a:moveTo>
+                <a:lnTo>
+                  <a:pt x="120000" y="0"/>
+                </a:lnTo>
+                <a:lnTo>
+                  <a:pt x="120000" y="120000"/>
+                </a:lnTo>
+                <a:lnTo>
+                  <a:pt x="0" y="120000"/>
+                </a:lnTo>
+                <a:close/>
+              </a:path>
+            </a:pathLst>
+          </a:custGeom>
+        </p:spPr>
+      </p:sp>
+      <p:sp>
+        <p:nvSpPr>
+          <p:cNvPr id="326" name="Google Shape;326;ge08904afc2_1_89:notes"/>
+          <p:cNvSpPr txBox="1"/>
+          <p:nvPr>
+            <p:ph idx="1" type="body"/>
+          </p:nvPr>
+        </p:nvSpPr>
+        <p:spPr>
+          <a:xfrm>
+            <a:off x="685800" y="4343400"/>
+            <a:ext cx="5486400" cy="4114800"/>
+          </a:xfrm>
+          <a:prstGeom prst="rect">
+            <a:avLst/>
+          </a:prstGeom>
+        </p:spPr>
+        <p:txBody>
+          <a:bodyPr anchorCtr="0" anchor="t" bIns="91425" lIns="91425" spcFirstLastPara="1" rIns="91425" wrap="square" tIns="91425">
+            <a:noAutofit/>
+          </a:bodyPr>
+          <a:lstStyle/>
+          <a:p>
+            <a:pPr indent="0" lvl="0" marL="0" rtl="0" algn="l">
+              <a:spcBef>
+                <a:spcPts val="0"/>
+              </a:spcBef>
+              <a:spcAft>
+                <a:spcPts val="0"/>
+              </a:spcAft>
+              <a:buNone/>
+            </a:pPr>
+            <a:r>
+              <a:t/>
+            </a:r>
+            <a:endParaRPr/>
+          </a:p>
+        </p:txBody>
+      </p:sp>
+    </p:spTree>
+  </p:cSld>
+  <p:clrMapOvr>
+    <a:masterClrMapping/>
+  </p:clrMapOvr>
+</p:notes>
+</file>
+
+<file path=ppt/notesSlides/notesSlide29.xml><?xml version="1.0" encoding="utf-8"?>
+<p:notes xmlns:a="http://schemas.openxmlformats.org/drawingml/2006/main" xmlns:r="http://schemas.openxmlformats.org/officeDocument/2006/relationships" xmlns:mc="http://schemas.openxmlformats.org/markup-compatibility/2006" xmlns:mv="urn:schemas-microsoft-com:mac:vml" xmlns:p="http://schemas.openxmlformats.org/presentationml/2006/main" xmlns:c="http://schemas.openxmlformats.org/drawingml/2006/chart" xmlns:dgm="http://schemas.openxmlformats.org/drawingml/2006/diagram" xmlns:o="urn:schemas-microsoft-com:office:office" xmlns:v="urn:schemas-microsoft-com:vml" xmlns:pvml="urn:schemas-microsoft-com:office:powerpoint" xmlns:com="http://schemas.openxmlformats.org/drawingml/2006/compatibility" xmlns:p14="http://schemas.microsoft.com/office/powerpoint/2010/main" xmlns:p15="http://schemas.microsoft.com/office/powerpoint/2012/main" xmlns:ahyp="http://schemas.microsoft.com/office/drawing/2018/hyperlinkcolor" showMasterPhAnim="0" showMasterSp="0">
+  <p:cSld>
+    <p:spTree>
+      <p:nvGrpSpPr>
+        <p:cNvPr id="331" name="Shape 331"/>
+        <p:cNvGrpSpPr/>
+        <p:nvPr/>
+      </p:nvGrpSpPr>
+      <p:grpSpPr>
+        <a:xfrm>
+          <a:off x="0" y="0"/>
+          <a:ext cx="0" cy="0"/>
+          <a:chOff x="0" y="0"/>
+          <a:chExt cx="0" cy="0"/>
+        </a:xfrm>
+      </p:grpSpPr>
+      <p:sp>
+        <p:nvSpPr>
+          <p:cNvPr id="332" name="Google Shape;332;ge209ff0ce5_0_0:notes"/>
+          <p:cNvSpPr/>
+          <p:nvPr>
+            <p:ph idx="2" type="sldImg"/>
+          </p:nvPr>
+        </p:nvSpPr>
+        <p:spPr>
+          <a:xfrm>
+            <a:off x="381300" y="685800"/>
+            <a:ext cx="6096000" cy="3429000"/>
+          </a:xfrm>
+          <a:custGeom>
+            <a:rect b="b" l="l" r="r" t="t"/>
+            <a:pathLst>
+              <a:path extrusionOk="0" h="120000" w="120000">
+                <a:moveTo>
+                  <a:pt x="0" y="0"/>
+                </a:moveTo>
+                <a:lnTo>
+                  <a:pt x="120000" y="0"/>
+                </a:lnTo>
+                <a:lnTo>
+                  <a:pt x="120000" y="120000"/>
+                </a:lnTo>
+                <a:lnTo>
+                  <a:pt x="0" y="120000"/>
+                </a:lnTo>
+                <a:close/>
+              </a:path>
+            </a:pathLst>
+          </a:custGeom>
+        </p:spPr>
+      </p:sp>
+      <p:sp>
+        <p:nvSpPr>
+          <p:cNvPr id="333" name="Google Shape;333;ge209ff0ce5_0_0:notes"/>
+          <p:cNvSpPr txBox="1"/>
+          <p:nvPr>
+            <p:ph idx="1" type="body"/>
+          </p:nvPr>
+        </p:nvSpPr>
+        <p:spPr>
+          <a:xfrm>
+            <a:off x="685800" y="4343400"/>
+            <a:ext cx="5486400" cy="4114800"/>
+          </a:xfrm>
+          <a:prstGeom prst="rect">
+            <a:avLst/>
+          </a:prstGeom>
+        </p:spPr>
+        <p:txBody>
+          <a:bodyPr anchorCtr="0" anchor="t" bIns="91425" lIns="91425" spcFirstLastPara="1" rIns="91425" wrap="square" tIns="91425">
+            <a:noAutofit/>
+          </a:bodyPr>
+          <a:lstStyle/>
+          <a:p>
+            <a:pPr indent="0" lvl="0" marL="0" rtl="0" algn="l">
+              <a:spcBef>
+                <a:spcPts val="0"/>
+              </a:spcBef>
+              <a:spcAft>
+                <a:spcPts val="0"/>
+              </a:spcAft>
+              <a:buNone/>
+            </a:pPr>
+            <a:r>
+              <a:t/>
+            </a:r>
+            <a:endParaRPr/>
+          </a:p>
+        </p:txBody>
+      </p:sp>
+    </p:spTree>
+  </p:cSld>
+  <p:clrMapOvr>
+    <a:masterClrMapping/>
+  </p:clrMapOvr>
+</p:notes>
+</file>
+
 <file path=ppt/notesSlides/notesSlide3.xml><?xml version="1.0" encoding="utf-8"?>
 <p:notes xmlns:a="http://schemas.openxmlformats.org/drawingml/2006/main" xmlns:r="http://schemas.openxmlformats.org/officeDocument/2006/relationships" xmlns:mc="http://schemas.openxmlformats.org/markup-compatibility/2006" xmlns:mv="urn:schemas-microsoft-com:mac:vml" xmlns:p="http://schemas.openxmlformats.org/presentationml/2006/main" xmlns:c="http://schemas.openxmlformats.org/drawingml/2006/chart" xmlns:dgm="http://schemas.openxmlformats.org/drawingml/2006/diagram" xmlns:o="urn:schemas-microsoft-com:office:office" xmlns:v="urn:schemas-microsoft-com:vml" xmlns:pvml="urn:schemas-microsoft-com:office:powerpoint" xmlns:com="http://schemas.openxmlformats.org/drawingml/2006/compatibility" xmlns:p14="http://schemas.microsoft.com/office/powerpoint/2010/main" xmlns:p15="http://schemas.microsoft.com/office/powerpoint/2012/main" xmlns:ahyp="http://schemas.microsoft.com/office/drawing/2018/hyperlinkcolor" showMasterPhAnim="0" showMasterSp="0">
   <p:cSld>
@@ -2463,6 +2965,204 @@
       <p:sp>
         <p:nvSpPr>
           <p:cNvPr id="144" name="Google Shape;144;ge1e5752bcf_0_130:notes"/>
+          <p:cNvSpPr txBox="1"/>
+          <p:nvPr>
+            <p:ph idx="1" type="body"/>
+          </p:nvPr>
+        </p:nvSpPr>
+        <p:spPr>
+          <a:xfrm>
+            <a:off x="685800" y="4343400"/>
+            <a:ext cx="5486400" cy="4114800"/>
+          </a:xfrm>
+          <a:prstGeom prst="rect">
+            <a:avLst/>
+          </a:prstGeom>
+        </p:spPr>
+        <p:txBody>
+          <a:bodyPr anchorCtr="0" anchor="t" bIns="91425" lIns="91425" spcFirstLastPara="1" rIns="91425" wrap="square" tIns="91425">
+            <a:noAutofit/>
+          </a:bodyPr>
+          <a:lstStyle/>
+          <a:p>
+            <a:pPr indent="0" lvl="0" marL="0" rtl="0" algn="l">
+              <a:spcBef>
+                <a:spcPts val="0"/>
+              </a:spcBef>
+              <a:spcAft>
+                <a:spcPts val="0"/>
+              </a:spcAft>
+              <a:buNone/>
+            </a:pPr>
+            <a:r>
+              <a:t/>
+            </a:r>
+            <a:endParaRPr/>
+          </a:p>
+        </p:txBody>
+      </p:sp>
+    </p:spTree>
+  </p:cSld>
+  <p:clrMapOvr>
+    <a:masterClrMapping/>
+  </p:clrMapOvr>
+</p:notes>
+</file>
+
+<file path=ppt/notesSlides/notesSlide30.xml><?xml version="1.0" encoding="utf-8"?>
+<p:notes xmlns:a="http://schemas.openxmlformats.org/drawingml/2006/main" xmlns:r="http://schemas.openxmlformats.org/officeDocument/2006/relationships" xmlns:mc="http://schemas.openxmlformats.org/markup-compatibility/2006" xmlns:mv="urn:schemas-microsoft-com:mac:vml" xmlns:p="http://schemas.openxmlformats.org/presentationml/2006/main" xmlns:c="http://schemas.openxmlformats.org/drawingml/2006/chart" xmlns:dgm="http://schemas.openxmlformats.org/drawingml/2006/diagram" xmlns:o="urn:schemas-microsoft-com:office:office" xmlns:v="urn:schemas-microsoft-com:vml" xmlns:pvml="urn:schemas-microsoft-com:office:powerpoint" xmlns:com="http://schemas.openxmlformats.org/drawingml/2006/compatibility" xmlns:p14="http://schemas.microsoft.com/office/powerpoint/2010/main" xmlns:p15="http://schemas.microsoft.com/office/powerpoint/2012/main" xmlns:ahyp="http://schemas.microsoft.com/office/drawing/2018/hyperlinkcolor" showMasterPhAnim="0" showMasterSp="0">
+  <p:cSld>
+    <p:spTree>
+      <p:nvGrpSpPr>
+        <p:cNvPr id="337" name="Shape 337"/>
+        <p:cNvGrpSpPr/>
+        <p:nvPr/>
+      </p:nvGrpSpPr>
+      <p:grpSpPr>
+        <a:xfrm>
+          <a:off x="0" y="0"/>
+          <a:ext cx="0" cy="0"/>
+          <a:chOff x="0" y="0"/>
+          <a:chExt cx="0" cy="0"/>
+        </a:xfrm>
+      </p:grpSpPr>
+      <p:sp>
+        <p:nvSpPr>
+          <p:cNvPr id="338" name="Google Shape;338;ge209ff0ce5_0_8:notes"/>
+          <p:cNvSpPr/>
+          <p:nvPr>
+            <p:ph idx="2" type="sldImg"/>
+          </p:nvPr>
+        </p:nvSpPr>
+        <p:spPr>
+          <a:xfrm>
+            <a:off x="381300" y="685800"/>
+            <a:ext cx="6096000" cy="3429000"/>
+          </a:xfrm>
+          <a:custGeom>
+            <a:rect b="b" l="l" r="r" t="t"/>
+            <a:pathLst>
+              <a:path extrusionOk="0" h="120000" w="120000">
+                <a:moveTo>
+                  <a:pt x="0" y="0"/>
+                </a:moveTo>
+                <a:lnTo>
+                  <a:pt x="120000" y="0"/>
+                </a:lnTo>
+                <a:lnTo>
+                  <a:pt x="120000" y="120000"/>
+                </a:lnTo>
+                <a:lnTo>
+                  <a:pt x="0" y="120000"/>
+                </a:lnTo>
+                <a:close/>
+              </a:path>
+            </a:pathLst>
+          </a:custGeom>
+        </p:spPr>
+      </p:sp>
+      <p:sp>
+        <p:nvSpPr>
+          <p:cNvPr id="339" name="Google Shape;339;ge209ff0ce5_0_8:notes"/>
+          <p:cNvSpPr txBox="1"/>
+          <p:nvPr>
+            <p:ph idx="1" type="body"/>
+          </p:nvPr>
+        </p:nvSpPr>
+        <p:spPr>
+          <a:xfrm>
+            <a:off x="685800" y="4343400"/>
+            <a:ext cx="5486400" cy="4114800"/>
+          </a:xfrm>
+          <a:prstGeom prst="rect">
+            <a:avLst/>
+          </a:prstGeom>
+        </p:spPr>
+        <p:txBody>
+          <a:bodyPr anchorCtr="0" anchor="t" bIns="91425" lIns="91425" spcFirstLastPara="1" rIns="91425" wrap="square" tIns="91425">
+            <a:noAutofit/>
+          </a:bodyPr>
+          <a:lstStyle/>
+          <a:p>
+            <a:pPr indent="0" lvl="0" marL="0" rtl="0" algn="l">
+              <a:spcBef>
+                <a:spcPts val="0"/>
+              </a:spcBef>
+              <a:spcAft>
+                <a:spcPts val="0"/>
+              </a:spcAft>
+              <a:buNone/>
+            </a:pPr>
+            <a:r>
+              <a:t/>
+            </a:r>
+            <a:endParaRPr/>
+          </a:p>
+        </p:txBody>
+      </p:sp>
+    </p:spTree>
+  </p:cSld>
+  <p:clrMapOvr>
+    <a:masterClrMapping/>
+  </p:clrMapOvr>
+</p:notes>
+</file>
+
+<file path=ppt/notesSlides/notesSlide31.xml><?xml version="1.0" encoding="utf-8"?>
+<p:notes xmlns:a="http://schemas.openxmlformats.org/drawingml/2006/main" xmlns:r="http://schemas.openxmlformats.org/officeDocument/2006/relationships" xmlns:mc="http://schemas.openxmlformats.org/markup-compatibility/2006" xmlns:mv="urn:schemas-microsoft-com:mac:vml" xmlns:p="http://schemas.openxmlformats.org/presentationml/2006/main" xmlns:c="http://schemas.openxmlformats.org/drawingml/2006/chart" xmlns:dgm="http://schemas.openxmlformats.org/drawingml/2006/diagram" xmlns:o="urn:schemas-microsoft-com:office:office" xmlns:v="urn:schemas-microsoft-com:vml" xmlns:pvml="urn:schemas-microsoft-com:office:powerpoint" xmlns:com="http://schemas.openxmlformats.org/drawingml/2006/compatibility" xmlns:p14="http://schemas.microsoft.com/office/powerpoint/2010/main" xmlns:p15="http://schemas.microsoft.com/office/powerpoint/2012/main" xmlns:ahyp="http://schemas.microsoft.com/office/drawing/2018/hyperlinkcolor" showMasterPhAnim="0" showMasterSp="0">
+  <p:cSld>
+    <p:spTree>
+      <p:nvGrpSpPr>
+        <p:cNvPr id="344" name="Shape 344"/>
+        <p:cNvGrpSpPr/>
+        <p:nvPr/>
+      </p:nvGrpSpPr>
+      <p:grpSpPr>
+        <a:xfrm>
+          <a:off x="0" y="0"/>
+          <a:ext cx="0" cy="0"/>
+          <a:chOff x="0" y="0"/>
+          <a:chExt cx="0" cy="0"/>
+        </a:xfrm>
+      </p:grpSpPr>
+      <p:sp>
+        <p:nvSpPr>
+          <p:cNvPr id="345" name="Google Shape;345;ge209ff0ce5_0_16:notes"/>
+          <p:cNvSpPr/>
+          <p:nvPr>
+            <p:ph idx="2" type="sldImg"/>
+          </p:nvPr>
+        </p:nvSpPr>
+        <p:spPr>
+          <a:xfrm>
+            <a:off x="381300" y="685800"/>
+            <a:ext cx="6096000" cy="3429000"/>
+          </a:xfrm>
+          <a:custGeom>
+            <a:rect b="b" l="l" r="r" t="t"/>
+            <a:pathLst>
+              <a:path extrusionOk="0" h="120000" w="120000">
+                <a:moveTo>
+                  <a:pt x="0" y="0"/>
+                </a:moveTo>
+                <a:lnTo>
+                  <a:pt x="120000" y="0"/>
+                </a:lnTo>
+                <a:lnTo>
+                  <a:pt x="120000" y="120000"/>
+                </a:lnTo>
+                <a:lnTo>
+                  <a:pt x="0" y="120000"/>
+                </a:lnTo>
+                <a:close/>
+              </a:path>
+            </a:pathLst>
+          </a:custGeom>
+        </p:spPr>
+      </p:sp>
+      <p:sp>
+        <p:nvSpPr>
+          <p:cNvPr id="346" name="Google Shape;346;ge209ff0ce5_0_16:notes"/>
           <p:cNvSpPr txBox="1"/>
           <p:nvPr>
             <p:ph idx="1" type="body"/>
@@ -28482,6 +29182,5192 @@
 </p:sld>
 </file>
 
+<file path=ppt/slides/slide25.xml><?xml version="1.0" encoding="utf-8"?>
+<p:sld xmlns:a="http://schemas.openxmlformats.org/drawingml/2006/main" xmlns:r="http://schemas.openxmlformats.org/officeDocument/2006/relationships" xmlns:mc="http://schemas.openxmlformats.org/markup-compatibility/2006" xmlns:mv="urn:schemas-microsoft-com:mac:vml" xmlns:p="http://schemas.openxmlformats.org/presentationml/2006/main" xmlns:c="http://schemas.openxmlformats.org/drawingml/2006/chart" xmlns:dgm="http://schemas.openxmlformats.org/drawingml/2006/diagram" xmlns:o="urn:schemas-microsoft-com:office:office" xmlns:v="urn:schemas-microsoft-com:vml" xmlns:pvml="urn:schemas-microsoft-com:office:powerpoint" xmlns:com="http://schemas.openxmlformats.org/drawingml/2006/compatibility" xmlns:p14="http://schemas.microsoft.com/office/powerpoint/2010/main" xmlns:p15="http://schemas.microsoft.com/office/powerpoint/2012/main" xmlns:ahyp="http://schemas.microsoft.com/office/drawing/2018/hyperlinkcolor">
+  <p:cSld>
+    <p:spTree>
+      <p:nvGrpSpPr>
+        <p:cNvPr id="308" name="Shape 308"/>
+        <p:cNvGrpSpPr/>
+        <p:nvPr/>
+      </p:nvGrpSpPr>
+      <p:grpSpPr>
+        <a:xfrm>
+          <a:off x="0" y="0"/>
+          <a:ext cx="0" cy="0"/>
+          <a:chOff x="0" y="0"/>
+          <a:chExt cx="0" cy="0"/>
+        </a:xfrm>
+      </p:grpSpPr>
+      <p:sp>
+        <p:nvSpPr>
+          <p:cNvPr id="309" name="Google Shape;309;p37"/>
+          <p:cNvSpPr txBox="1"/>
+          <p:nvPr>
+            <p:ph type="title"/>
+          </p:nvPr>
+        </p:nvSpPr>
+        <p:spPr>
+          <a:xfrm>
+            <a:off x="1297500" y="393750"/>
+            <a:ext cx="7038900" cy="914100"/>
+          </a:xfrm>
+          <a:prstGeom prst="rect">
+            <a:avLst/>
+          </a:prstGeom>
+        </p:spPr>
+        <p:txBody>
+          <a:bodyPr anchorCtr="0" anchor="t" bIns="91425" lIns="91425" spcFirstLastPara="1" rIns="91425" wrap="square" tIns="91425">
+            <a:normAutofit/>
+          </a:bodyPr>
+          <a:lstStyle/>
+          <a:p>
+            <a:pPr indent="0" lvl="0" marL="0" rtl="0" algn="l">
+              <a:spcBef>
+                <a:spcPts val="0"/>
+              </a:spcBef>
+              <a:spcAft>
+                <a:spcPts val="0"/>
+              </a:spcAft>
+              <a:buNone/>
+            </a:pPr>
+            <a:r>
+              <a:rPr lang="el"/>
+              <a:t>DATA </a:t>
+            </a:r>
+            <a:r>
+              <a:rPr lang="el"/>
+              <a:t>Persistence</a:t>
+            </a:r>
+            <a:endParaRPr/>
+          </a:p>
+        </p:txBody>
+      </p:sp>
+      <p:sp>
+        <p:nvSpPr>
+          <p:cNvPr id="310" name="Google Shape;310;p37"/>
+          <p:cNvSpPr txBox="1"/>
+          <p:nvPr>
+            <p:ph idx="1" type="body"/>
+          </p:nvPr>
+        </p:nvSpPr>
+        <p:spPr>
+          <a:xfrm>
+            <a:off x="1297500" y="1567550"/>
+            <a:ext cx="7038900" cy="2911200"/>
+          </a:xfrm>
+          <a:prstGeom prst="rect">
+            <a:avLst/>
+          </a:prstGeom>
+        </p:spPr>
+        <p:txBody>
+          <a:bodyPr anchorCtr="0" anchor="t" bIns="91425" lIns="91425" spcFirstLastPara="1" rIns="91425" wrap="square" tIns="91425">
+            <a:normAutofit/>
+          </a:bodyPr>
+          <a:lstStyle/>
+          <a:p>
+            <a:pPr indent="0" lvl="0" marL="0" rtl="0" algn="l">
+              <a:spcBef>
+                <a:spcPts val="0"/>
+              </a:spcBef>
+              <a:spcAft>
+                <a:spcPts val="0"/>
+              </a:spcAft>
+              <a:buNone/>
+            </a:pPr>
+            <a:r>
+              <a:rPr lang="el"/>
+              <a:t>We will be using the following tools to migrate our current </a:t>
+            </a:r>
+            <a:r>
+              <a:rPr lang="el">
+                <a:solidFill>
+                  <a:schemeClr val="accent2"/>
+                </a:solidFill>
+              </a:rPr>
+              <a:t>inMemoryRepository </a:t>
+            </a:r>
+            <a:r>
+              <a:rPr lang="el"/>
+              <a:t>to a </a:t>
+            </a:r>
+            <a:r>
+              <a:rPr lang="el">
+                <a:solidFill>
+                  <a:srgbClr val="00FFFF"/>
+                </a:solidFill>
+              </a:rPr>
+              <a:t>persistence</a:t>
+            </a:r>
+            <a:r>
+              <a:rPr lang="el">
+                <a:solidFill>
+                  <a:srgbClr val="00FFFF"/>
+                </a:solidFill>
+              </a:rPr>
+              <a:t> </a:t>
+            </a:r>
+            <a:r>
+              <a:rPr lang="el"/>
+              <a:t>repository.</a:t>
+            </a:r>
+            <a:endParaRPr/>
+          </a:p>
+          <a:p>
+            <a:pPr indent="-311150" lvl="0" marL="457200" rtl="0" algn="l">
+              <a:spcBef>
+                <a:spcPts val="1200"/>
+              </a:spcBef>
+              <a:spcAft>
+                <a:spcPts val="0"/>
+              </a:spcAft>
+              <a:buSzPts val="1300"/>
+              <a:buChar char="●"/>
+            </a:pPr>
+            <a:r>
+              <a:rPr lang="el"/>
+              <a:t>Postman (for testing)</a:t>
+            </a:r>
+            <a:endParaRPr/>
+          </a:p>
+          <a:p>
+            <a:pPr indent="-311150" lvl="0" marL="457200" rtl="0" algn="l">
+              <a:spcBef>
+                <a:spcPts val="0"/>
+              </a:spcBef>
+              <a:spcAft>
+                <a:spcPts val="0"/>
+              </a:spcAft>
+              <a:buSzPts val="1300"/>
+              <a:buChar char="●"/>
+            </a:pPr>
+            <a:r>
+              <a:rPr lang="el"/>
+              <a:t>MongoDB</a:t>
+            </a:r>
+            <a:endParaRPr/>
+          </a:p>
+        </p:txBody>
+      </p:sp>
+    </p:spTree>
+  </p:cSld>
+  <p:clrMapOvr>
+    <a:masterClrMapping/>
+  </p:clrMapOvr>
+</p:sld>
+</file>
+
+<file path=ppt/slides/slide26.xml><?xml version="1.0" encoding="utf-8"?>
+<p:sld xmlns:a="http://schemas.openxmlformats.org/drawingml/2006/main" xmlns:r="http://schemas.openxmlformats.org/officeDocument/2006/relationships" xmlns:mc="http://schemas.openxmlformats.org/markup-compatibility/2006" xmlns:mv="urn:schemas-microsoft-com:mac:vml" xmlns:p="http://schemas.openxmlformats.org/presentationml/2006/main" xmlns:c="http://schemas.openxmlformats.org/drawingml/2006/chart" xmlns:dgm="http://schemas.openxmlformats.org/drawingml/2006/diagram" xmlns:o="urn:schemas-microsoft-com:office:office" xmlns:v="urn:schemas-microsoft-com:vml" xmlns:pvml="urn:schemas-microsoft-com:office:powerpoint" xmlns:com="http://schemas.openxmlformats.org/drawingml/2006/compatibility" xmlns:p14="http://schemas.microsoft.com/office/powerpoint/2010/main" xmlns:p15="http://schemas.microsoft.com/office/powerpoint/2012/main" xmlns:ahyp="http://schemas.microsoft.com/office/drawing/2018/hyperlinkcolor">
+  <p:cSld>
+    <p:spTree>
+      <p:nvGrpSpPr>
+        <p:cNvPr id="314" name="Shape 314"/>
+        <p:cNvGrpSpPr/>
+        <p:nvPr/>
+      </p:nvGrpSpPr>
+      <p:grpSpPr>
+        <a:xfrm>
+          <a:off x="0" y="0"/>
+          <a:ext cx="0" cy="0"/>
+          <a:chOff x="0" y="0"/>
+          <a:chExt cx="0" cy="0"/>
+        </a:xfrm>
+      </p:grpSpPr>
+      <p:sp>
+        <p:nvSpPr>
+          <p:cNvPr id="315" name="Google Shape;315;p38"/>
+          <p:cNvSpPr txBox="1"/>
+          <p:nvPr>
+            <p:ph type="title"/>
+          </p:nvPr>
+        </p:nvSpPr>
+        <p:spPr>
+          <a:xfrm>
+            <a:off x="1297500" y="393750"/>
+            <a:ext cx="7038900" cy="914100"/>
+          </a:xfrm>
+          <a:prstGeom prst="rect">
+            <a:avLst/>
+          </a:prstGeom>
+        </p:spPr>
+        <p:txBody>
+          <a:bodyPr anchorCtr="0" anchor="t" bIns="91425" lIns="91425" spcFirstLastPara="1" rIns="91425" wrap="square" tIns="91425">
+            <a:normAutofit/>
+          </a:bodyPr>
+          <a:lstStyle/>
+          <a:p>
+            <a:pPr indent="0" lvl="0" marL="0" rtl="0" algn="l">
+              <a:spcBef>
+                <a:spcPts val="0"/>
+              </a:spcBef>
+              <a:spcAft>
+                <a:spcPts val="0"/>
+              </a:spcAft>
+              <a:buNone/>
+            </a:pPr>
+            <a:r>
+              <a:rPr lang="el"/>
+              <a:t>Initializing</a:t>
+            </a:r>
+            <a:r>
+              <a:rPr lang="el"/>
+              <a:t> the new Repository</a:t>
+            </a:r>
+            <a:endParaRPr/>
+          </a:p>
+        </p:txBody>
+      </p:sp>
+      <p:sp>
+        <p:nvSpPr>
+          <p:cNvPr id="316" name="Google Shape;316;p38"/>
+          <p:cNvSpPr txBox="1"/>
+          <p:nvPr>
+            <p:ph idx="1" type="body"/>
+          </p:nvPr>
+        </p:nvSpPr>
+        <p:spPr>
+          <a:xfrm>
+            <a:off x="1297500" y="1058350"/>
+            <a:ext cx="7038900" cy="351000"/>
+          </a:xfrm>
+          <a:prstGeom prst="rect">
+            <a:avLst/>
+          </a:prstGeom>
+        </p:spPr>
+        <p:txBody>
+          <a:bodyPr anchorCtr="0" anchor="t" bIns="91425" lIns="91425" spcFirstLastPara="1" rIns="91425" wrap="square" tIns="91425">
+            <a:normAutofit fontScale="85000" lnSpcReduction="20000"/>
+          </a:bodyPr>
+          <a:lstStyle/>
+          <a:p>
+            <a:pPr indent="0" lvl="0" marL="0" rtl="0" algn="l">
+              <a:spcBef>
+                <a:spcPts val="0"/>
+              </a:spcBef>
+              <a:spcAft>
+                <a:spcPts val="1200"/>
+              </a:spcAft>
+              <a:buNone/>
+            </a:pPr>
+            <a:r>
+              <a:rPr lang="el"/>
+              <a:t>Let's</a:t>
+            </a:r>
+            <a:r>
+              <a:rPr lang="el"/>
+              <a:t> create the new </a:t>
+            </a:r>
+            <a:r>
+              <a:rPr lang="el">
+                <a:solidFill>
+                  <a:schemeClr val="accent2"/>
+                </a:solidFill>
+              </a:rPr>
+              <a:t>repository</a:t>
+            </a:r>
+            <a:endParaRPr/>
+          </a:p>
+        </p:txBody>
+      </p:sp>
+      <p:sp>
+        <p:nvSpPr>
+          <p:cNvPr id="317" name="Google Shape;317;p38"/>
+          <p:cNvSpPr txBox="1"/>
+          <p:nvPr/>
+        </p:nvSpPr>
+        <p:spPr>
+          <a:xfrm>
+            <a:off x="51650" y="1604450"/>
+            <a:ext cx="8685600" cy="3401700"/>
+          </a:xfrm>
+          <a:prstGeom prst="rect">
+            <a:avLst/>
+          </a:prstGeom>
+          <a:noFill/>
+          <a:ln>
+            <a:noFill/>
+          </a:ln>
+        </p:spPr>
+        <p:txBody>
+          <a:bodyPr anchorCtr="0" anchor="t" bIns="91425" lIns="91425" spcFirstLastPara="1" rIns="91425" wrap="square" tIns="91425">
+            <a:spAutoFit/>
+          </a:bodyPr>
+          <a:lstStyle/>
+          <a:p>
+            <a:pPr indent="0" lvl="0" marL="0" rtl="0" algn="l">
+              <a:spcBef>
+                <a:spcPts val="0"/>
+              </a:spcBef>
+              <a:spcAft>
+                <a:spcPts val="0"/>
+              </a:spcAft>
+              <a:buNone/>
+            </a:pPr>
+            <a:r>
+              <a:rPr lang="el" sz="950">
+                <a:solidFill>
+                  <a:srgbClr val="CDCD00"/>
+                </a:solidFill>
+                <a:latin typeface="Courier New"/>
+                <a:ea typeface="Courier New"/>
+                <a:cs typeface="Courier New"/>
+                <a:sym typeface="Courier New"/>
+              </a:rPr>
+              <a:t>using</a:t>
+            </a:r>
+            <a:r>
+              <a:rPr lang="el" sz="950">
+                <a:latin typeface="Courier New"/>
+                <a:ea typeface="Courier New"/>
+                <a:cs typeface="Courier New"/>
+                <a:sym typeface="Courier New"/>
+              </a:rPr>
+              <a:t> </a:t>
+            </a:r>
+            <a:r>
+              <a:rPr lang="el" sz="950">
+                <a:solidFill>
+                  <a:srgbClr val="CCCCCC"/>
+                </a:solidFill>
+                <a:latin typeface="Courier New"/>
+                <a:ea typeface="Courier New"/>
+                <a:cs typeface="Courier New"/>
+                <a:sym typeface="Courier New"/>
+              </a:rPr>
+              <a:t>System;</a:t>
+            </a:r>
+            <a:endParaRPr sz="950">
+              <a:latin typeface="Courier New"/>
+              <a:ea typeface="Courier New"/>
+              <a:cs typeface="Courier New"/>
+              <a:sym typeface="Courier New"/>
+            </a:endParaRPr>
+          </a:p>
+          <a:p>
+            <a:pPr indent="0" lvl="0" marL="0" rtl="0" algn="l">
+              <a:spcBef>
+                <a:spcPts val="0"/>
+              </a:spcBef>
+              <a:spcAft>
+                <a:spcPts val="0"/>
+              </a:spcAft>
+              <a:buNone/>
+            </a:pPr>
+            <a:r>
+              <a:rPr lang="el" sz="950">
+                <a:solidFill>
+                  <a:srgbClr val="CDCD00"/>
+                </a:solidFill>
+                <a:latin typeface="Courier New"/>
+                <a:ea typeface="Courier New"/>
+                <a:cs typeface="Courier New"/>
+                <a:sym typeface="Courier New"/>
+              </a:rPr>
+              <a:t>using</a:t>
+            </a:r>
+            <a:r>
+              <a:rPr lang="el" sz="950">
+                <a:latin typeface="Courier New"/>
+                <a:ea typeface="Courier New"/>
+                <a:cs typeface="Courier New"/>
+                <a:sym typeface="Courier New"/>
+              </a:rPr>
+              <a:t> </a:t>
+            </a:r>
+            <a:r>
+              <a:rPr lang="el" sz="950">
+                <a:solidFill>
+                  <a:srgbClr val="CCCCCC"/>
+                </a:solidFill>
+                <a:latin typeface="Courier New"/>
+                <a:ea typeface="Courier New"/>
+                <a:cs typeface="Courier New"/>
+                <a:sym typeface="Courier New"/>
+              </a:rPr>
+              <a:t>System.Collections.Generic;</a:t>
+            </a:r>
+            <a:endParaRPr sz="950">
+              <a:latin typeface="Courier New"/>
+              <a:ea typeface="Courier New"/>
+              <a:cs typeface="Courier New"/>
+              <a:sym typeface="Courier New"/>
+            </a:endParaRPr>
+          </a:p>
+          <a:p>
+            <a:pPr indent="0" lvl="0" marL="0" rtl="0" algn="l">
+              <a:spcBef>
+                <a:spcPts val="0"/>
+              </a:spcBef>
+              <a:spcAft>
+                <a:spcPts val="0"/>
+              </a:spcAft>
+              <a:buNone/>
+            </a:pPr>
+            <a:r>
+              <a:rPr lang="el" sz="950">
+                <a:solidFill>
+                  <a:srgbClr val="CDCD00"/>
+                </a:solidFill>
+                <a:latin typeface="Courier New"/>
+                <a:ea typeface="Courier New"/>
+                <a:cs typeface="Courier New"/>
+                <a:sym typeface="Courier New"/>
+              </a:rPr>
+              <a:t>using</a:t>
+            </a:r>
+            <a:r>
+              <a:rPr lang="el" sz="950">
+                <a:latin typeface="Courier New"/>
+                <a:ea typeface="Courier New"/>
+                <a:cs typeface="Courier New"/>
+                <a:sym typeface="Courier New"/>
+              </a:rPr>
+              <a:t> </a:t>
+            </a:r>
+            <a:r>
+              <a:rPr lang="el" sz="950">
+                <a:solidFill>
+                  <a:srgbClr val="CCCCCC"/>
+                </a:solidFill>
+                <a:latin typeface="Courier New"/>
+                <a:ea typeface="Courier New"/>
+                <a:cs typeface="Courier New"/>
+                <a:sym typeface="Courier New"/>
+              </a:rPr>
+              <a:t>Catalog.Entities;</a:t>
+            </a:r>
+            <a:endParaRPr sz="950">
+              <a:latin typeface="Courier New"/>
+              <a:ea typeface="Courier New"/>
+              <a:cs typeface="Courier New"/>
+              <a:sym typeface="Courier New"/>
+            </a:endParaRPr>
+          </a:p>
+          <a:p>
+            <a:pPr indent="0" lvl="0" marL="0" rtl="0" algn="l">
+              <a:spcBef>
+                <a:spcPts val="0"/>
+              </a:spcBef>
+              <a:spcAft>
+                <a:spcPts val="0"/>
+              </a:spcAft>
+              <a:buNone/>
+            </a:pPr>
+            <a:r>
+              <a:rPr lang="el" sz="950">
+                <a:solidFill>
+                  <a:srgbClr val="CDCD00"/>
+                </a:solidFill>
+                <a:latin typeface="Courier New"/>
+                <a:ea typeface="Courier New"/>
+                <a:cs typeface="Courier New"/>
+                <a:sym typeface="Courier New"/>
+              </a:rPr>
+              <a:t>using</a:t>
+            </a:r>
+            <a:r>
+              <a:rPr lang="el" sz="950">
+                <a:latin typeface="Courier New"/>
+                <a:ea typeface="Courier New"/>
+                <a:cs typeface="Courier New"/>
+                <a:sym typeface="Courier New"/>
+              </a:rPr>
+              <a:t> </a:t>
+            </a:r>
+            <a:r>
+              <a:rPr lang="el" sz="950">
+                <a:solidFill>
+                  <a:srgbClr val="CCCCCC"/>
+                </a:solidFill>
+                <a:latin typeface="Courier New"/>
+                <a:ea typeface="Courier New"/>
+                <a:cs typeface="Courier New"/>
+                <a:sym typeface="Courier New"/>
+              </a:rPr>
+              <a:t>MongoDB.Bson;</a:t>
+            </a:r>
+            <a:endParaRPr sz="950">
+              <a:latin typeface="Courier New"/>
+              <a:ea typeface="Courier New"/>
+              <a:cs typeface="Courier New"/>
+              <a:sym typeface="Courier New"/>
+            </a:endParaRPr>
+          </a:p>
+          <a:p>
+            <a:pPr indent="0" lvl="0" marL="0" rtl="0" algn="l">
+              <a:spcBef>
+                <a:spcPts val="0"/>
+              </a:spcBef>
+              <a:spcAft>
+                <a:spcPts val="0"/>
+              </a:spcAft>
+              <a:buNone/>
+            </a:pPr>
+            <a:r>
+              <a:rPr lang="el" sz="950">
+                <a:solidFill>
+                  <a:srgbClr val="CDCD00"/>
+                </a:solidFill>
+                <a:latin typeface="Courier New"/>
+                <a:ea typeface="Courier New"/>
+                <a:cs typeface="Courier New"/>
+                <a:sym typeface="Courier New"/>
+              </a:rPr>
+              <a:t>using</a:t>
+            </a:r>
+            <a:r>
+              <a:rPr lang="el" sz="950">
+                <a:latin typeface="Courier New"/>
+                <a:ea typeface="Courier New"/>
+                <a:cs typeface="Courier New"/>
+                <a:sym typeface="Courier New"/>
+              </a:rPr>
+              <a:t> </a:t>
+            </a:r>
+            <a:r>
+              <a:rPr lang="el" sz="950">
+                <a:solidFill>
+                  <a:srgbClr val="CCCCCC"/>
+                </a:solidFill>
+                <a:latin typeface="Courier New"/>
+                <a:ea typeface="Courier New"/>
+                <a:cs typeface="Courier New"/>
+                <a:sym typeface="Courier New"/>
+              </a:rPr>
+              <a:t>MongoDB.Driver;</a:t>
+            </a:r>
+            <a:endParaRPr sz="950">
+              <a:latin typeface="Courier New"/>
+              <a:ea typeface="Courier New"/>
+              <a:cs typeface="Courier New"/>
+              <a:sym typeface="Courier New"/>
+            </a:endParaRPr>
+          </a:p>
+          <a:p>
+            <a:pPr indent="0" lvl="0" marL="0" rtl="0" algn="l">
+              <a:spcBef>
+                <a:spcPts val="0"/>
+              </a:spcBef>
+              <a:spcAft>
+                <a:spcPts val="0"/>
+              </a:spcAft>
+              <a:buNone/>
+            </a:pPr>
+            <a:r>
+              <a:t/>
+            </a:r>
+            <a:endParaRPr sz="950">
+              <a:latin typeface="Courier New"/>
+              <a:ea typeface="Courier New"/>
+              <a:cs typeface="Courier New"/>
+              <a:sym typeface="Courier New"/>
+            </a:endParaRPr>
+          </a:p>
+          <a:p>
+            <a:pPr indent="0" lvl="0" marL="0" rtl="0" algn="l">
+              <a:spcBef>
+                <a:spcPts val="0"/>
+              </a:spcBef>
+              <a:spcAft>
+                <a:spcPts val="0"/>
+              </a:spcAft>
+              <a:buNone/>
+            </a:pPr>
+            <a:r>
+              <a:rPr lang="el" sz="950">
+                <a:solidFill>
+                  <a:srgbClr val="CDCD00"/>
+                </a:solidFill>
+                <a:latin typeface="Courier New"/>
+                <a:ea typeface="Courier New"/>
+                <a:cs typeface="Courier New"/>
+                <a:sym typeface="Courier New"/>
+              </a:rPr>
+              <a:t>namespace</a:t>
+            </a:r>
+            <a:r>
+              <a:rPr lang="el" sz="950">
+                <a:latin typeface="Courier New"/>
+                <a:ea typeface="Courier New"/>
+                <a:cs typeface="Courier New"/>
+                <a:sym typeface="Courier New"/>
+              </a:rPr>
+              <a:t> </a:t>
+            </a:r>
+            <a:r>
+              <a:rPr lang="el" sz="950">
+                <a:solidFill>
+                  <a:srgbClr val="CCCCCC"/>
+                </a:solidFill>
+                <a:latin typeface="Courier New"/>
+                <a:ea typeface="Courier New"/>
+                <a:cs typeface="Courier New"/>
+                <a:sym typeface="Courier New"/>
+              </a:rPr>
+              <a:t>Catalog.Repositories</a:t>
+            </a:r>
+            <a:endParaRPr sz="950">
+              <a:latin typeface="Courier New"/>
+              <a:ea typeface="Courier New"/>
+              <a:cs typeface="Courier New"/>
+              <a:sym typeface="Courier New"/>
+            </a:endParaRPr>
+          </a:p>
+          <a:p>
+            <a:pPr indent="0" lvl="0" marL="0" rtl="0" algn="l">
+              <a:spcBef>
+                <a:spcPts val="0"/>
+              </a:spcBef>
+              <a:spcAft>
+                <a:spcPts val="0"/>
+              </a:spcAft>
+              <a:buNone/>
+            </a:pPr>
+            <a:r>
+              <a:rPr lang="el" sz="950">
+                <a:solidFill>
+                  <a:srgbClr val="CCCCCC"/>
+                </a:solidFill>
+                <a:latin typeface="Courier New"/>
+                <a:ea typeface="Courier New"/>
+                <a:cs typeface="Courier New"/>
+                <a:sym typeface="Courier New"/>
+              </a:rPr>
+              <a:t>{</a:t>
+            </a:r>
+            <a:endParaRPr sz="950">
+              <a:latin typeface="Courier New"/>
+              <a:ea typeface="Courier New"/>
+              <a:cs typeface="Courier New"/>
+              <a:sym typeface="Courier New"/>
+            </a:endParaRPr>
+          </a:p>
+          <a:p>
+            <a:pPr indent="0" lvl="0" marL="0" rtl="0" algn="l">
+              <a:spcBef>
+                <a:spcPts val="0"/>
+              </a:spcBef>
+              <a:spcAft>
+                <a:spcPts val="0"/>
+              </a:spcAft>
+              <a:buNone/>
+            </a:pPr>
+            <a:r>
+              <a:rPr lang="el" sz="950">
+                <a:latin typeface="Courier New"/>
+                <a:ea typeface="Courier New"/>
+                <a:cs typeface="Courier New"/>
+                <a:sym typeface="Courier New"/>
+              </a:rPr>
+              <a:t>    </a:t>
+            </a:r>
+            <a:r>
+              <a:rPr lang="el" sz="950">
+                <a:solidFill>
+                  <a:srgbClr val="CDCD00"/>
+                </a:solidFill>
+                <a:latin typeface="Courier New"/>
+                <a:ea typeface="Courier New"/>
+                <a:cs typeface="Courier New"/>
+                <a:sym typeface="Courier New"/>
+              </a:rPr>
+              <a:t>public</a:t>
+            </a:r>
+            <a:r>
+              <a:rPr lang="el" sz="950">
+                <a:latin typeface="Courier New"/>
+                <a:ea typeface="Courier New"/>
+                <a:cs typeface="Courier New"/>
+                <a:sym typeface="Courier New"/>
+              </a:rPr>
+              <a:t> </a:t>
+            </a:r>
+            <a:r>
+              <a:rPr lang="el" sz="950">
+                <a:solidFill>
+                  <a:srgbClr val="CDCD00"/>
+                </a:solidFill>
+                <a:latin typeface="Courier New"/>
+                <a:ea typeface="Courier New"/>
+                <a:cs typeface="Courier New"/>
+                <a:sym typeface="Courier New"/>
+              </a:rPr>
+              <a:t>class</a:t>
+            </a:r>
+            <a:r>
+              <a:rPr lang="el" sz="950">
+                <a:latin typeface="Courier New"/>
+                <a:ea typeface="Courier New"/>
+                <a:cs typeface="Courier New"/>
+                <a:sym typeface="Courier New"/>
+              </a:rPr>
+              <a:t> </a:t>
+            </a:r>
+            <a:r>
+              <a:rPr lang="el" sz="950">
+                <a:solidFill>
+                  <a:srgbClr val="00CDCD"/>
+                </a:solidFill>
+                <a:latin typeface="Courier New"/>
+                <a:ea typeface="Courier New"/>
+                <a:cs typeface="Courier New"/>
+                <a:sym typeface="Courier New"/>
+              </a:rPr>
+              <a:t>MongoDbItemsRepository</a:t>
+            </a:r>
+            <a:r>
+              <a:rPr lang="el" sz="950">
+                <a:latin typeface="Courier New"/>
+                <a:ea typeface="Courier New"/>
+                <a:cs typeface="Courier New"/>
+                <a:sym typeface="Courier New"/>
+              </a:rPr>
+              <a:t> </a:t>
+            </a:r>
+            <a:r>
+              <a:rPr lang="el" sz="950">
+                <a:solidFill>
+                  <a:srgbClr val="CCCCCC"/>
+                </a:solidFill>
+                <a:latin typeface="Courier New"/>
+                <a:ea typeface="Courier New"/>
+                <a:cs typeface="Courier New"/>
+                <a:sym typeface="Courier New"/>
+              </a:rPr>
+              <a:t>:</a:t>
+            </a:r>
+            <a:r>
+              <a:rPr lang="el" sz="950">
+                <a:latin typeface="Courier New"/>
+                <a:ea typeface="Courier New"/>
+                <a:cs typeface="Courier New"/>
+                <a:sym typeface="Courier New"/>
+              </a:rPr>
+              <a:t> </a:t>
+            </a:r>
+            <a:r>
+              <a:rPr lang="el" sz="950">
+                <a:solidFill>
+                  <a:srgbClr val="CCCCCC"/>
+                </a:solidFill>
+                <a:latin typeface="Courier New"/>
+                <a:ea typeface="Courier New"/>
+                <a:cs typeface="Courier New"/>
+                <a:sym typeface="Courier New"/>
+              </a:rPr>
+              <a:t>IItemsRepository</a:t>
+            </a:r>
+            <a:endParaRPr sz="950">
+              <a:latin typeface="Courier New"/>
+              <a:ea typeface="Courier New"/>
+              <a:cs typeface="Courier New"/>
+              <a:sym typeface="Courier New"/>
+            </a:endParaRPr>
+          </a:p>
+          <a:p>
+            <a:pPr indent="0" lvl="0" marL="0" rtl="0" algn="l">
+              <a:spcBef>
+                <a:spcPts val="0"/>
+              </a:spcBef>
+              <a:spcAft>
+                <a:spcPts val="0"/>
+              </a:spcAft>
+              <a:buNone/>
+            </a:pPr>
+            <a:r>
+              <a:rPr lang="el" sz="950">
+                <a:latin typeface="Courier New"/>
+                <a:ea typeface="Courier New"/>
+                <a:cs typeface="Courier New"/>
+                <a:sym typeface="Courier New"/>
+              </a:rPr>
+              <a:t>    </a:t>
+            </a:r>
+            <a:r>
+              <a:rPr lang="el" sz="950">
+                <a:solidFill>
+                  <a:srgbClr val="CCCCCC"/>
+                </a:solidFill>
+                <a:latin typeface="Courier New"/>
+                <a:ea typeface="Courier New"/>
+                <a:cs typeface="Courier New"/>
+                <a:sym typeface="Courier New"/>
+              </a:rPr>
+              <a:t>{</a:t>
+            </a:r>
+            <a:endParaRPr sz="950">
+              <a:latin typeface="Courier New"/>
+              <a:ea typeface="Courier New"/>
+              <a:cs typeface="Courier New"/>
+              <a:sym typeface="Courier New"/>
+            </a:endParaRPr>
+          </a:p>
+          <a:p>
+            <a:pPr indent="0" lvl="0" marL="0" rtl="0" algn="l">
+              <a:spcBef>
+                <a:spcPts val="0"/>
+              </a:spcBef>
+              <a:spcAft>
+                <a:spcPts val="0"/>
+              </a:spcAft>
+              <a:buNone/>
+            </a:pPr>
+            <a:r>
+              <a:rPr lang="el" sz="950">
+                <a:latin typeface="Courier New"/>
+                <a:ea typeface="Courier New"/>
+                <a:cs typeface="Courier New"/>
+                <a:sym typeface="Courier New"/>
+              </a:rPr>
+              <a:t>        </a:t>
+            </a:r>
+            <a:r>
+              <a:rPr lang="el" sz="950">
+                <a:solidFill>
+                  <a:srgbClr val="CDCD00"/>
+                </a:solidFill>
+                <a:latin typeface="Courier New"/>
+                <a:ea typeface="Courier New"/>
+                <a:cs typeface="Courier New"/>
+                <a:sym typeface="Courier New"/>
+              </a:rPr>
+              <a:t>private</a:t>
+            </a:r>
+            <a:r>
+              <a:rPr lang="el" sz="950">
+                <a:latin typeface="Courier New"/>
+                <a:ea typeface="Courier New"/>
+                <a:cs typeface="Courier New"/>
+                <a:sym typeface="Courier New"/>
+              </a:rPr>
+              <a:t> </a:t>
+            </a:r>
+            <a:r>
+              <a:rPr lang="el" sz="950">
+                <a:solidFill>
+                  <a:srgbClr val="CDCD00"/>
+                </a:solidFill>
+                <a:latin typeface="Courier New"/>
+                <a:ea typeface="Courier New"/>
+                <a:cs typeface="Courier New"/>
+                <a:sym typeface="Courier New"/>
+              </a:rPr>
+              <a:t>const</a:t>
+            </a:r>
+            <a:r>
+              <a:rPr lang="el" sz="950">
+                <a:latin typeface="Courier New"/>
+                <a:ea typeface="Courier New"/>
+                <a:cs typeface="Courier New"/>
+                <a:sym typeface="Courier New"/>
+              </a:rPr>
+              <a:t> </a:t>
+            </a:r>
+            <a:r>
+              <a:rPr lang="el" sz="950">
+                <a:solidFill>
+                  <a:srgbClr val="00CD00"/>
+                </a:solidFill>
+                <a:latin typeface="Courier New"/>
+                <a:ea typeface="Courier New"/>
+                <a:cs typeface="Courier New"/>
+                <a:sym typeface="Courier New"/>
+              </a:rPr>
+              <a:t>string</a:t>
+            </a:r>
+            <a:r>
+              <a:rPr lang="el" sz="950">
+                <a:latin typeface="Courier New"/>
+                <a:ea typeface="Courier New"/>
+                <a:cs typeface="Courier New"/>
+                <a:sym typeface="Courier New"/>
+              </a:rPr>
+              <a:t> </a:t>
+            </a:r>
+            <a:r>
+              <a:rPr lang="el" sz="950">
+                <a:solidFill>
+                  <a:srgbClr val="CCCCCC"/>
+                </a:solidFill>
+                <a:latin typeface="Courier New"/>
+                <a:ea typeface="Courier New"/>
+                <a:cs typeface="Courier New"/>
+                <a:sym typeface="Courier New"/>
+              </a:rPr>
+              <a:t>databaseName</a:t>
+            </a:r>
+            <a:r>
+              <a:rPr lang="el" sz="950">
+                <a:latin typeface="Courier New"/>
+                <a:ea typeface="Courier New"/>
+                <a:cs typeface="Courier New"/>
+                <a:sym typeface="Courier New"/>
+              </a:rPr>
+              <a:t> </a:t>
+            </a:r>
+            <a:r>
+              <a:rPr lang="el" sz="950">
+                <a:solidFill>
+                  <a:srgbClr val="CCCCCC"/>
+                </a:solidFill>
+                <a:latin typeface="Courier New"/>
+                <a:ea typeface="Courier New"/>
+                <a:cs typeface="Courier New"/>
+                <a:sym typeface="Courier New"/>
+              </a:rPr>
+              <a:t>=</a:t>
+            </a:r>
+            <a:r>
+              <a:rPr lang="el" sz="950">
+                <a:latin typeface="Courier New"/>
+                <a:ea typeface="Courier New"/>
+                <a:cs typeface="Courier New"/>
+                <a:sym typeface="Courier New"/>
+              </a:rPr>
+              <a:t> </a:t>
+            </a:r>
+            <a:r>
+              <a:rPr lang="el" sz="950">
+                <a:solidFill>
+                  <a:srgbClr val="CD0000"/>
+                </a:solidFill>
+                <a:latin typeface="Courier New"/>
+                <a:ea typeface="Courier New"/>
+                <a:cs typeface="Courier New"/>
+                <a:sym typeface="Courier New"/>
+              </a:rPr>
+              <a:t>"catalog"</a:t>
+            </a:r>
+            <a:r>
+              <a:rPr lang="el" sz="950">
+                <a:solidFill>
+                  <a:srgbClr val="CCCCCC"/>
+                </a:solidFill>
+                <a:latin typeface="Courier New"/>
+                <a:ea typeface="Courier New"/>
+                <a:cs typeface="Courier New"/>
+                <a:sym typeface="Courier New"/>
+              </a:rPr>
+              <a:t>;</a:t>
+            </a:r>
+            <a:endParaRPr sz="950">
+              <a:latin typeface="Courier New"/>
+              <a:ea typeface="Courier New"/>
+              <a:cs typeface="Courier New"/>
+              <a:sym typeface="Courier New"/>
+            </a:endParaRPr>
+          </a:p>
+          <a:p>
+            <a:pPr indent="0" lvl="0" marL="0" rtl="0" algn="l">
+              <a:spcBef>
+                <a:spcPts val="0"/>
+              </a:spcBef>
+              <a:spcAft>
+                <a:spcPts val="0"/>
+              </a:spcAft>
+              <a:buNone/>
+            </a:pPr>
+            <a:r>
+              <a:rPr lang="el" sz="950">
+                <a:latin typeface="Courier New"/>
+                <a:ea typeface="Courier New"/>
+                <a:cs typeface="Courier New"/>
+                <a:sym typeface="Courier New"/>
+              </a:rPr>
+              <a:t>        </a:t>
+            </a:r>
+            <a:r>
+              <a:rPr lang="el" sz="950">
+                <a:solidFill>
+                  <a:srgbClr val="CDCD00"/>
+                </a:solidFill>
+                <a:latin typeface="Courier New"/>
+                <a:ea typeface="Courier New"/>
+                <a:cs typeface="Courier New"/>
+                <a:sym typeface="Courier New"/>
+              </a:rPr>
+              <a:t>private</a:t>
+            </a:r>
+            <a:r>
+              <a:rPr lang="el" sz="950">
+                <a:latin typeface="Courier New"/>
+                <a:ea typeface="Courier New"/>
+                <a:cs typeface="Courier New"/>
+                <a:sym typeface="Courier New"/>
+              </a:rPr>
+              <a:t> </a:t>
+            </a:r>
+            <a:r>
+              <a:rPr lang="el" sz="950">
+                <a:solidFill>
+                  <a:srgbClr val="CDCD00"/>
+                </a:solidFill>
+                <a:latin typeface="Courier New"/>
+                <a:ea typeface="Courier New"/>
+                <a:cs typeface="Courier New"/>
+                <a:sym typeface="Courier New"/>
+              </a:rPr>
+              <a:t>const</a:t>
+            </a:r>
+            <a:r>
+              <a:rPr lang="el" sz="950">
+                <a:latin typeface="Courier New"/>
+                <a:ea typeface="Courier New"/>
+                <a:cs typeface="Courier New"/>
+                <a:sym typeface="Courier New"/>
+              </a:rPr>
+              <a:t> </a:t>
+            </a:r>
+            <a:r>
+              <a:rPr lang="el" sz="950">
+                <a:solidFill>
+                  <a:srgbClr val="00CD00"/>
+                </a:solidFill>
+                <a:latin typeface="Courier New"/>
+                <a:ea typeface="Courier New"/>
+                <a:cs typeface="Courier New"/>
+                <a:sym typeface="Courier New"/>
+              </a:rPr>
+              <a:t>string</a:t>
+            </a:r>
+            <a:r>
+              <a:rPr lang="el" sz="950">
+                <a:latin typeface="Courier New"/>
+                <a:ea typeface="Courier New"/>
+                <a:cs typeface="Courier New"/>
+                <a:sym typeface="Courier New"/>
+              </a:rPr>
+              <a:t> </a:t>
+            </a:r>
+            <a:r>
+              <a:rPr lang="el" sz="950">
+                <a:solidFill>
+                  <a:srgbClr val="CCCCCC"/>
+                </a:solidFill>
+                <a:latin typeface="Courier New"/>
+                <a:ea typeface="Courier New"/>
+                <a:cs typeface="Courier New"/>
+                <a:sym typeface="Courier New"/>
+              </a:rPr>
+              <a:t>collectionName</a:t>
+            </a:r>
+            <a:r>
+              <a:rPr lang="el" sz="950">
+                <a:latin typeface="Courier New"/>
+                <a:ea typeface="Courier New"/>
+                <a:cs typeface="Courier New"/>
+                <a:sym typeface="Courier New"/>
+              </a:rPr>
+              <a:t> </a:t>
+            </a:r>
+            <a:r>
+              <a:rPr lang="el" sz="950">
+                <a:solidFill>
+                  <a:srgbClr val="CCCCCC"/>
+                </a:solidFill>
+                <a:latin typeface="Courier New"/>
+                <a:ea typeface="Courier New"/>
+                <a:cs typeface="Courier New"/>
+                <a:sym typeface="Courier New"/>
+              </a:rPr>
+              <a:t>=</a:t>
+            </a:r>
+            <a:r>
+              <a:rPr lang="el" sz="950">
+                <a:latin typeface="Courier New"/>
+                <a:ea typeface="Courier New"/>
+                <a:cs typeface="Courier New"/>
+                <a:sym typeface="Courier New"/>
+              </a:rPr>
+              <a:t> </a:t>
+            </a:r>
+            <a:r>
+              <a:rPr lang="el" sz="950">
+                <a:solidFill>
+                  <a:srgbClr val="CD0000"/>
+                </a:solidFill>
+                <a:latin typeface="Courier New"/>
+                <a:ea typeface="Courier New"/>
+                <a:cs typeface="Courier New"/>
+                <a:sym typeface="Courier New"/>
+              </a:rPr>
+              <a:t>"items"</a:t>
+            </a:r>
+            <a:r>
+              <a:rPr lang="el" sz="950">
+                <a:solidFill>
+                  <a:srgbClr val="CCCCCC"/>
+                </a:solidFill>
+                <a:latin typeface="Courier New"/>
+                <a:ea typeface="Courier New"/>
+                <a:cs typeface="Courier New"/>
+                <a:sym typeface="Courier New"/>
+              </a:rPr>
+              <a:t>;</a:t>
+            </a:r>
+            <a:endParaRPr sz="950">
+              <a:latin typeface="Courier New"/>
+              <a:ea typeface="Courier New"/>
+              <a:cs typeface="Courier New"/>
+              <a:sym typeface="Courier New"/>
+            </a:endParaRPr>
+          </a:p>
+          <a:p>
+            <a:pPr indent="0" lvl="0" marL="0" rtl="0" algn="l">
+              <a:spcBef>
+                <a:spcPts val="0"/>
+              </a:spcBef>
+              <a:spcAft>
+                <a:spcPts val="0"/>
+              </a:spcAft>
+              <a:buNone/>
+            </a:pPr>
+            <a:r>
+              <a:rPr lang="el" sz="950">
+                <a:latin typeface="Courier New"/>
+                <a:ea typeface="Courier New"/>
+                <a:cs typeface="Courier New"/>
+                <a:sym typeface="Courier New"/>
+              </a:rPr>
+              <a:t>        </a:t>
+            </a:r>
+            <a:r>
+              <a:rPr lang="el" sz="950">
+                <a:solidFill>
+                  <a:srgbClr val="CDCD00"/>
+                </a:solidFill>
+                <a:latin typeface="Courier New"/>
+                <a:ea typeface="Courier New"/>
+                <a:cs typeface="Courier New"/>
+                <a:sym typeface="Courier New"/>
+              </a:rPr>
+              <a:t>private</a:t>
+            </a:r>
+            <a:r>
+              <a:rPr lang="el" sz="950">
+                <a:latin typeface="Courier New"/>
+                <a:ea typeface="Courier New"/>
+                <a:cs typeface="Courier New"/>
+                <a:sym typeface="Courier New"/>
+              </a:rPr>
+              <a:t> </a:t>
+            </a:r>
+            <a:r>
+              <a:rPr lang="el" sz="950">
+                <a:solidFill>
+                  <a:srgbClr val="CDCD00"/>
+                </a:solidFill>
+                <a:latin typeface="Courier New"/>
+                <a:ea typeface="Courier New"/>
+                <a:cs typeface="Courier New"/>
+                <a:sym typeface="Courier New"/>
+              </a:rPr>
+              <a:t>readonly</a:t>
+            </a:r>
+            <a:r>
+              <a:rPr lang="el" sz="950">
+                <a:latin typeface="Courier New"/>
+                <a:ea typeface="Courier New"/>
+                <a:cs typeface="Courier New"/>
+                <a:sym typeface="Courier New"/>
+              </a:rPr>
+              <a:t> </a:t>
+            </a:r>
+            <a:r>
+              <a:rPr lang="el" sz="950">
+                <a:solidFill>
+                  <a:srgbClr val="00FFFF"/>
+                </a:solidFill>
+                <a:latin typeface="Courier New"/>
+                <a:ea typeface="Courier New"/>
+                <a:cs typeface="Courier New"/>
+                <a:sym typeface="Courier New"/>
+              </a:rPr>
+              <a:t>IMongoCollection</a:t>
+            </a:r>
+            <a:r>
+              <a:rPr lang="el" sz="950">
+                <a:solidFill>
+                  <a:srgbClr val="CCCCCC"/>
+                </a:solidFill>
+                <a:latin typeface="Courier New"/>
+                <a:ea typeface="Courier New"/>
+                <a:cs typeface="Courier New"/>
+                <a:sym typeface="Courier New"/>
+              </a:rPr>
+              <a:t>&lt;</a:t>
+            </a:r>
+            <a:r>
+              <a:rPr lang="el" sz="950">
+                <a:solidFill>
+                  <a:schemeClr val="accent2"/>
+                </a:solidFill>
+                <a:latin typeface="Courier New"/>
+                <a:ea typeface="Courier New"/>
+                <a:cs typeface="Courier New"/>
+                <a:sym typeface="Courier New"/>
+              </a:rPr>
+              <a:t>Item</a:t>
+            </a:r>
+            <a:r>
+              <a:rPr lang="el" sz="950">
+                <a:solidFill>
+                  <a:srgbClr val="CCCCCC"/>
+                </a:solidFill>
+                <a:latin typeface="Courier New"/>
+                <a:ea typeface="Courier New"/>
+                <a:cs typeface="Courier New"/>
+                <a:sym typeface="Courier New"/>
+              </a:rPr>
+              <a:t>&gt;</a:t>
+            </a:r>
+            <a:r>
+              <a:rPr lang="el" sz="950">
+                <a:latin typeface="Courier New"/>
+                <a:ea typeface="Courier New"/>
+                <a:cs typeface="Courier New"/>
+                <a:sym typeface="Courier New"/>
+              </a:rPr>
+              <a:t> </a:t>
+            </a:r>
+            <a:r>
+              <a:rPr lang="el" sz="950">
+                <a:solidFill>
+                  <a:srgbClr val="E69138"/>
+                </a:solidFill>
+                <a:latin typeface="Courier New"/>
+                <a:ea typeface="Courier New"/>
+                <a:cs typeface="Courier New"/>
+                <a:sym typeface="Courier New"/>
+              </a:rPr>
+              <a:t>itemsCollection</a:t>
+            </a:r>
+            <a:r>
+              <a:rPr lang="el" sz="950">
+                <a:solidFill>
+                  <a:srgbClr val="CCCCCC"/>
+                </a:solidFill>
+                <a:latin typeface="Courier New"/>
+                <a:ea typeface="Courier New"/>
+                <a:cs typeface="Courier New"/>
+                <a:sym typeface="Courier New"/>
+              </a:rPr>
+              <a:t>;</a:t>
+            </a:r>
+            <a:endParaRPr sz="950">
+              <a:latin typeface="Courier New"/>
+              <a:ea typeface="Courier New"/>
+              <a:cs typeface="Courier New"/>
+              <a:sym typeface="Courier New"/>
+            </a:endParaRPr>
+          </a:p>
+          <a:p>
+            <a:pPr indent="0" lvl="0" marL="0" rtl="0" algn="l">
+              <a:spcBef>
+                <a:spcPts val="0"/>
+              </a:spcBef>
+              <a:spcAft>
+                <a:spcPts val="0"/>
+              </a:spcAft>
+              <a:buNone/>
+            </a:pPr>
+            <a:r>
+              <a:rPr lang="el" sz="950">
+                <a:latin typeface="Courier New"/>
+                <a:ea typeface="Courier New"/>
+                <a:cs typeface="Courier New"/>
+                <a:sym typeface="Courier New"/>
+              </a:rPr>
+              <a:t>        </a:t>
+            </a:r>
+            <a:r>
+              <a:rPr lang="el" sz="950">
+                <a:solidFill>
+                  <a:srgbClr val="CDCD00"/>
+                </a:solidFill>
+                <a:latin typeface="Courier New"/>
+                <a:ea typeface="Courier New"/>
+                <a:cs typeface="Courier New"/>
+                <a:sym typeface="Courier New"/>
+              </a:rPr>
+              <a:t>private</a:t>
+            </a:r>
+            <a:r>
+              <a:rPr lang="el" sz="950">
+                <a:latin typeface="Courier New"/>
+                <a:ea typeface="Courier New"/>
+                <a:cs typeface="Courier New"/>
+                <a:sym typeface="Courier New"/>
+              </a:rPr>
+              <a:t> </a:t>
+            </a:r>
+            <a:r>
+              <a:rPr lang="el" sz="950">
+                <a:solidFill>
+                  <a:srgbClr val="CDCD00"/>
+                </a:solidFill>
+                <a:latin typeface="Courier New"/>
+                <a:ea typeface="Courier New"/>
+                <a:cs typeface="Courier New"/>
+                <a:sym typeface="Courier New"/>
+              </a:rPr>
+              <a:t>readonly</a:t>
+            </a:r>
+            <a:r>
+              <a:rPr lang="el" sz="950">
+                <a:latin typeface="Courier New"/>
+                <a:ea typeface="Courier New"/>
+                <a:cs typeface="Courier New"/>
+                <a:sym typeface="Courier New"/>
+              </a:rPr>
+              <a:t> </a:t>
+            </a:r>
+            <a:r>
+              <a:rPr lang="el" sz="950">
+                <a:solidFill>
+                  <a:srgbClr val="00FFFF"/>
+                </a:solidFill>
+                <a:latin typeface="Courier New"/>
+                <a:ea typeface="Courier New"/>
+                <a:cs typeface="Courier New"/>
+                <a:sym typeface="Courier New"/>
+              </a:rPr>
+              <a:t>FilterDefinitionBuilder</a:t>
+            </a:r>
+            <a:r>
+              <a:rPr lang="el" sz="950">
+                <a:solidFill>
+                  <a:srgbClr val="CCCCCC"/>
+                </a:solidFill>
+                <a:latin typeface="Courier New"/>
+                <a:ea typeface="Courier New"/>
+                <a:cs typeface="Courier New"/>
+                <a:sym typeface="Courier New"/>
+              </a:rPr>
+              <a:t>&lt;</a:t>
+            </a:r>
+            <a:r>
+              <a:rPr lang="el" sz="950">
+                <a:solidFill>
+                  <a:schemeClr val="accent2"/>
+                </a:solidFill>
+                <a:latin typeface="Courier New"/>
+                <a:ea typeface="Courier New"/>
+                <a:cs typeface="Courier New"/>
+                <a:sym typeface="Courier New"/>
+              </a:rPr>
+              <a:t>Item</a:t>
+            </a:r>
+            <a:r>
+              <a:rPr lang="el" sz="950">
+                <a:solidFill>
+                  <a:srgbClr val="CCCCCC"/>
+                </a:solidFill>
+                <a:latin typeface="Courier New"/>
+                <a:ea typeface="Courier New"/>
+                <a:cs typeface="Courier New"/>
+                <a:sym typeface="Courier New"/>
+              </a:rPr>
+              <a:t>&gt;</a:t>
+            </a:r>
+            <a:r>
+              <a:rPr lang="el" sz="950">
+                <a:latin typeface="Courier New"/>
+                <a:ea typeface="Courier New"/>
+                <a:cs typeface="Courier New"/>
+                <a:sym typeface="Courier New"/>
+              </a:rPr>
+              <a:t> </a:t>
+            </a:r>
+            <a:r>
+              <a:rPr lang="el" sz="950">
+                <a:solidFill>
+                  <a:srgbClr val="CCCCCC"/>
+                </a:solidFill>
+                <a:latin typeface="Courier New"/>
+                <a:ea typeface="Courier New"/>
+                <a:cs typeface="Courier New"/>
+                <a:sym typeface="Courier New"/>
+              </a:rPr>
+              <a:t>filterBuilder</a:t>
+            </a:r>
+            <a:r>
+              <a:rPr lang="el" sz="950">
+                <a:latin typeface="Courier New"/>
+                <a:ea typeface="Courier New"/>
+                <a:cs typeface="Courier New"/>
+                <a:sym typeface="Courier New"/>
+              </a:rPr>
+              <a:t> </a:t>
+            </a:r>
+            <a:r>
+              <a:rPr lang="el" sz="950">
+                <a:solidFill>
+                  <a:srgbClr val="CCCCCC"/>
+                </a:solidFill>
+                <a:latin typeface="Courier New"/>
+                <a:ea typeface="Courier New"/>
+                <a:cs typeface="Courier New"/>
+                <a:sym typeface="Courier New"/>
+              </a:rPr>
+              <a:t>=</a:t>
+            </a:r>
+            <a:r>
+              <a:rPr lang="el" sz="950">
+                <a:latin typeface="Courier New"/>
+                <a:ea typeface="Courier New"/>
+                <a:cs typeface="Courier New"/>
+                <a:sym typeface="Courier New"/>
+              </a:rPr>
+              <a:t> </a:t>
+            </a:r>
+            <a:r>
+              <a:rPr lang="el" sz="950">
+                <a:solidFill>
+                  <a:srgbClr val="CCCCCC"/>
+                </a:solidFill>
+                <a:latin typeface="Courier New"/>
+                <a:ea typeface="Courier New"/>
+                <a:cs typeface="Courier New"/>
+                <a:sym typeface="Courier New"/>
+              </a:rPr>
+              <a:t>Builders&lt;Item&gt;.Filter;</a:t>
+            </a:r>
+            <a:endParaRPr sz="950">
+              <a:latin typeface="Courier New"/>
+              <a:ea typeface="Courier New"/>
+              <a:cs typeface="Courier New"/>
+              <a:sym typeface="Courier New"/>
+            </a:endParaRPr>
+          </a:p>
+          <a:p>
+            <a:pPr indent="0" lvl="0" marL="0" rtl="0" algn="l">
+              <a:spcBef>
+                <a:spcPts val="0"/>
+              </a:spcBef>
+              <a:spcAft>
+                <a:spcPts val="0"/>
+              </a:spcAft>
+              <a:buNone/>
+            </a:pPr>
+            <a:r>
+              <a:t/>
+            </a:r>
+            <a:endParaRPr sz="950">
+              <a:latin typeface="Courier New"/>
+              <a:ea typeface="Courier New"/>
+              <a:cs typeface="Courier New"/>
+              <a:sym typeface="Courier New"/>
+            </a:endParaRPr>
+          </a:p>
+          <a:p>
+            <a:pPr indent="0" lvl="0" marL="0" rtl="0" algn="l">
+              <a:spcBef>
+                <a:spcPts val="0"/>
+              </a:spcBef>
+              <a:spcAft>
+                <a:spcPts val="0"/>
+              </a:spcAft>
+              <a:buNone/>
+            </a:pPr>
+            <a:r>
+              <a:rPr lang="el" sz="950">
+                <a:latin typeface="Courier New"/>
+                <a:ea typeface="Courier New"/>
+                <a:cs typeface="Courier New"/>
+                <a:sym typeface="Courier New"/>
+              </a:rPr>
+              <a:t>        </a:t>
+            </a:r>
+            <a:r>
+              <a:rPr lang="el" sz="950">
+                <a:solidFill>
+                  <a:srgbClr val="CDCD00"/>
+                </a:solidFill>
+                <a:latin typeface="Courier New"/>
+                <a:ea typeface="Courier New"/>
+                <a:cs typeface="Courier New"/>
+                <a:sym typeface="Courier New"/>
+              </a:rPr>
+              <a:t>public</a:t>
+            </a:r>
+            <a:r>
+              <a:rPr lang="el" sz="950">
+                <a:latin typeface="Courier New"/>
+                <a:ea typeface="Courier New"/>
+                <a:cs typeface="Courier New"/>
+                <a:sym typeface="Courier New"/>
+              </a:rPr>
+              <a:t> </a:t>
+            </a:r>
+            <a:r>
+              <a:rPr lang="el" sz="950">
+                <a:solidFill>
+                  <a:srgbClr val="00CDCD"/>
+                </a:solidFill>
+                <a:latin typeface="Courier New"/>
+                <a:ea typeface="Courier New"/>
+                <a:cs typeface="Courier New"/>
+                <a:sym typeface="Courier New"/>
+              </a:rPr>
+              <a:t>MongoDbItemsRepository</a:t>
+            </a:r>
+            <a:r>
+              <a:rPr lang="el" sz="950">
+                <a:solidFill>
+                  <a:srgbClr val="CCCCCC"/>
+                </a:solidFill>
+                <a:latin typeface="Courier New"/>
+                <a:ea typeface="Courier New"/>
+                <a:cs typeface="Courier New"/>
+                <a:sym typeface="Courier New"/>
+              </a:rPr>
+              <a:t>(</a:t>
+            </a:r>
+            <a:r>
+              <a:rPr lang="el" sz="950">
+                <a:solidFill>
+                  <a:schemeClr val="accent2"/>
+                </a:solidFill>
+                <a:latin typeface="Courier New"/>
+                <a:ea typeface="Courier New"/>
+                <a:cs typeface="Courier New"/>
+                <a:sym typeface="Courier New"/>
+              </a:rPr>
+              <a:t>IMongoClient</a:t>
+            </a:r>
+            <a:r>
+              <a:rPr lang="el" sz="950">
+                <a:latin typeface="Courier New"/>
+                <a:ea typeface="Courier New"/>
+                <a:cs typeface="Courier New"/>
+                <a:sym typeface="Courier New"/>
+              </a:rPr>
+              <a:t> </a:t>
+            </a:r>
+            <a:r>
+              <a:rPr lang="el" sz="950">
+                <a:solidFill>
+                  <a:srgbClr val="CCCCCC"/>
+                </a:solidFill>
+                <a:latin typeface="Courier New"/>
+                <a:ea typeface="Courier New"/>
+                <a:cs typeface="Courier New"/>
+                <a:sym typeface="Courier New"/>
+              </a:rPr>
+              <a:t>mongoClient)</a:t>
+            </a:r>
+            <a:endParaRPr sz="950">
+              <a:latin typeface="Courier New"/>
+              <a:ea typeface="Courier New"/>
+              <a:cs typeface="Courier New"/>
+              <a:sym typeface="Courier New"/>
+            </a:endParaRPr>
+          </a:p>
+          <a:p>
+            <a:pPr indent="0" lvl="0" marL="0" rtl="0" algn="l">
+              <a:spcBef>
+                <a:spcPts val="0"/>
+              </a:spcBef>
+              <a:spcAft>
+                <a:spcPts val="0"/>
+              </a:spcAft>
+              <a:buNone/>
+            </a:pPr>
+            <a:r>
+              <a:rPr lang="el" sz="950">
+                <a:latin typeface="Courier New"/>
+                <a:ea typeface="Courier New"/>
+                <a:cs typeface="Courier New"/>
+                <a:sym typeface="Courier New"/>
+              </a:rPr>
+              <a:t>        </a:t>
+            </a:r>
+            <a:r>
+              <a:rPr lang="el" sz="950">
+                <a:solidFill>
+                  <a:srgbClr val="CCCCCC"/>
+                </a:solidFill>
+                <a:latin typeface="Courier New"/>
+                <a:ea typeface="Courier New"/>
+                <a:cs typeface="Courier New"/>
+                <a:sym typeface="Courier New"/>
+              </a:rPr>
+              <a:t>{</a:t>
+            </a:r>
+            <a:endParaRPr sz="950">
+              <a:latin typeface="Courier New"/>
+              <a:ea typeface="Courier New"/>
+              <a:cs typeface="Courier New"/>
+              <a:sym typeface="Courier New"/>
+            </a:endParaRPr>
+          </a:p>
+          <a:p>
+            <a:pPr indent="0" lvl="0" marL="0" rtl="0" algn="l">
+              <a:spcBef>
+                <a:spcPts val="0"/>
+              </a:spcBef>
+              <a:spcAft>
+                <a:spcPts val="0"/>
+              </a:spcAft>
+              <a:buNone/>
+            </a:pPr>
+            <a:r>
+              <a:rPr lang="el" sz="950">
+                <a:latin typeface="Courier New"/>
+                <a:ea typeface="Courier New"/>
+                <a:cs typeface="Courier New"/>
+                <a:sym typeface="Courier New"/>
+              </a:rPr>
+              <a:t>            </a:t>
+            </a:r>
+            <a:r>
+              <a:rPr lang="el" sz="950">
+                <a:solidFill>
+                  <a:schemeClr val="accent2"/>
+                </a:solidFill>
+                <a:latin typeface="Courier New"/>
+                <a:ea typeface="Courier New"/>
+                <a:cs typeface="Courier New"/>
+                <a:sym typeface="Courier New"/>
+              </a:rPr>
+              <a:t>IMongoDatabase </a:t>
+            </a:r>
+            <a:r>
+              <a:rPr lang="el" sz="950">
+                <a:solidFill>
+                  <a:srgbClr val="CCCCCC"/>
+                </a:solidFill>
+                <a:latin typeface="Courier New"/>
+                <a:ea typeface="Courier New"/>
+                <a:cs typeface="Courier New"/>
+                <a:sym typeface="Courier New"/>
+              </a:rPr>
+              <a:t>database</a:t>
+            </a:r>
+            <a:r>
+              <a:rPr lang="el" sz="950">
+                <a:latin typeface="Courier New"/>
+                <a:ea typeface="Courier New"/>
+                <a:cs typeface="Courier New"/>
+                <a:sym typeface="Courier New"/>
+              </a:rPr>
+              <a:t> </a:t>
+            </a:r>
+            <a:r>
+              <a:rPr lang="el" sz="950">
+                <a:solidFill>
+                  <a:srgbClr val="CCCCCC"/>
+                </a:solidFill>
+                <a:latin typeface="Courier New"/>
+                <a:ea typeface="Courier New"/>
+                <a:cs typeface="Courier New"/>
+                <a:sym typeface="Courier New"/>
+              </a:rPr>
+              <a:t>=</a:t>
+            </a:r>
+            <a:r>
+              <a:rPr lang="el" sz="950">
+                <a:latin typeface="Courier New"/>
+                <a:ea typeface="Courier New"/>
+                <a:cs typeface="Courier New"/>
+                <a:sym typeface="Courier New"/>
+              </a:rPr>
+              <a:t> </a:t>
+            </a:r>
+            <a:r>
+              <a:rPr lang="el" sz="950">
+                <a:solidFill>
+                  <a:srgbClr val="CCCCCC"/>
+                </a:solidFill>
+                <a:latin typeface="Courier New"/>
+                <a:ea typeface="Courier New"/>
+                <a:cs typeface="Courier New"/>
+                <a:sym typeface="Courier New"/>
+              </a:rPr>
+              <a:t>mongoClient.</a:t>
+            </a:r>
+            <a:r>
+              <a:rPr lang="el" sz="950">
+                <a:solidFill>
+                  <a:srgbClr val="00FFFF"/>
+                </a:solidFill>
+                <a:latin typeface="Courier New"/>
+                <a:ea typeface="Courier New"/>
+                <a:cs typeface="Courier New"/>
+                <a:sym typeface="Courier New"/>
+              </a:rPr>
+              <a:t>GetDatabase</a:t>
+            </a:r>
+            <a:r>
+              <a:rPr lang="el" sz="950">
+                <a:solidFill>
+                  <a:srgbClr val="CCCCCC"/>
+                </a:solidFill>
+                <a:latin typeface="Courier New"/>
+                <a:ea typeface="Courier New"/>
+                <a:cs typeface="Courier New"/>
+                <a:sym typeface="Courier New"/>
+              </a:rPr>
+              <a:t>(databaseName);</a:t>
+            </a:r>
+            <a:endParaRPr sz="950">
+              <a:latin typeface="Courier New"/>
+              <a:ea typeface="Courier New"/>
+              <a:cs typeface="Courier New"/>
+              <a:sym typeface="Courier New"/>
+            </a:endParaRPr>
+          </a:p>
+          <a:p>
+            <a:pPr indent="0" lvl="0" marL="0" rtl="0" algn="l">
+              <a:spcBef>
+                <a:spcPts val="0"/>
+              </a:spcBef>
+              <a:spcAft>
+                <a:spcPts val="0"/>
+              </a:spcAft>
+              <a:buNone/>
+            </a:pPr>
+            <a:r>
+              <a:rPr lang="el" sz="950">
+                <a:latin typeface="Courier New"/>
+                <a:ea typeface="Courier New"/>
+                <a:cs typeface="Courier New"/>
+                <a:sym typeface="Courier New"/>
+              </a:rPr>
+              <a:t>            </a:t>
+            </a:r>
+            <a:r>
+              <a:rPr lang="el" sz="950">
+                <a:solidFill>
+                  <a:srgbClr val="E69138"/>
+                </a:solidFill>
+                <a:latin typeface="Courier New"/>
+                <a:ea typeface="Courier New"/>
+                <a:cs typeface="Courier New"/>
+                <a:sym typeface="Courier New"/>
+              </a:rPr>
+              <a:t>itemsCollection </a:t>
+            </a:r>
+            <a:r>
+              <a:rPr lang="el" sz="950">
+                <a:solidFill>
+                  <a:srgbClr val="CCCCCC"/>
+                </a:solidFill>
+                <a:latin typeface="Courier New"/>
+                <a:ea typeface="Courier New"/>
+                <a:cs typeface="Courier New"/>
+                <a:sym typeface="Courier New"/>
+              </a:rPr>
+              <a:t>=</a:t>
+            </a:r>
+            <a:r>
+              <a:rPr lang="el" sz="950">
+                <a:latin typeface="Courier New"/>
+                <a:ea typeface="Courier New"/>
+                <a:cs typeface="Courier New"/>
+                <a:sym typeface="Courier New"/>
+              </a:rPr>
+              <a:t> </a:t>
+            </a:r>
+            <a:r>
+              <a:rPr lang="el" sz="950">
+                <a:solidFill>
+                  <a:srgbClr val="CCCCCC"/>
+                </a:solidFill>
+                <a:latin typeface="Courier New"/>
+                <a:ea typeface="Courier New"/>
+                <a:cs typeface="Courier New"/>
+                <a:sym typeface="Courier New"/>
+              </a:rPr>
+              <a:t>database.</a:t>
+            </a:r>
+            <a:r>
+              <a:rPr lang="el" sz="950">
+                <a:solidFill>
+                  <a:srgbClr val="00FFFF"/>
+                </a:solidFill>
+                <a:latin typeface="Courier New"/>
+                <a:ea typeface="Courier New"/>
+                <a:cs typeface="Courier New"/>
+                <a:sym typeface="Courier New"/>
+              </a:rPr>
+              <a:t>GetCollection</a:t>
+            </a:r>
+            <a:r>
+              <a:rPr lang="el" sz="950">
+                <a:solidFill>
+                  <a:srgbClr val="CCCCCC"/>
+                </a:solidFill>
+                <a:latin typeface="Courier New"/>
+                <a:ea typeface="Courier New"/>
+                <a:cs typeface="Courier New"/>
+                <a:sym typeface="Courier New"/>
+              </a:rPr>
+              <a:t>&lt;</a:t>
+            </a:r>
+            <a:r>
+              <a:rPr lang="el" sz="950">
+                <a:solidFill>
+                  <a:schemeClr val="accent2"/>
+                </a:solidFill>
+                <a:latin typeface="Courier New"/>
+                <a:ea typeface="Courier New"/>
+                <a:cs typeface="Courier New"/>
+                <a:sym typeface="Courier New"/>
+              </a:rPr>
+              <a:t>Item</a:t>
+            </a:r>
+            <a:r>
+              <a:rPr lang="el" sz="950">
+                <a:solidFill>
+                  <a:srgbClr val="CCCCCC"/>
+                </a:solidFill>
+                <a:latin typeface="Courier New"/>
+                <a:ea typeface="Courier New"/>
+                <a:cs typeface="Courier New"/>
+                <a:sym typeface="Courier New"/>
+              </a:rPr>
+              <a:t>&gt;(collectionName);</a:t>
+            </a:r>
+            <a:endParaRPr sz="950">
+              <a:latin typeface="Courier New"/>
+              <a:ea typeface="Courier New"/>
+              <a:cs typeface="Courier New"/>
+              <a:sym typeface="Courier New"/>
+            </a:endParaRPr>
+          </a:p>
+          <a:p>
+            <a:pPr indent="0" lvl="0" marL="0" rtl="0" algn="l">
+              <a:spcBef>
+                <a:spcPts val="0"/>
+              </a:spcBef>
+              <a:spcAft>
+                <a:spcPts val="0"/>
+              </a:spcAft>
+              <a:buNone/>
+            </a:pPr>
+            <a:r>
+              <a:rPr lang="el" sz="950">
+                <a:latin typeface="Courier New"/>
+                <a:ea typeface="Courier New"/>
+                <a:cs typeface="Courier New"/>
+                <a:sym typeface="Courier New"/>
+              </a:rPr>
+              <a:t>        </a:t>
+            </a:r>
+            <a:r>
+              <a:rPr lang="el" sz="950">
+                <a:solidFill>
+                  <a:srgbClr val="CCCCCC"/>
+                </a:solidFill>
+                <a:latin typeface="Courier New"/>
+                <a:ea typeface="Courier New"/>
+                <a:cs typeface="Courier New"/>
+                <a:sym typeface="Courier New"/>
+              </a:rPr>
+              <a:t>}</a:t>
+            </a:r>
+            <a:endParaRPr sz="950">
+              <a:latin typeface="Courier New"/>
+              <a:ea typeface="Courier New"/>
+              <a:cs typeface="Courier New"/>
+              <a:sym typeface="Courier New"/>
+            </a:endParaRPr>
+          </a:p>
+          <a:p>
+            <a:pPr indent="0" lvl="0" marL="0" rtl="0" algn="l">
+              <a:spcBef>
+                <a:spcPts val="0"/>
+              </a:spcBef>
+              <a:spcAft>
+                <a:spcPts val="0"/>
+              </a:spcAft>
+              <a:buNone/>
+            </a:pPr>
+            <a:r>
+              <a:rPr lang="el" sz="950">
+                <a:latin typeface="Courier New"/>
+                <a:ea typeface="Courier New"/>
+                <a:cs typeface="Courier New"/>
+                <a:sym typeface="Courier New"/>
+              </a:rPr>
+              <a:t>    </a:t>
+            </a:r>
+            <a:r>
+              <a:rPr lang="el" sz="950">
+                <a:solidFill>
+                  <a:srgbClr val="CCCCCC"/>
+                </a:solidFill>
+                <a:latin typeface="Courier New"/>
+                <a:ea typeface="Courier New"/>
+                <a:cs typeface="Courier New"/>
+                <a:sym typeface="Courier New"/>
+              </a:rPr>
+              <a:t>}</a:t>
+            </a:r>
+            <a:endParaRPr sz="950">
+              <a:latin typeface="Courier New"/>
+              <a:ea typeface="Courier New"/>
+              <a:cs typeface="Courier New"/>
+              <a:sym typeface="Courier New"/>
+            </a:endParaRPr>
+          </a:p>
+          <a:p>
+            <a:pPr indent="0" lvl="0" marL="0" rtl="0" algn="just">
+              <a:lnSpc>
+                <a:spcPct val="125000"/>
+              </a:lnSpc>
+              <a:spcBef>
+                <a:spcPts val="0"/>
+              </a:spcBef>
+              <a:spcAft>
+                <a:spcPts val="0"/>
+              </a:spcAft>
+              <a:buNone/>
+            </a:pPr>
+            <a:r>
+              <a:rPr lang="el" sz="950">
+                <a:solidFill>
+                  <a:srgbClr val="CCCCCC"/>
+                </a:solidFill>
+                <a:latin typeface="Courier New"/>
+                <a:ea typeface="Courier New"/>
+                <a:cs typeface="Courier New"/>
+                <a:sym typeface="Courier New"/>
+              </a:rPr>
+              <a:t>}</a:t>
+            </a:r>
+            <a:endParaRPr sz="950">
+              <a:solidFill>
+                <a:srgbClr val="CCCCCC"/>
+              </a:solidFill>
+              <a:latin typeface="Courier New"/>
+              <a:ea typeface="Courier New"/>
+              <a:cs typeface="Courier New"/>
+              <a:sym typeface="Courier New"/>
+            </a:endParaRPr>
+          </a:p>
+        </p:txBody>
+      </p:sp>
+    </p:spTree>
+  </p:cSld>
+  <p:clrMapOvr>
+    <a:masterClrMapping/>
+  </p:clrMapOvr>
+</p:sld>
+</file>
+
+<file path=ppt/slides/slide27.xml><?xml version="1.0" encoding="utf-8"?>
+<p:sld xmlns:a="http://schemas.openxmlformats.org/drawingml/2006/main" xmlns:r="http://schemas.openxmlformats.org/officeDocument/2006/relationships" xmlns:mc="http://schemas.openxmlformats.org/markup-compatibility/2006" xmlns:mv="urn:schemas-microsoft-com:mac:vml" xmlns:p="http://schemas.openxmlformats.org/presentationml/2006/main" xmlns:c="http://schemas.openxmlformats.org/drawingml/2006/chart" xmlns:dgm="http://schemas.openxmlformats.org/drawingml/2006/diagram" xmlns:o="urn:schemas-microsoft-com:office:office" xmlns:v="urn:schemas-microsoft-com:vml" xmlns:pvml="urn:schemas-microsoft-com:office:powerpoint" xmlns:com="http://schemas.openxmlformats.org/drawingml/2006/compatibility" xmlns:p14="http://schemas.microsoft.com/office/powerpoint/2010/main" xmlns:p15="http://schemas.microsoft.com/office/powerpoint/2012/main" xmlns:ahyp="http://schemas.microsoft.com/office/drawing/2018/hyperlinkcolor">
+  <p:cSld>
+    <p:spTree>
+      <p:nvGrpSpPr>
+        <p:cNvPr id="321" name="Shape 321"/>
+        <p:cNvGrpSpPr/>
+        <p:nvPr/>
+      </p:nvGrpSpPr>
+      <p:grpSpPr>
+        <a:xfrm>
+          <a:off x="0" y="0"/>
+          <a:ext cx="0" cy="0"/>
+          <a:chOff x="0" y="0"/>
+          <a:chExt cx="0" cy="0"/>
+        </a:xfrm>
+      </p:grpSpPr>
+      <p:sp>
+        <p:nvSpPr>
+          <p:cNvPr id="322" name="Google Shape;322;p39"/>
+          <p:cNvSpPr txBox="1"/>
+          <p:nvPr>
+            <p:ph type="title"/>
+          </p:nvPr>
+        </p:nvSpPr>
+        <p:spPr>
+          <a:xfrm>
+            <a:off x="1297500" y="393750"/>
+            <a:ext cx="7038900" cy="914100"/>
+          </a:xfrm>
+          <a:prstGeom prst="rect">
+            <a:avLst/>
+          </a:prstGeom>
+        </p:spPr>
+        <p:txBody>
+          <a:bodyPr anchorCtr="0" anchor="t" bIns="91425" lIns="91425" spcFirstLastPara="1" rIns="91425" wrap="square" tIns="91425">
+            <a:normAutofit/>
+          </a:bodyPr>
+          <a:lstStyle/>
+          <a:p>
+            <a:pPr indent="0" lvl="0" marL="0" rtl="0" algn="l">
+              <a:spcBef>
+                <a:spcPts val="0"/>
+              </a:spcBef>
+              <a:spcAft>
+                <a:spcPts val="0"/>
+              </a:spcAft>
+              <a:buNone/>
+            </a:pPr>
+            <a:r>
+              <a:rPr lang="el"/>
+              <a:t>Installing mongodb library</a:t>
+            </a:r>
+            <a:endParaRPr/>
+          </a:p>
+        </p:txBody>
+      </p:sp>
+      <p:sp>
+        <p:nvSpPr>
+          <p:cNvPr id="323" name="Google Shape;323;p39"/>
+          <p:cNvSpPr txBox="1"/>
+          <p:nvPr>
+            <p:ph idx="1" type="body"/>
+          </p:nvPr>
+        </p:nvSpPr>
+        <p:spPr>
+          <a:xfrm>
+            <a:off x="1297500" y="1567550"/>
+            <a:ext cx="7038900" cy="2911200"/>
+          </a:xfrm>
+          <a:prstGeom prst="rect">
+            <a:avLst/>
+          </a:prstGeom>
+        </p:spPr>
+        <p:txBody>
+          <a:bodyPr anchorCtr="0" anchor="t" bIns="91425" lIns="91425" spcFirstLastPara="1" rIns="91425" wrap="square" tIns="91425">
+            <a:normAutofit/>
+          </a:bodyPr>
+          <a:lstStyle/>
+          <a:p>
+            <a:pPr indent="-311150" lvl="0" marL="457200" rtl="0" algn="l">
+              <a:spcBef>
+                <a:spcPts val="0"/>
+              </a:spcBef>
+              <a:spcAft>
+                <a:spcPts val="0"/>
+              </a:spcAft>
+              <a:buSzPts val="1300"/>
+              <a:buChar char="●"/>
+            </a:pPr>
+            <a:r>
+              <a:rPr lang="el">
+                <a:solidFill>
+                  <a:srgbClr val="00CD00"/>
+                </a:solidFill>
+              </a:rPr>
+              <a:t>dotnet </a:t>
+            </a:r>
+            <a:r>
+              <a:rPr lang="el"/>
+              <a:t>add package </a:t>
+            </a:r>
+            <a:r>
+              <a:rPr lang="el">
+                <a:solidFill>
+                  <a:schemeClr val="accent2"/>
+                </a:solidFill>
+              </a:rPr>
+              <a:t>MongoDB.Driver</a:t>
+            </a:r>
+            <a:endParaRPr/>
+          </a:p>
+          <a:p>
+            <a:pPr indent="0" lvl="0" marL="457200" rtl="0" algn="l">
+              <a:spcBef>
+                <a:spcPts val="1200"/>
+              </a:spcBef>
+              <a:spcAft>
+                <a:spcPts val="1200"/>
+              </a:spcAft>
+              <a:buNone/>
+            </a:pPr>
+            <a:r>
+              <a:rPr lang="el"/>
+              <a:t>you can see that it has been added in the </a:t>
+            </a:r>
+            <a:r>
+              <a:rPr lang="el">
+                <a:solidFill>
+                  <a:schemeClr val="accent2"/>
+                </a:solidFill>
+              </a:rPr>
+              <a:t>Catalog </a:t>
+            </a:r>
+            <a:r>
+              <a:rPr lang="el"/>
+              <a:t>file</a:t>
+            </a:r>
+            <a:endParaRPr/>
+          </a:p>
+        </p:txBody>
+      </p:sp>
+    </p:spTree>
+  </p:cSld>
+  <p:clrMapOvr>
+    <a:masterClrMapping/>
+  </p:clrMapOvr>
+</p:sld>
+</file>
+
+<file path=ppt/slides/slide28.xml><?xml version="1.0" encoding="utf-8"?>
+<p:sld xmlns:a="http://schemas.openxmlformats.org/drawingml/2006/main" xmlns:r="http://schemas.openxmlformats.org/officeDocument/2006/relationships" xmlns:mc="http://schemas.openxmlformats.org/markup-compatibility/2006" xmlns:mv="urn:schemas-microsoft-com:mac:vml" xmlns:p="http://schemas.openxmlformats.org/presentationml/2006/main" xmlns:c="http://schemas.openxmlformats.org/drawingml/2006/chart" xmlns:dgm="http://schemas.openxmlformats.org/drawingml/2006/diagram" xmlns:o="urn:schemas-microsoft-com:office:office" xmlns:v="urn:schemas-microsoft-com:vml" xmlns:pvml="urn:schemas-microsoft-com:office:powerpoint" xmlns:com="http://schemas.openxmlformats.org/drawingml/2006/compatibility" xmlns:p14="http://schemas.microsoft.com/office/powerpoint/2010/main" xmlns:p15="http://schemas.microsoft.com/office/powerpoint/2012/main" xmlns:ahyp="http://schemas.microsoft.com/office/drawing/2018/hyperlinkcolor">
+  <p:cSld>
+    <p:spTree>
+      <p:nvGrpSpPr>
+        <p:cNvPr id="327" name="Shape 327"/>
+        <p:cNvGrpSpPr/>
+        <p:nvPr/>
+      </p:nvGrpSpPr>
+      <p:grpSpPr>
+        <a:xfrm>
+          <a:off x="0" y="0"/>
+          <a:ext cx="0" cy="0"/>
+          <a:chOff x="0" y="0"/>
+          <a:chExt cx="0" cy="0"/>
+        </a:xfrm>
+      </p:grpSpPr>
+      <p:sp>
+        <p:nvSpPr>
+          <p:cNvPr id="328" name="Google Shape;328;p40"/>
+          <p:cNvSpPr txBox="1"/>
+          <p:nvPr>
+            <p:ph type="title"/>
+          </p:nvPr>
+        </p:nvSpPr>
+        <p:spPr>
+          <a:xfrm>
+            <a:off x="1297500" y="393750"/>
+            <a:ext cx="7038900" cy="914100"/>
+          </a:xfrm>
+          <a:prstGeom prst="rect">
+            <a:avLst/>
+          </a:prstGeom>
+        </p:spPr>
+        <p:txBody>
+          <a:bodyPr anchorCtr="0" anchor="t" bIns="91425" lIns="91425" spcFirstLastPara="1" rIns="91425" wrap="square" tIns="91425">
+            <a:normAutofit/>
+          </a:bodyPr>
+          <a:lstStyle/>
+          <a:p>
+            <a:pPr indent="0" lvl="0" marL="0" rtl="0" algn="l">
+              <a:spcBef>
+                <a:spcPts val="0"/>
+              </a:spcBef>
+              <a:spcAft>
+                <a:spcPts val="0"/>
+              </a:spcAft>
+              <a:buNone/>
+            </a:pPr>
+            <a:r>
+              <a:rPr lang="el"/>
+              <a:t>Repository functions</a:t>
+            </a:r>
+            <a:endParaRPr/>
+          </a:p>
+        </p:txBody>
+      </p:sp>
+      <p:sp>
+        <p:nvSpPr>
+          <p:cNvPr id="329" name="Google Shape;329;p40"/>
+          <p:cNvSpPr txBox="1"/>
+          <p:nvPr>
+            <p:ph idx="1" type="body"/>
+          </p:nvPr>
+        </p:nvSpPr>
+        <p:spPr>
+          <a:xfrm>
+            <a:off x="1297500" y="920100"/>
+            <a:ext cx="7038900" cy="506100"/>
+          </a:xfrm>
+          <a:prstGeom prst="rect">
+            <a:avLst/>
+          </a:prstGeom>
+        </p:spPr>
+        <p:txBody>
+          <a:bodyPr anchorCtr="0" anchor="t" bIns="91425" lIns="91425" spcFirstLastPara="1" rIns="91425" wrap="square" tIns="91425">
+            <a:normAutofit/>
+          </a:bodyPr>
+          <a:lstStyle/>
+          <a:p>
+            <a:pPr indent="0" lvl="0" marL="0" rtl="0" algn="l">
+              <a:spcBef>
+                <a:spcPts val="0"/>
+              </a:spcBef>
+              <a:spcAft>
+                <a:spcPts val="1200"/>
+              </a:spcAft>
+              <a:buNone/>
+            </a:pPr>
+            <a:r>
+              <a:rPr lang="el"/>
+              <a:t>Let's</a:t>
+            </a:r>
+            <a:r>
+              <a:rPr lang="el"/>
+              <a:t> implement the functions that our </a:t>
+            </a:r>
+            <a:r>
+              <a:rPr lang="el">
+                <a:solidFill>
+                  <a:srgbClr val="00FF00"/>
+                </a:solidFill>
+              </a:rPr>
+              <a:t>interface </a:t>
+            </a:r>
+            <a:r>
+              <a:rPr lang="el"/>
+              <a:t>defines</a:t>
+            </a:r>
+            <a:endParaRPr/>
+          </a:p>
+        </p:txBody>
+      </p:sp>
+      <p:sp>
+        <p:nvSpPr>
+          <p:cNvPr id="330" name="Google Shape;330;p40"/>
+          <p:cNvSpPr txBox="1"/>
+          <p:nvPr/>
+        </p:nvSpPr>
+        <p:spPr>
+          <a:xfrm>
+            <a:off x="122250" y="1426200"/>
+            <a:ext cx="8899500" cy="3717300"/>
+          </a:xfrm>
+          <a:prstGeom prst="rect">
+            <a:avLst/>
+          </a:prstGeom>
+          <a:noFill/>
+          <a:ln>
+            <a:noFill/>
+          </a:ln>
+        </p:spPr>
+        <p:txBody>
+          <a:bodyPr anchorCtr="0" anchor="t" bIns="91425" lIns="91425" spcFirstLastPara="1" rIns="91425" wrap="square" tIns="91425">
+            <a:spAutoFit/>
+          </a:bodyPr>
+          <a:lstStyle/>
+          <a:p>
+            <a:pPr indent="0" lvl="0" marL="0" rtl="0" algn="l">
+              <a:spcBef>
+                <a:spcPts val="0"/>
+              </a:spcBef>
+              <a:spcAft>
+                <a:spcPts val="0"/>
+              </a:spcAft>
+              <a:buNone/>
+            </a:pPr>
+            <a:r>
+              <a:rPr lang="el" sz="850">
+                <a:latin typeface="Courier New"/>
+                <a:ea typeface="Courier New"/>
+                <a:cs typeface="Courier New"/>
+                <a:sym typeface="Courier New"/>
+              </a:rPr>
+              <a:t>   </a:t>
+            </a:r>
+            <a:r>
+              <a:rPr lang="el" sz="850">
+                <a:solidFill>
+                  <a:srgbClr val="CDCD00"/>
+                </a:solidFill>
+                <a:latin typeface="Courier New"/>
+                <a:ea typeface="Courier New"/>
+                <a:cs typeface="Courier New"/>
+                <a:sym typeface="Courier New"/>
+              </a:rPr>
+              <a:t>public</a:t>
+            </a:r>
+            <a:r>
+              <a:rPr lang="el" sz="850">
+                <a:latin typeface="Courier New"/>
+                <a:ea typeface="Courier New"/>
+                <a:cs typeface="Courier New"/>
+                <a:sym typeface="Courier New"/>
+              </a:rPr>
+              <a:t> </a:t>
+            </a:r>
+            <a:r>
+              <a:rPr lang="el" sz="850">
+                <a:solidFill>
+                  <a:srgbClr val="CDCD00"/>
+                </a:solidFill>
+                <a:latin typeface="Courier New"/>
+                <a:ea typeface="Courier New"/>
+                <a:cs typeface="Courier New"/>
+                <a:sym typeface="Courier New"/>
+              </a:rPr>
+              <a:t>void</a:t>
+            </a:r>
+            <a:r>
+              <a:rPr lang="el" sz="850">
+                <a:latin typeface="Courier New"/>
+                <a:ea typeface="Courier New"/>
+                <a:cs typeface="Courier New"/>
+                <a:sym typeface="Courier New"/>
+              </a:rPr>
+              <a:t> </a:t>
+            </a:r>
+            <a:r>
+              <a:rPr lang="el" sz="850">
+                <a:solidFill>
+                  <a:srgbClr val="00FFFF"/>
+                </a:solidFill>
+                <a:latin typeface="Courier New"/>
+                <a:ea typeface="Courier New"/>
+                <a:cs typeface="Courier New"/>
+                <a:sym typeface="Courier New"/>
+              </a:rPr>
+              <a:t>CreateItem</a:t>
+            </a:r>
+            <a:r>
+              <a:rPr lang="el" sz="850">
+                <a:solidFill>
+                  <a:srgbClr val="CCCCCC"/>
+                </a:solidFill>
+                <a:latin typeface="Courier New"/>
+                <a:ea typeface="Courier New"/>
+                <a:cs typeface="Courier New"/>
+                <a:sym typeface="Courier New"/>
+              </a:rPr>
+              <a:t>(</a:t>
+            </a:r>
+            <a:r>
+              <a:rPr lang="el" sz="850">
+                <a:solidFill>
+                  <a:schemeClr val="accent2"/>
+                </a:solidFill>
+                <a:latin typeface="Courier New"/>
+                <a:ea typeface="Courier New"/>
+                <a:cs typeface="Courier New"/>
+                <a:sym typeface="Courier New"/>
+              </a:rPr>
+              <a:t>Item</a:t>
+            </a:r>
+            <a:r>
+              <a:rPr lang="el" sz="850">
+                <a:latin typeface="Courier New"/>
+                <a:ea typeface="Courier New"/>
+                <a:cs typeface="Courier New"/>
+                <a:sym typeface="Courier New"/>
+              </a:rPr>
+              <a:t> </a:t>
+            </a:r>
+            <a:r>
+              <a:rPr lang="el" sz="850">
+                <a:solidFill>
+                  <a:srgbClr val="CCCCCC"/>
+                </a:solidFill>
+                <a:latin typeface="Courier New"/>
+                <a:ea typeface="Courier New"/>
+                <a:cs typeface="Courier New"/>
+                <a:sym typeface="Courier New"/>
+              </a:rPr>
+              <a:t>item)</a:t>
+            </a:r>
+            <a:endParaRPr sz="850">
+              <a:latin typeface="Courier New"/>
+              <a:ea typeface="Courier New"/>
+              <a:cs typeface="Courier New"/>
+              <a:sym typeface="Courier New"/>
+            </a:endParaRPr>
+          </a:p>
+          <a:p>
+            <a:pPr indent="0" lvl="0" marL="0" rtl="0" algn="l">
+              <a:spcBef>
+                <a:spcPts val="0"/>
+              </a:spcBef>
+              <a:spcAft>
+                <a:spcPts val="0"/>
+              </a:spcAft>
+              <a:buNone/>
+            </a:pPr>
+            <a:r>
+              <a:rPr lang="el" sz="850">
+                <a:latin typeface="Courier New"/>
+                <a:ea typeface="Courier New"/>
+                <a:cs typeface="Courier New"/>
+                <a:sym typeface="Courier New"/>
+              </a:rPr>
+              <a:t>        </a:t>
+            </a:r>
+            <a:r>
+              <a:rPr lang="el" sz="850">
+                <a:solidFill>
+                  <a:srgbClr val="CCCCCC"/>
+                </a:solidFill>
+                <a:latin typeface="Courier New"/>
+                <a:ea typeface="Courier New"/>
+                <a:cs typeface="Courier New"/>
+                <a:sym typeface="Courier New"/>
+              </a:rPr>
+              <a:t>{</a:t>
+            </a:r>
+            <a:endParaRPr sz="850">
+              <a:latin typeface="Courier New"/>
+              <a:ea typeface="Courier New"/>
+              <a:cs typeface="Courier New"/>
+              <a:sym typeface="Courier New"/>
+            </a:endParaRPr>
+          </a:p>
+          <a:p>
+            <a:pPr indent="0" lvl="0" marL="0" rtl="0" algn="l">
+              <a:spcBef>
+                <a:spcPts val="0"/>
+              </a:spcBef>
+              <a:spcAft>
+                <a:spcPts val="0"/>
+              </a:spcAft>
+              <a:buNone/>
+            </a:pPr>
+            <a:r>
+              <a:rPr lang="el" sz="850">
+                <a:latin typeface="Courier New"/>
+                <a:ea typeface="Courier New"/>
+                <a:cs typeface="Courier New"/>
+                <a:sym typeface="Courier New"/>
+              </a:rPr>
+              <a:t>            </a:t>
+            </a:r>
+            <a:r>
+              <a:rPr lang="el" sz="850">
+                <a:solidFill>
+                  <a:srgbClr val="E69138"/>
+                </a:solidFill>
+                <a:latin typeface="Courier New"/>
+                <a:ea typeface="Courier New"/>
+                <a:cs typeface="Courier New"/>
+                <a:sym typeface="Courier New"/>
+              </a:rPr>
+              <a:t>itemsCollection</a:t>
+            </a:r>
+            <a:r>
+              <a:rPr lang="el" sz="850">
+                <a:solidFill>
+                  <a:srgbClr val="CCCCCC"/>
+                </a:solidFill>
+                <a:latin typeface="Courier New"/>
+                <a:ea typeface="Courier New"/>
+                <a:cs typeface="Courier New"/>
+                <a:sym typeface="Courier New"/>
+              </a:rPr>
+              <a:t>.</a:t>
+            </a:r>
+            <a:r>
+              <a:rPr lang="el" sz="850">
+                <a:solidFill>
+                  <a:srgbClr val="00FFFF"/>
+                </a:solidFill>
+                <a:latin typeface="Courier New"/>
+                <a:ea typeface="Courier New"/>
+                <a:cs typeface="Courier New"/>
+                <a:sym typeface="Courier New"/>
+              </a:rPr>
+              <a:t>InsertOne</a:t>
+            </a:r>
+            <a:r>
+              <a:rPr lang="el" sz="850">
+                <a:solidFill>
+                  <a:srgbClr val="CCCCCC"/>
+                </a:solidFill>
+                <a:latin typeface="Courier New"/>
+                <a:ea typeface="Courier New"/>
+                <a:cs typeface="Courier New"/>
+                <a:sym typeface="Courier New"/>
+              </a:rPr>
+              <a:t>(item);</a:t>
+            </a:r>
+            <a:endParaRPr sz="850">
+              <a:latin typeface="Courier New"/>
+              <a:ea typeface="Courier New"/>
+              <a:cs typeface="Courier New"/>
+              <a:sym typeface="Courier New"/>
+            </a:endParaRPr>
+          </a:p>
+          <a:p>
+            <a:pPr indent="0" lvl="0" marL="0" rtl="0" algn="l">
+              <a:spcBef>
+                <a:spcPts val="0"/>
+              </a:spcBef>
+              <a:spcAft>
+                <a:spcPts val="0"/>
+              </a:spcAft>
+              <a:buNone/>
+            </a:pPr>
+            <a:r>
+              <a:rPr lang="el" sz="850">
+                <a:latin typeface="Courier New"/>
+                <a:ea typeface="Courier New"/>
+                <a:cs typeface="Courier New"/>
+                <a:sym typeface="Courier New"/>
+              </a:rPr>
+              <a:t>        </a:t>
+            </a:r>
+            <a:r>
+              <a:rPr lang="el" sz="850">
+                <a:solidFill>
+                  <a:srgbClr val="CCCCCC"/>
+                </a:solidFill>
+                <a:latin typeface="Courier New"/>
+                <a:ea typeface="Courier New"/>
+                <a:cs typeface="Courier New"/>
+                <a:sym typeface="Courier New"/>
+              </a:rPr>
+              <a:t>}</a:t>
+            </a:r>
+            <a:endParaRPr sz="850">
+              <a:latin typeface="Courier New"/>
+              <a:ea typeface="Courier New"/>
+              <a:cs typeface="Courier New"/>
+              <a:sym typeface="Courier New"/>
+            </a:endParaRPr>
+          </a:p>
+          <a:p>
+            <a:pPr indent="0" lvl="0" marL="0" rtl="0" algn="l">
+              <a:spcBef>
+                <a:spcPts val="0"/>
+              </a:spcBef>
+              <a:spcAft>
+                <a:spcPts val="0"/>
+              </a:spcAft>
+              <a:buNone/>
+            </a:pPr>
+            <a:r>
+              <a:t/>
+            </a:r>
+            <a:endParaRPr sz="850">
+              <a:latin typeface="Courier New"/>
+              <a:ea typeface="Courier New"/>
+              <a:cs typeface="Courier New"/>
+              <a:sym typeface="Courier New"/>
+            </a:endParaRPr>
+          </a:p>
+          <a:p>
+            <a:pPr indent="0" lvl="0" marL="0" rtl="0" algn="l">
+              <a:spcBef>
+                <a:spcPts val="0"/>
+              </a:spcBef>
+              <a:spcAft>
+                <a:spcPts val="0"/>
+              </a:spcAft>
+              <a:buNone/>
+            </a:pPr>
+            <a:r>
+              <a:rPr lang="el" sz="850">
+                <a:latin typeface="Courier New"/>
+                <a:ea typeface="Courier New"/>
+                <a:cs typeface="Courier New"/>
+                <a:sym typeface="Courier New"/>
+              </a:rPr>
+              <a:t>        </a:t>
+            </a:r>
+            <a:r>
+              <a:rPr lang="el" sz="850">
+                <a:solidFill>
+                  <a:srgbClr val="CDCD00"/>
+                </a:solidFill>
+                <a:latin typeface="Courier New"/>
+                <a:ea typeface="Courier New"/>
+                <a:cs typeface="Courier New"/>
+                <a:sym typeface="Courier New"/>
+              </a:rPr>
+              <a:t>public</a:t>
+            </a:r>
+            <a:r>
+              <a:rPr lang="el" sz="850">
+                <a:latin typeface="Courier New"/>
+                <a:ea typeface="Courier New"/>
+                <a:cs typeface="Courier New"/>
+                <a:sym typeface="Courier New"/>
+              </a:rPr>
+              <a:t> </a:t>
+            </a:r>
+            <a:r>
+              <a:rPr lang="el" sz="850">
+                <a:solidFill>
+                  <a:srgbClr val="CDCD00"/>
+                </a:solidFill>
+                <a:latin typeface="Courier New"/>
+                <a:ea typeface="Courier New"/>
+                <a:cs typeface="Courier New"/>
+                <a:sym typeface="Courier New"/>
+              </a:rPr>
+              <a:t>void</a:t>
+            </a:r>
+            <a:r>
+              <a:rPr lang="el" sz="850">
+                <a:latin typeface="Courier New"/>
+                <a:ea typeface="Courier New"/>
+                <a:cs typeface="Courier New"/>
+                <a:sym typeface="Courier New"/>
+              </a:rPr>
+              <a:t> </a:t>
+            </a:r>
+            <a:r>
+              <a:rPr lang="el" sz="850">
+                <a:solidFill>
+                  <a:srgbClr val="00FFFF"/>
+                </a:solidFill>
+                <a:latin typeface="Courier New"/>
+                <a:ea typeface="Courier New"/>
+                <a:cs typeface="Courier New"/>
+                <a:sym typeface="Courier New"/>
+              </a:rPr>
+              <a:t>DeleteItem</a:t>
+            </a:r>
+            <a:r>
+              <a:rPr lang="el" sz="850">
+                <a:solidFill>
+                  <a:srgbClr val="CCCCCC"/>
+                </a:solidFill>
+                <a:latin typeface="Courier New"/>
+                <a:ea typeface="Courier New"/>
+                <a:cs typeface="Courier New"/>
+                <a:sym typeface="Courier New"/>
+              </a:rPr>
+              <a:t>(</a:t>
+            </a:r>
+            <a:r>
+              <a:rPr lang="el" sz="850">
+                <a:solidFill>
+                  <a:schemeClr val="accent2"/>
+                </a:solidFill>
+                <a:latin typeface="Courier New"/>
+                <a:ea typeface="Courier New"/>
+                <a:cs typeface="Courier New"/>
+                <a:sym typeface="Courier New"/>
+              </a:rPr>
+              <a:t>Guid</a:t>
+            </a:r>
+            <a:r>
+              <a:rPr lang="el" sz="850">
+                <a:latin typeface="Courier New"/>
+                <a:ea typeface="Courier New"/>
+                <a:cs typeface="Courier New"/>
+                <a:sym typeface="Courier New"/>
+              </a:rPr>
+              <a:t> </a:t>
+            </a:r>
+            <a:r>
+              <a:rPr lang="el" sz="850">
+                <a:solidFill>
+                  <a:srgbClr val="CCCCCC"/>
+                </a:solidFill>
+                <a:latin typeface="Courier New"/>
+                <a:ea typeface="Courier New"/>
+                <a:cs typeface="Courier New"/>
+                <a:sym typeface="Courier New"/>
+              </a:rPr>
+              <a:t>id)</a:t>
+            </a:r>
+            <a:endParaRPr sz="850">
+              <a:latin typeface="Courier New"/>
+              <a:ea typeface="Courier New"/>
+              <a:cs typeface="Courier New"/>
+              <a:sym typeface="Courier New"/>
+            </a:endParaRPr>
+          </a:p>
+          <a:p>
+            <a:pPr indent="0" lvl="0" marL="0" rtl="0" algn="l">
+              <a:spcBef>
+                <a:spcPts val="0"/>
+              </a:spcBef>
+              <a:spcAft>
+                <a:spcPts val="0"/>
+              </a:spcAft>
+              <a:buNone/>
+            </a:pPr>
+            <a:r>
+              <a:rPr lang="el" sz="850">
+                <a:latin typeface="Courier New"/>
+                <a:ea typeface="Courier New"/>
+                <a:cs typeface="Courier New"/>
+                <a:sym typeface="Courier New"/>
+              </a:rPr>
+              <a:t>        </a:t>
+            </a:r>
+            <a:r>
+              <a:rPr lang="el" sz="850">
+                <a:solidFill>
+                  <a:srgbClr val="CCCCCC"/>
+                </a:solidFill>
+                <a:latin typeface="Courier New"/>
+                <a:ea typeface="Courier New"/>
+                <a:cs typeface="Courier New"/>
+                <a:sym typeface="Courier New"/>
+              </a:rPr>
+              <a:t>{</a:t>
+            </a:r>
+            <a:endParaRPr sz="850">
+              <a:latin typeface="Courier New"/>
+              <a:ea typeface="Courier New"/>
+              <a:cs typeface="Courier New"/>
+              <a:sym typeface="Courier New"/>
+            </a:endParaRPr>
+          </a:p>
+          <a:p>
+            <a:pPr indent="0" lvl="0" marL="0" rtl="0" algn="l">
+              <a:spcBef>
+                <a:spcPts val="0"/>
+              </a:spcBef>
+              <a:spcAft>
+                <a:spcPts val="0"/>
+              </a:spcAft>
+              <a:buNone/>
+            </a:pPr>
+            <a:r>
+              <a:rPr lang="el" sz="850">
+                <a:latin typeface="Courier New"/>
+                <a:ea typeface="Courier New"/>
+                <a:cs typeface="Courier New"/>
+                <a:sym typeface="Courier New"/>
+              </a:rPr>
+              <a:t>            </a:t>
+            </a:r>
+            <a:r>
+              <a:rPr lang="el" sz="850">
+                <a:solidFill>
+                  <a:srgbClr val="00CD00"/>
+                </a:solidFill>
+                <a:latin typeface="Courier New"/>
+                <a:ea typeface="Courier New"/>
+                <a:cs typeface="Courier New"/>
+                <a:sym typeface="Courier New"/>
+              </a:rPr>
+              <a:t>var</a:t>
+            </a:r>
+            <a:r>
+              <a:rPr lang="el" sz="850">
+                <a:latin typeface="Courier New"/>
+                <a:ea typeface="Courier New"/>
+                <a:cs typeface="Courier New"/>
+                <a:sym typeface="Courier New"/>
+              </a:rPr>
+              <a:t> </a:t>
+            </a:r>
+            <a:r>
+              <a:rPr lang="el" sz="850">
+                <a:solidFill>
+                  <a:srgbClr val="CCCCCC"/>
+                </a:solidFill>
+                <a:latin typeface="Courier New"/>
+                <a:ea typeface="Courier New"/>
+                <a:cs typeface="Courier New"/>
+                <a:sym typeface="Courier New"/>
+              </a:rPr>
+              <a:t>filter</a:t>
+            </a:r>
+            <a:r>
+              <a:rPr lang="el" sz="850">
+                <a:latin typeface="Courier New"/>
+                <a:ea typeface="Courier New"/>
+                <a:cs typeface="Courier New"/>
+                <a:sym typeface="Courier New"/>
+              </a:rPr>
+              <a:t> </a:t>
+            </a:r>
+            <a:r>
+              <a:rPr lang="el" sz="850">
+                <a:solidFill>
+                  <a:srgbClr val="CCCCCC"/>
+                </a:solidFill>
+                <a:latin typeface="Courier New"/>
+                <a:ea typeface="Courier New"/>
+                <a:cs typeface="Courier New"/>
+                <a:sym typeface="Courier New"/>
+              </a:rPr>
+              <a:t>=</a:t>
+            </a:r>
+            <a:r>
+              <a:rPr lang="el" sz="850">
+                <a:latin typeface="Courier New"/>
+                <a:ea typeface="Courier New"/>
+                <a:cs typeface="Courier New"/>
+                <a:sym typeface="Courier New"/>
+              </a:rPr>
+              <a:t> </a:t>
+            </a:r>
+            <a:r>
+              <a:rPr lang="el" sz="850">
+                <a:solidFill>
+                  <a:srgbClr val="CCCCCC"/>
+                </a:solidFill>
+                <a:latin typeface="Courier New"/>
+                <a:ea typeface="Courier New"/>
+                <a:cs typeface="Courier New"/>
+                <a:sym typeface="Courier New"/>
+              </a:rPr>
+              <a:t>filterBuilder.</a:t>
+            </a:r>
+            <a:r>
+              <a:rPr lang="el" sz="850">
+                <a:solidFill>
+                  <a:srgbClr val="00FFFF"/>
+                </a:solidFill>
+                <a:latin typeface="Courier New"/>
+                <a:ea typeface="Courier New"/>
+                <a:cs typeface="Courier New"/>
+                <a:sym typeface="Courier New"/>
+              </a:rPr>
+              <a:t>Eq</a:t>
+            </a:r>
+            <a:r>
+              <a:rPr lang="el" sz="850">
+                <a:solidFill>
+                  <a:srgbClr val="CCCCCC"/>
+                </a:solidFill>
+                <a:latin typeface="Courier New"/>
+                <a:ea typeface="Courier New"/>
+                <a:cs typeface="Courier New"/>
+                <a:sym typeface="Courier New"/>
+              </a:rPr>
+              <a:t>(item</a:t>
+            </a:r>
+            <a:r>
+              <a:rPr lang="el" sz="850">
+                <a:latin typeface="Courier New"/>
+                <a:ea typeface="Courier New"/>
+                <a:cs typeface="Courier New"/>
+                <a:sym typeface="Courier New"/>
+              </a:rPr>
+              <a:t> </a:t>
+            </a:r>
+            <a:r>
+              <a:rPr lang="el" sz="850">
+                <a:solidFill>
+                  <a:srgbClr val="CCCCCC"/>
+                </a:solidFill>
+                <a:latin typeface="Courier New"/>
+                <a:ea typeface="Courier New"/>
+                <a:cs typeface="Courier New"/>
+                <a:sym typeface="Courier New"/>
+              </a:rPr>
+              <a:t>=&gt;</a:t>
+            </a:r>
+            <a:r>
+              <a:rPr lang="el" sz="850">
+                <a:latin typeface="Courier New"/>
+                <a:ea typeface="Courier New"/>
+                <a:cs typeface="Courier New"/>
+                <a:sym typeface="Courier New"/>
+              </a:rPr>
+              <a:t> </a:t>
+            </a:r>
+            <a:r>
+              <a:rPr lang="el" sz="850">
+                <a:solidFill>
+                  <a:srgbClr val="CCCCCC"/>
+                </a:solidFill>
+                <a:latin typeface="Courier New"/>
+                <a:ea typeface="Courier New"/>
+                <a:cs typeface="Courier New"/>
+                <a:sym typeface="Courier New"/>
+              </a:rPr>
+              <a:t>item.Id,</a:t>
+            </a:r>
+            <a:r>
+              <a:rPr lang="el" sz="850">
+                <a:latin typeface="Courier New"/>
+                <a:ea typeface="Courier New"/>
+                <a:cs typeface="Courier New"/>
+                <a:sym typeface="Courier New"/>
+              </a:rPr>
+              <a:t> </a:t>
+            </a:r>
+            <a:r>
+              <a:rPr lang="el" sz="850">
+                <a:solidFill>
+                  <a:srgbClr val="CCCCCC"/>
+                </a:solidFill>
+                <a:latin typeface="Courier New"/>
+                <a:ea typeface="Courier New"/>
+                <a:cs typeface="Courier New"/>
+                <a:sym typeface="Courier New"/>
+              </a:rPr>
+              <a:t>id);</a:t>
+            </a:r>
+            <a:endParaRPr sz="850">
+              <a:latin typeface="Courier New"/>
+              <a:ea typeface="Courier New"/>
+              <a:cs typeface="Courier New"/>
+              <a:sym typeface="Courier New"/>
+            </a:endParaRPr>
+          </a:p>
+          <a:p>
+            <a:pPr indent="0" lvl="0" marL="0" rtl="0" algn="l">
+              <a:spcBef>
+                <a:spcPts val="0"/>
+              </a:spcBef>
+              <a:spcAft>
+                <a:spcPts val="0"/>
+              </a:spcAft>
+              <a:buNone/>
+            </a:pPr>
+            <a:r>
+              <a:rPr lang="el" sz="850">
+                <a:latin typeface="Courier New"/>
+                <a:ea typeface="Courier New"/>
+                <a:cs typeface="Courier New"/>
+                <a:sym typeface="Courier New"/>
+              </a:rPr>
+              <a:t>            </a:t>
+            </a:r>
+            <a:r>
+              <a:rPr lang="el" sz="850">
+                <a:solidFill>
+                  <a:srgbClr val="E69138"/>
+                </a:solidFill>
+                <a:latin typeface="Courier New"/>
+                <a:ea typeface="Courier New"/>
+                <a:cs typeface="Courier New"/>
+                <a:sym typeface="Courier New"/>
+              </a:rPr>
+              <a:t>itemsCollection</a:t>
+            </a:r>
+            <a:r>
+              <a:rPr lang="el" sz="850">
+                <a:solidFill>
+                  <a:srgbClr val="CCCCCC"/>
+                </a:solidFill>
+                <a:latin typeface="Courier New"/>
+                <a:ea typeface="Courier New"/>
+                <a:cs typeface="Courier New"/>
+                <a:sym typeface="Courier New"/>
+              </a:rPr>
+              <a:t>.</a:t>
+            </a:r>
+            <a:r>
+              <a:rPr lang="el" sz="850">
+                <a:solidFill>
+                  <a:srgbClr val="00FFFF"/>
+                </a:solidFill>
+                <a:latin typeface="Courier New"/>
+                <a:ea typeface="Courier New"/>
+                <a:cs typeface="Courier New"/>
+                <a:sym typeface="Courier New"/>
+              </a:rPr>
+              <a:t>DeleteOne</a:t>
+            </a:r>
+            <a:r>
+              <a:rPr lang="el" sz="850">
+                <a:solidFill>
+                  <a:srgbClr val="CCCCCC"/>
+                </a:solidFill>
+                <a:latin typeface="Courier New"/>
+                <a:ea typeface="Courier New"/>
+                <a:cs typeface="Courier New"/>
+                <a:sym typeface="Courier New"/>
+              </a:rPr>
+              <a:t>(filter);</a:t>
+            </a:r>
+            <a:endParaRPr sz="850">
+              <a:latin typeface="Courier New"/>
+              <a:ea typeface="Courier New"/>
+              <a:cs typeface="Courier New"/>
+              <a:sym typeface="Courier New"/>
+            </a:endParaRPr>
+          </a:p>
+          <a:p>
+            <a:pPr indent="0" lvl="0" marL="0" rtl="0" algn="l">
+              <a:spcBef>
+                <a:spcPts val="0"/>
+              </a:spcBef>
+              <a:spcAft>
+                <a:spcPts val="0"/>
+              </a:spcAft>
+              <a:buNone/>
+            </a:pPr>
+            <a:r>
+              <a:rPr lang="el" sz="850">
+                <a:latin typeface="Courier New"/>
+                <a:ea typeface="Courier New"/>
+                <a:cs typeface="Courier New"/>
+                <a:sym typeface="Courier New"/>
+              </a:rPr>
+              <a:t>        </a:t>
+            </a:r>
+            <a:r>
+              <a:rPr lang="el" sz="850">
+                <a:solidFill>
+                  <a:srgbClr val="CCCCCC"/>
+                </a:solidFill>
+                <a:latin typeface="Courier New"/>
+                <a:ea typeface="Courier New"/>
+                <a:cs typeface="Courier New"/>
+                <a:sym typeface="Courier New"/>
+              </a:rPr>
+              <a:t>}</a:t>
+            </a:r>
+            <a:endParaRPr sz="850">
+              <a:latin typeface="Courier New"/>
+              <a:ea typeface="Courier New"/>
+              <a:cs typeface="Courier New"/>
+              <a:sym typeface="Courier New"/>
+            </a:endParaRPr>
+          </a:p>
+          <a:p>
+            <a:pPr indent="0" lvl="0" marL="0" rtl="0" algn="l">
+              <a:spcBef>
+                <a:spcPts val="0"/>
+              </a:spcBef>
+              <a:spcAft>
+                <a:spcPts val="0"/>
+              </a:spcAft>
+              <a:buNone/>
+            </a:pPr>
+            <a:r>
+              <a:t/>
+            </a:r>
+            <a:endParaRPr sz="850">
+              <a:latin typeface="Courier New"/>
+              <a:ea typeface="Courier New"/>
+              <a:cs typeface="Courier New"/>
+              <a:sym typeface="Courier New"/>
+            </a:endParaRPr>
+          </a:p>
+          <a:p>
+            <a:pPr indent="0" lvl="0" marL="0" rtl="0" algn="l">
+              <a:spcBef>
+                <a:spcPts val="0"/>
+              </a:spcBef>
+              <a:spcAft>
+                <a:spcPts val="0"/>
+              </a:spcAft>
+              <a:buNone/>
+            </a:pPr>
+            <a:r>
+              <a:rPr lang="el" sz="850">
+                <a:latin typeface="Courier New"/>
+                <a:ea typeface="Courier New"/>
+                <a:cs typeface="Courier New"/>
+                <a:sym typeface="Courier New"/>
+              </a:rPr>
+              <a:t>        </a:t>
+            </a:r>
+            <a:r>
+              <a:rPr lang="el" sz="850">
+                <a:solidFill>
+                  <a:srgbClr val="CDCD00"/>
+                </a:solidFill>
+                <a:latin typeface="Courier New"/>
+                <a:ea typeface="Courier New"/>
+                <a:cs typeface="Courier New"/>
+                <a:sym typeface="Courier New"/>
+              </a:rPr>
+              <a:t>public</a:t>
+            </a:r>
+            <a:r>
+              <a:rPr lang="el" sz="850">
+                <a:latin typeface="Courier New"/>
+                <a:ea typeface="Courier New"/>
+                <a:cs typeface="Courier New"/>
+                <a:sym typeface="Courier New"/>
+              </a:rPr>
+              <a:t> </a:t>
+            </a:r>
+            <a:r>
+              <a:rPr lang="el" sz="850">
+                <a:solidFill>
+                  <a:srgbClr val="CCCCCC"/>
+                </a:solidFill>
+                <a:latin typeface="Courier New"/>
+                <a:ea typeface="Courier New"/>
+                <a:cs typeface="Courier New"/>
+                <a:sym typeface="Courier New"/>
+              </a:rPr>
+              <a:t>Item</a:t>
+            </a:r>
+            <a:r>
+              <a:rPr lang="el" sz="850">
+                <a:latin typeface="Courier New"/>
+                <a:ea typeface="Courier New"/>
+                <a:cs typeface="Courier New"/>
+                <a:sym typeface="Courier New"/>
+              </a:rPr>
+              <a:t> </a:t>
+            </a:r>
+            <a:r>
+              <a:rPr lang="el" sz="850">
+                <a:solidFill>
+                  <a:srgbClr val="00FFFF"/>
+                </a:solidFill>
+                <a:latin typeface="Courier New"/>
+                <a:ea typeface="Courier New"/>
+                <a:cs typeface="Courier New"/>
+                <a:sym typeface="Courier New"/>
+              </a:rPr>
+              <a:t>GetItem</a:t>
+            </a:r>
+            <a:r>
+              <a:rPr lang="el" sz="850">
+                <a:solidFill>
+                  <a:srgbClr val="CCCCCC"/>
+                </a:solidFill>
+                <a:latin typeface="Courier New"/>
+                <a:ea typeface="Courier New"/>
+                <a:cs typeface="Courier New"/>
+                <a:sym typeface="Courier New"/>
+              </a:rPr>
+              <a:t>(</a:t>
+            </a:r>
+            <a:r>
+              <a:rPr lang="el" sz="850">
+                <a:solidFill>
+                  <a:schemeClr val="accent2"/>
+                </a:solidFill>
+                <a:latin typeface="Courier New"/>
+                <a:ea typeface="Courier New"/>
+                <a:cs typeface="Courier New"/>
+                <a:sym typeface="Courier New"/>
+              </a:rPr>
+              <a:t>Guid</a:t>
+            </a:r>
+            <a:r>
+              <a:rPr lang="el" sz="850">
+                <a:latin typeface="Courier New"/>
+                <a:ea typeface="Courier New"/>
+                <a:cs typeface="Courier New"/>
+                <a:sym typeface="Courier New"/>
+              </a:rPr>
+              <a:t> </a:t>
+            </a:r>
+            <a:r>
+              <a:rPr lang="el" sz="850">
+                <a:solidFill>
+                  <a:srgbClr val="CCCCCC"/>
+                </a:solidFill>
+                <a:latin typeface="Courier New"/>
+                <a:ea typeface="Courier New"/>
+                <a:cs typeface="Courier New"/>
+                <a:sym typeface="Courier New"/>
+              </a:rPr>
+              <a:t>id)</a:t>
+            </a:r>
+            <a:endParaRPr sz="850">
+              <a:latin typeface="Courier New"/>
+              <a:ea typeface="Courier New"/>
+              <a:cs typeface="Courier New"/>
+              <a:sym typeface="Courier New"/>
+            </a:endParaRPr>
+          </a:p>
+          <a:p>
+            <a:pPr indent="0" lvl="0" marL="0" rtl="0" algn="l">
+              <a:spcBef>
+                <a:spcPts val="0"/>
+              </a:spcBef>
+              <a:spcAft>
+                <a:spcPts val="0"/>
+              </a:spcAft>
+              <a:buNone/>
+            </a:pPr>
+            <a:r>
+              <a:rPr lang="el" sz="850">
+                <a:latin typeface="Courier New"/>
+                <a:ea typeface="Courier New"/>
+                <a:cs typeface="Courier New"/>
+                <a:sym typeface="Courier New"/>
+              </a:rPr>
+              <a:t>        </a:t>
+            </a:r>
+            <a:r>
+              <a:rPr lang="el" sz="850">
+                <a:solidFill>
+                  <a:srgbClr val="CCCCCC"/>
+                </a:solidFill>
+                <a:latin typeface="Courier New"/>
+                <a:ea typeface="Courier New"/>
+                <a:cs typeface="Courier New"/>
+                <a:sym typeface="Courier New"/>
+              </a:rPr>
+              <a:t>{</a:t>
+            </a:r>
+            <a:endParaRPr sz="850">
+              <a:latin typeface="Courier New"/>
+              <a:ea typeface="Courier New"/>
+              <a:cs typeface="Courier New"/>
+              <a:sym typeface="Courier New"/>
+            </a:endParaRPr>
+          </a:p>
+          <a:p>
+            <a:pPr indent="0" lvl="0" marL="0" rtl="0" algn="l">
+              <a:spcBef>
+                <a:spcPts val="0"/>
+              </a:spcBef>
+              <a:spcAft>
+                <a:spcPts val="0"/>
+              </a:spcAft>
+              <a:buNone/>
+            </a:pPr>
+            <a:r>
+              <a:rPr lang="el" sz="850">
+                <a:latin typeface="Courier New"/>
+                <a:ea typeface="Courier New"/>
+                <a:cs typeface="Courier New"/>
+                <a:sym typeface="Courier New"/>
+              </a:rPr>
+              <a:t>            </a:t>
+            </a:r>
+            <a:r>
+              <a:rPr lang="el" sz="850">
+                <a:solidFill>
+                  <a:srgbClr val="00CD00"/>
+                </a:solidFill>
+                <a:latin typeface="Courier New"/>
+                <a:ea typeface="Courier New"/>
+                <a:cs typeface="Courier New"/>
+                <a:sym typeface="Courier New"/>
+              </a:rPr>
+              <a:t>var</a:t>
+            </a:r>
+            <a:r>
+              <a:rPr lang="el" sz="850">
+                <a:latin typeface="Courier New"/>
+                <a:ea typeface="Courier New"/>
+                <a:cs typeface="Courier New"/>
+                <a:sym typeface="Courier New"/>
+              </a:rPr>
+              <a:t> </a:t>
+            </a:r>
+            <a:r>
+              <a:rPr lang="el" sz="850">
+                <a:solidFill>
+                  <a:srgbClr val="CCCCCC"/>
+                </a:solidFill>
+                <a:latin typeface="Courier New"/>
+                <a:ea typeface="Courier New"/>
+                <a:cs typeface="Courier New"/>
+                <a:sym typeface="Courier New"/>
+              </a:rPr>
+              <a:t>filter</a:t>
+            </a:r>
+            <a:r>
+              <a:rPr lang="el" sz="850">
+                <a:latin typeface="Courier New"/>
+                <a:ea typeface="Courier New"/>
+                <a:cs typeface="Courier New"/>
+                <a:sym typeface="Courier New"/>
+              </a:rPr>
+              <a:t> </a:t>
+            </a:r>
+            <a:r>
+              <a:rPr lang="el" sz="850">
+                <a:solidFill>
+                  <a:srgbClr val="CCCCCC"/>
+                </a:solidFill>
+                <a:latin typeface="Courier New"/>
+                <a:ea typeface="Courier New"/>
+                <a:cs typeface="Courier New"/>
+                <a:sym typeface="Courier New"/>
+              </a:rPr>
+              <a:t>=</a:t>
+            </a:r>
+            <a:r>
+              <a:rPr lang="el" sz="850">
+                <a:latin typeface="Courier New"/>
+                <a:ea typeface="Courier New"/>
+                <a:cs typeface="Courier New"/>
+                <a:sym typeface="Courier New"/>
+              </a:rPr>
+              <a:t> </a:t>
+            </a:r>
+            <a:r>
+              <a:rPr lang="el" sz="850">
+                <a:solidFill>
+                  <a:srgbClr val="CCCCCC"/>
+                </a:solidFill>
+                <a:latin typeface="Courier New"/>
+                <a:ea typeface="Courier New"/>
+                <a:cs typeface="Courier New"/>
+                <a:sym typeface="Courier New"/>
+              </a:rPr>
+              <a:t>filterBuilder.</a:t>
+            </a:r>
+            <a:r>
+              <a:rPr lang="el" sz="850">
+                <a:solidFill>
+                  <a:srgbClr val="00FFFF"/>
+                </a:solidFill>
+                <a:latin typeface="Courier New"/>
+                <a:ea typeface="Courier New"/>
+                <a:cs typeface="Courier New"/>
+                <a:sym typeface="Courier New"/>
+              </a:rPr>
+              <a:t>Eq</a:t>
+            </a:r>
+            <a:r>
+              <a:rPr lang="el" sz="850">
+                <a:solidFill>
+                  <a:srgbClr val="CCCCCC"/>
+                </a:solidFill>
+                <a:latin typeface="Courier New"/>
+                <a:ea typeface="Courier New"/>
+                <a:cs typeface="Courier New"/>
+                <a:sym typeface="Courier New"/>
+              </a:rPr>
+              <a:t>(item</a:t>
+            </a:r>
+            <a:r>
+              <a:rPr lang="el" sz="850">
+                <a:latin typeface="Courier New"/>
+                <a:ea typeface="Courier New"/>
+                <a:cs typeface="Courier New"/>
+                <a:sym typeface="Courier New"/>
+              </a:rPr>
+              <a:t> </a:t>
+            </a:r>
+            <a:r>
+              <a:rPr lang="el" sz="850">
+                <a:solidFill>
+                  <a:srgbClr val="CCCCCC"/>
+                </a:solidFill>
+                <a:latin typeface="Courier New"/>
+                <a:ea typeface="Courier New"/>
+                <a:cs typeface="Courier New"/>
+                <a:sym typeface="Courier New"/>
+              </a:rPr>
+              <a:t>=&gt;</a:t>
+            </a:r>
+            <a:r>
+              <a:rPr lang="el" sz="850">
+                <a:latin typeface="Courier New"/>
+                <a:ea typeface="Courier New"/>
+                <a:cs typeface="Courier New"/>
+                <a:sym typeface="Courier New"/>
+              </a:rPr>
+              <a:t> </a:t>
+            </a:r>
+            <a:r>
+              <a:rPr lang="el" sz="850">
+                <a:solidFill>
+                  <a:srgbClr val="CCCCCC"/>
+                </a:solidFill>
+                <a:latin typeface="Courier New"/>
+                <a:ea typeface="Courier New"/>
+                <a:cs typeface="Courier New"/>
+                <a:sym typeface="Courier New"/>
+              </a:rPr>
+              <a:t>item.Id,</a:t>
+            </a:r>
+            <a:r>
+              <a:rPr lang="el" sz="850">
+                <a:latin typeface="Courier New"/>
+                <a:ea typeface="Courier New"/>
+                <a:cs typeface="Courier New"/>
+                <a:sym typeface="Courier New"/>
+              </a:rPr>
+              <a:t> </a:t>
+            </a:r>
+            <a:r>
+              <a:rPr lang="el" sz="850">
+                <a:solidFill>
+                  <a:srgbClr val="CCCCCC"/>
+                </a:solidFill>
+                <a:latin typeface="Courier New"/>
+                <a:ea typeface="Courier New"/>
+                <a:cs typeface="Courier New"/>
+                <a:sym typeface="Courier New"/>
+              </a:rPr>
+              <a:t>id);</a:t>
+            </a:r>
+            <a:endParaRPr sz="850">
+              <a:latin typeface="Courier New"/>
+              <a:ea typeface="Courier New"/>
+              <a:cs typeface="Courier New"/>
+              <a:sym typeface="Courier New"/>
+            </a:endParaRPr>
+          </a:p>
+          <a:p>
+            <a:pPr indent="0" lvl="0" marL="0" rtl="0" algn="l">
+              <a:spcBef>
+                <a:spcPts val="0"/>
+              </a:spcBef>
+              <a:spcAft>
+                <a:spcPts val="0"/>
+              </a:spcAft>
+              <a:buNone/>
+            </a:pPr>
+            <a:r>
+              <a:rPr lang="el" sz="850">
+                <a:latin typeface="Courier New"/>
+                <a:ea typeface="Courier New"/>
+                <a:cs typeface="Courier New"/>
+                <a:sym typeface="Courier New"/>
+              </a:rPr>
+              <a:t>            </a:t>
+            </a:r>
+            <a:r>
+              <a:rPr lang="el" sz="850">
+                <a:solidFill>
+                  <a:srgbClr val="CDCD00"/>
+                </a:solidFill>
+                <a:latin typeface="Courier New"/>
+                <a:ea typeface="Courier New"/>
+                <a:cs typeface="Courier New"/>
+                <a:sym typeface="Courier New"/>
+              </a:rPr>
+              <a:t>return</a:t>
+            </a:r>
+            <a:r>
+              <a:rPr lang="el" sz="850">
+                <a:latin typeface="Courier New"/>
+                <a:ea typeface="Courier New"/>
+                <a:cs typeface="Courier New"/>
+                <a:sym typeface="Courier New"/>
+              </a:rPr>
+              <a:t> </a:t>
+            </a:r>
+            <a:r>
+              <a:rPr lang="el" sz="850">
+                <a:solidFill>
+                  <a:srgbClr val="E69138"/>
+                </a:solidFill>
+                <a:latin typeface="Courier New"/>
+                <a:ea typeface="Courier New"/>
+                <a:cs typeface="Courier New"/>
+                <a:sym typeface="Courier New"/>
+              </a:rPr>
+              <a:t>itemsCollection</a:t>
+            </a:r>
+            <a:r>
+              <a:rPr lang="el" sz="850">
+                <a:solidFill>
+                  <a:srgbClr val="CCCCCC"/>
+                </a:solidFill>
+                <a:latin typeface="Courier New"/>
+                <a:ea typeface="Courier New"/>
+                <a:cs typeface="Courier New"/>
+                <a:sym typeface="Courier New"/>
+              </a:rPr>
+              <a:t>.Find(filter).SingleOrDefault();</a:t>
+            </a:r>
+            <a:endParaRPr sz="850">
+              <a:latin typeface="Courier New"/>
+              <a:ea typeface="Courier New"/>
+              <a:cs typeface="Courier New"/>
+              <a:sym typeface="Courier New"/>
+            </a:endParaRPr>
+          </a:p>
+          <a:p>
+            <a:pPr indent="0" lvl="0" marL="0" rtl="0" algn="l">
+              <a:spcBef>
+                <a:spcPts val="0"/>
+              </a:spcBef>
+              <a:spcAft>
+                <a:spcPts val="0"/>
+              </a:spcAft>
+              <a:buNone/>
+            </a:pPr>
+            <a:r>
+              <a:rPr lang="el" sz="850">
+                <a:latin typeface="Courier New"/>
+                <a:ea typeface="Courier New"/>
+                <a:cs typeface="Courier New"/>
+                <a:sym typeface="Courier New"/>
+              </a:rPr>
+              <a:t>        </a:t>
+            </a:r>
+            <a:r>
+              <a:rPr lang="el" sz="850">
+                <a:solidFill>
+                  <a:srgbClr val="CCCCCC"/>
+                </a:solidFill>
+                <a:latin typeface="Courier New"/>
+                <a:ea typeface="Courier New"/>
+                <a:cs typeface="Courier New"/>
+                <a:sym typeface="Courier New"/>
+              </a:rPr>
+              <a:t>}</a:t>
+            </a:r>
+            <a:endParaRPr sz="850">
+              <a:latin typeface="Courier New"/>
+              <a:ea typeface="Courier New"/>
+              <a:cs typeface="Courier New"/>
+              <a:sym typeface="Courier New"/>
+            </a:endParaRPr>
+          </a:p>
+          <a:p>
+            <a:pPr indent="0" lvl="0" marL="0" rtl="0" algn="l">
+              <a:spcBef>
+                <a:spcPts val="0"/>
+              </a:spcBef>
+              <a:spcAft>
+                <a:spcPts val="0"/>
+              </a:spcAft>
+              <a:buNone/>
+            </a:pPr>
+            <a:r>
+              <a:t/>
+            </a:r>
+            <a:endParaRPr sz="850">
+              <a:latin typeface="Courier New"/>
+              <a:ea typeface="Courier New"/>
+              <a:cs typeface="Courier New"/>
+              <a:sym typeface="Courier New"/>
+            </a:endParaRPr>
+          </a:p>
+          <a:p>
+            <a:pPr indent="0" lvl="0" marL="0" rtl="0" algn="l">
+              <a:spcBef>
+                <a:spcPts val="0"/>
+              </a:spcBef>
+              <a:spcAft>
+                <a:spcPts val="0"/>
+              </a:spcAft>
+              <a:buNone/>
+            </a:pPr>
+            <a:r>
+              <a:rPr lang="el" sz="850">
+                <a:latin typeface="Courier New"/>
+                <a:ea typeface="Courier New"/>
+                <a:cs typeface="Courier New"/>
+                <a:sym typeface="Courier New"/>
+              </a:rPr>
+              <a:t>        </a:t>
+            </a:r>
+            <a:r>
+              <a:rPr lang="el" sz="850">
+                <a:solidFill>
+                  <a:srgbClr val="CDCD00"/>
+                </a:solidFill>
+                <a:latin typeface="Courier New"/>
+                <a:ea typeface="Courier New"/>
+                <a:cs typeface="Courier New"/>
+                <a:sym typeface="Courier New"/>
+              </a:rPr>
+              <a:t>public</a:t>
+            </a:r>
+            <a:r>
+              <a:rPr lang="el" sz="850">
+                <a:latin typeface="Courier New"/>
+                <a:ea typeface="Courier New"/>
+                <a:cs typeface="Courier New"/>
+                <a:sym typeface="Courier New"/>
+              </a:rPr>
+              <a:t> </a:t>
+            </a:r>
+            <a:r>
+              <a:rPr lang="el" sz="850">
+                <a:solidFill>
+                  <a:srgbClr val="CCCCCC"/>
+                </a:solidFill>
+                <a:latin typeface="Courier New"/>
+                <a:ea typeface="Courier New"/>
+                <a:cs typeface="Courier New"/>
+                <a:sym typeface="Courier New"/>
+              </a:rPr>
+              <a:t>IEnumerable&lt;</a:t>
+            </a:r>
+            <a:r>
+              <a:rPr lang="el" sz="850">
+                <a:solidFill>
+                  <a:schemeClr val="accent2"/>
+                </a:solidFill>
+                <a:latin typeface="Courier New"/>
+                <a:ea typeface="Courier New"/>
+                <a:cs typeface="Courier New"/>
+                <a:sym typeface="Courier New"/>
+              </a:rPr>
+              <a:t>Item</a:t>
+            </a:r>
+            <a:r>
+              <a:rPr lang="el" sz="850">
+                <a:solidFill>
+                  <a:srgbClr val="CCCCCC"/>
+                </a:solidFill>
+                <a:latin typeface="Courier New"/>
+                <a:ea typeface="Courier New"/>
+                <a:cs typeface="Courier New"/>
+                <a:sym typeface="Courier New"/>
+              </a:rPr>
+              <a:t>&gt;</a:t>
+            </a:r>
+            <a:r>
+              <a:rPr lang="el" sz="850">
+                <a:latin typeface="Courier New"/>
+                <a:ea typeface="Courier New"/>
+                <a:cs typeface="Courier New"/>
+                <a:sym typeface="Courier New"/>
+              </a:rPr>
+              <a:t> </a:t>
+            </a:r>
+            <a:r>
+              <a:rPr lang="el" sz="850">
+                <a:solidFill>
+                  <a:srgbClr val="00FFFF"/>
+                </a:solidFill>
+                <a:latin typeface="Courier New"/>
+                <a:ea typeface="Courier New"/>
+                <a:cs typeface="Courier New"/>
+                <a:sym typeface="Courier New"/>
+              </a:rPr>
+              <a:t>GetItems</a:t>
+            </a:r>
+            <a:r>
+              <a:rPr lang="el" sz="850">
+                <a:solidFill>
+                  <a:srgbClr val="CCCCCC"/>
+                </a:solidFill>
+                <a:latin typeface="Courier New"/>
+                <a:ea typeface="Courier New"/>
+                <a:cs typeface="Courier New"/>
+                <a:sym typeface="Courier New"/>
+              </a:rPr>
+              <a:t>()</a:t>
+            </a:r>
+            <a:endParaRPr sz="850">
+              <a:latin typeface="Courier New"/>
+              <a:ea typeface="Courier New"/>
+              <a:cs typeface="Courier New"/>
+              <a:sym typeface="Courier New"/>
+            </a:endParaRPr>
+          </a:p>
+          <a:p>
+            <a:pPr indent="0" lvl="0" marL="0" rtl="0" algn="l">
+              <a:spcBef>
+                <a:spcPts val="0"/>
+              </a:spcBef>
+              <a:spcAft>
+                <a:spcPts val="0"/>
+              </a:spcAft>
+              <a:buNone/>
+            </a:pPr>
+            <a:r>
+              <a:rPr lang="el" sz="850">
+                <a:latin typeface="Courier New"/>
+                <a:ea typeface="Courier New"/>
+                <a:cs typeface="Courier New"/>
+                <a:sym typeface="Courier New"/>
+              </a:rPr>
+              <a:t>        </a:t>
+            </a:r>
+            <a:r>
+              <a:rPr lang="el" sz="850">
+                <a:solidFill>
+                  <a:srgbClr val="CCCCCC"/>
+                </a:solidFill>
+                <a:latin typeface="Courier New"/>
+                <a:ea typeface="Courier New"/>
+                <a:cs typeface="Courier New"/>
+                <a:sym typeface="Courier New"/>
+              </a:rPr>
+              <a:t>{</a:t>
+            </a:r>
+            <a:endParaRPr sz="850">
+              <a:latin typeface="Courier New"/>
+              <a:ea typeface="Courier New"/>
+              <a:cs typeface="Courier New"/>
+              <a:sym typeface="Courier New"/>
+            </a:endParaRPr>
+          </a:p>
+          <a:p>
+            <a:pPr indent="0" lvl="0" marL="0" rtl="0" algn="l">
+              <a:spcBef>
+                <a:spcPts val="0"/>
+              </a:spcBef>
+              <a:spcAft>
+                <a:spcPts val="0"/>
+              </a:spcAft>
+              <a:buNone/>
+            </a:pPr>
+            <a:r>
+              <a:rPr lang="el" sz="850">
+                <a:latin typeface="Courier New"/>
+                <a:ea typeface="Courier New"/>
+                <a:cs typeface="Courier New"/>
+                <a:sym typeface="Courier New"/>
+              </a:rPr>
+              <a:t>            </a:t>
+            </a:r>
+            <a:r>
+              <a:rPr lang="el" sz="850">
+                <a:solidFill>
+                  <a:srgbClr val="CDCD00"/>
+                </a:solidFill>
+                <a:latin typeface="Courier New"/>
+                <a:ea typeface="Courier New"/>
+                <a:cs typeface="Courier New"/>
+                <a:sym typeface="Courier New"/>
+              </a:rPr>
+              <a:t>return</a:t>
+            </a:r>
+            <a:r>
+              <a:rPr lang="el" sz="850">
+                <a:latin typeface="Courier New"/>
+                <a:ea typeface="Courier New"/>
+                <a:cs typeface="Courier New"/>
+                <a:sym typeface="Courier New"/>
+              </a:rPr>
+              <a:t> </a:t>
+            </a:r>
+            <a:r>
+              <a:rPr lang="el" sz="850">
+                <a:solidFill>
+                  <a:srgbClr val="E69138"/>
+                </a:solidFill>
+                <a:latin typeface="Courier New"/>
+                <a:ea typeface="Courier New"/>
+                <a:cs typeface="Courier New"/>
+                <a:sym typeface="Courier New"/>
+              </a:rPr>
+              <a:t>itemsCollection</a:t>
+            </a:r>
+            <a:r>
+              <a:rPr lang="el" sz="850">
+                <a:solidFill>
+                  <a:srgbClr val="CCCCCC"/>
+                </a:solidFill>
+                <a:latin typeface="Courier New"/>
+                <a:ea typeface="Courier New"/>
+                <a:cs typeface="Courier New"/>
+                <a:sym typeface="Courier New"/>
+              </a:rPr>
+              <a:t>.Find(</a:t>
+            </a:r>
+            <a:r>
+              <a:rPr lang="el" sz="850">
+                <a:solidFill>
+                  <a:srgbClr val="CDCD00"/>
+                </a:solidFill>
+                <a:latin typeface="Courier New"/>
+                <a:ea typeface="Courier New"/>
+                <a:cs typeface="Courier New"/>
+                <a:sym typeface="Courier New"/>
+              </a:rPr>
+              <a:t>new</a:t>
+            </a:r>
+            <a:r>
+              <a:rPr lang="el" sz="850">
+                <a:latin typeface="Courier New"/>
+                <a:ea typeface="Courier New"/>
+                <a:cs typeface="Courier New"/>
+                <a:sym typeface="Courier New"/>
+              </a:rPr>
+              <a:t> </a:t>
+            </a:r>
+            <a:r>
+              <a:rPr lang="el" sz="850">
+                <a:solidFill>
+                  <a:srgbClr val="CCCCCC"/>
+                </a:solidFill>
+                <a:latin typeface="Courier New"/>
+                <a:ea typeface="Courier New"/>
+                <a:cs typeface="Courier New"/>
+                <a:sym typeface="Courier New"/>
+              </a:rPr>
+              <a:t>BsonDocument()).ToList();</a:t>
+            </a:r>
+            <a:endParaRPr sz="850">
+              <a:latin typeface="Courier New"/>
+              <a:ea typeface="Courier New"/>
+              <a:cs typeface="Courier New"/>
+              <a:sym typeface="Courier New"/>
+            </a:endParaRPr>
+          </a:p>
+          <a:p>
+            <a:pPr indent="0" lvl="0" marL="0" rtl="0" algn="l">
+              <a:spcBef>
+                <a:spcPts val="0"/>
+              </a:spcBef>
+              <a:spcAft>
+                <a:spcPts val="0"/>
+              </a:spcAft>
+              <a:buNone/>
+            </a:pPr>
+            <a:r>
+              <a:rPr lang="el" sz="850">
+                <a:latin typeface="Courier New"/>
+                <a:ea typeface="Courier New"/>
+                <a:cs typeface="Courier New"/>
+                <a:sym typeface="Courier New"/>
+              </a:rPr>
+              <a:t>        </a:t>
+            </a:r>
+            <a:r>
+              <a:rPr lang="el" sz="850">
+                <a:solidFill>
+                  <a:srgbClr val="CCCCCC"/>
+                </a:solidFill>
+                <a:latin typeface="Courier New"/>
+                <a:ea typeface="Courier New"/>
+                <a:cs typeface="Courier New"/>
+                <a:sym typeface="Courier New"/>
+              </a:rPr>
+              <a:t>}</a:t>
+            </a:r>
+            <a:endParaRPr sz="850">
+              <a:latin typeface="Courier New"/>
+              <a:ea typeface="Courier New"/>
+              <a:cs typeface="Courier New"/>
+              <a:sym typeface="Courier New"/>
+            </a:endParaRPr>
+          </a:p>
+          <a:p>
+            <a:pPr indent="0" lvl="0" marL="0" rtl="0" algn="l">
+              <a:spcBef>
+                <a:spcPts val="0"/>
+              </a:spcBef>
+              <a:spcAft>
+                <a:spcPts val="0"/>
+              </a:spcAft>
+              <a:buNone/>
+            </a:pPr>
+            <a:r>
+              <a:t/>
+            </a:r>
+            <a:endParaRPr sz="850">
+              <a:latin typeface="Courier New"/>
+              <a:ea typeface="Courier New"/>
+              <a:cs typeface="Courier New"/>
+              <a:sym typeface="Courier New"/>
+            </a:endParaRPr>
+          </a:p>
+          <a:p>
+            <a:pPr indent="0" lvl="0" marL="0" rtl="0" algn="l">
+              <a:spcBef>
+                <a:spcPts val="0"/>
+              </a:spcBef>
+              <a:spcAft>
+                <a:spcPts val="0"/>
+              </a:spcAft>
+              <a:buNone/>
+            </a:pPr>
+            <a:r>
+              <a:rPr lang="el" sz="850">
+                <a:latin typeface="Courier New"/>
+                <a:ea typeface="Courier New"/>
+                <a:cs typeface="Courier New"/>
+                <a:sym typeface="Courier New"/>
+              </a:rPr>
+              <a:t>        </a:t>
+            </a:r>
+            <a:r>
+              <a:rPr lang="el" sz="850">
+                <a:solidFill>
+                  <a:srgbClr val="CDCD00"/>
+                </a:solidFill>
+                <a:latin typeface="Courier New"/>
+                <a:ea typeface="Courier New"/>
+                <a:cs typeface="Courier New"/>
+                <a:sym typeface="Courier New"/>
+              </a:rPr>
+              <a:t>public</a:t>
+            </a:r>
+            <a:r>
+              <a:rPr lang="el" sz="850">
+                <a:latin typeface="Courier New"/>
+                <a:ea typeface="Courier New"/>
+                <a:cs typeface="Courier New"/>
+                <a:sym typeface="Courier New"/>
+              </a:rPr>
+              <a:t> </a:t>
+            </a:r>
+            <a:r>
+              <a:rPr lang="el" sz="850">
+                <a:solidFill>
+                  <a:srgbClr val="CDCD00"/>
+                </a:solidFill>
+                <a:latin typeface="Courier New"/>
+                <a:ea typeface="Courier New"/>
+                <a:cs typeface="Courier New"/>
+                <a:sym typeface="Courier New"/>
+              </a:rPr>
+              <a:t>void</a:t>
+            </a:r>
+            <a:r>
+              <a:rPr lang="el" sz="850">
+                <a:latin typeface="Courier New"/>
+                <a:ea typeface="Courier New"/>
+                <a:cs typeface="Courier New"/>
+                <a:sym typeface="Courier New"/>
+              </a:rPr>
+              <a:t> </a:t>
+            </a:r>
+            <a:r>
+              <a:rPr lang="el" sz="850">
+                <a:solidFill>
+                  <a:srgbClr val="00FFFF"/>
+                </a:solidFill>
+                <a:latin typeface="Courier New"/>
+                <a:ea typeface="Courier New"/>
+                <a:cs typeface="Courier New"/>
+                <a:sym typeface="Courier New"/>
+              </a:rPr>
+              <a:t>UpdateItem</a:t>
+            </a:r>
+            <a:r>
+              <a:rPr lang="el" sz="850">
+                <a:solidFill>
+                  <a:srgbClr val="CCCCCC"/>
+                </a:solidFill>
+                <a:latin typeface="Courier New"/>
+                <a:ea typeface="Courier New"/>
+                <a:cs typeface="Courier New"/>
+                <a:sym typeface="Courier New"/>
+              </a:rPr>
+              <a:t>(</a:t>
+            </a:r>
+            <a:r>
+              <a:rPr lang="el" sz="850">
+                <a:solidFill>
+                  <a:schemeClr val="accent2"/>
+                </a:solidFill>
+                <a:latin typeface="Courier New"/>
+                <a:ea typeface="Courier New"/>
+                <a:cs typeface="Courier New"/>
+                <a:sym typeface="Courier New"/>
+              </a:rPr>
+              <a:t>Item</a:t>
+            </a:r>
+            <a:r>
+              <a:rPr lang="el" sz="850">
+                <a:latin typeface="Courier New"/>
+                <a:ea typeface="Courier New"/>
+                <a:cs typeface="Courier New"/>
+                <a:sym typeface="Courier New"/>
+              </a:rPr>
+              <a:t> </a:t>
+            </a:r>
+            <a:r>
+              <a:rPr lang="el" sz="850">
+                <a:solidFill>
+                  <a:srgbClr val="CCCCCC"/>
+                </a:solidFill>
+                <a:latin typeface="Courier New"/>
+                <a:ea typeface="Courier New"/>
+                <a:cs typeface="Courier New"/>
+                <a:sym typeface="Courier New"/>
+              </a:rPr>
+              <a:t>item)</a:t>
+            </a:r>
+            <a:endParaRPr sz="850">
+              <a:latin typeface="Courier New"/>
+              <a:ea typeface="Courier New"/>
+              <a:cs typeface="Courier New"/>
+              <a:sym typeface="Courier New"/>
+            </a:endParaRPr>
+          </a:p>
+          <a:p>
+            <a:pPr indent="0" lvl="0" marL="0" rtl="0" algn="l">
+              <a:spcBef>
+                <a:spcPts val="0"/>
+              </a:spcBef>
+              <a:spcAft>
+                <a:spcPts val="0"/>
+              </a:spcAft>
+              <a:buNone/>
+            </a:pPr>
+            <a:r>
+              <a:rPr lang="el" sz="850">
+                <a:latin typeface="Courier New"/>
+                <a:ea typeface="Courier New"/>
+                <a:cs typeface="Courier New"/>
+                <a:sym typeface="Courier New"/>
+              </a:rPr>
+              <a:t>        </a:t>
+            </a:r>
+            <a:r>
+              <a:rPr lang="el" sz="850">
+                <a:solidFill>
+                  <a:srgbClr val="CCCCCC"/>
+                </a:solidFill>
+                <a:latin typeface="Courier New"/>
+                <a:ea typeface="Courier New"/>
+                <a:cs typeface="Courier New"/>
+                <a:sym typeface="Courier New"/>
+              </a:rPr>
+              <a:t>{</a:t>
+            </a:r>
+            <a:endParaRPr sz="850">
+              <a:latin typeface="Courier New"/>
+              <a:ea typeface="Courier New"/>
+              <a:cs typeface="Courier New"/>
+              <a:sym typeface="Courier New"/>
+            </a:endParaRPr>
+          </a:p>
+          <a:p>
+            <a:pPr indent="0" lvl="0" marL="0" rtl="0" algn="l">
+              <a:spcBef>
+                <a:spcPts val="0"/>
+              </a:spcBef>
+              <a:spcAft>
+                <a:spcPts val="0"/>
+              </a:spcAft>
+              <a:buNone/>
+            </a:pPr>
+            <a:r>
+              <a:rPr lang="el" sz="850">
+                <a:latin typeface="Courier New"/>
+                <a:ea typeface="Courier New"/>
+                <a:cs typeface="Courier New"/>
+                <a:sym typeface="Courier New"/>
+              </a:rPr>
+              <a:t>            </a:t>
+            </a:r>
+            <a:r>
+              <a:rPr lang="el" sz="850">
+                <a:solidFill>
+                  <a:srgbClr val="00CD00"/>
+                </a:solidFill>
+                <a:latin typeface="Courier New"/>
+                <a:ea typeface="Courier New"/>
+                <a:cs typeface="Courier New"/>
+                <a:sym typeface="Courier New"/>
+              </a:rPr>
+              <a:t>var</a:t>
+            </a:r>
+            <a:r>
+              <a:rPr lang="el" sz="850">
+                <a:latin typeface="Courier New"/>
+                <a:ea typeface="Courier New"/>
+                <a:cs typeface="Courier New"/>
+                <a:sym typeface="Courier New"/>
+              </a:rPr>
+              <a:t> </a:t>
+            </a:r>
+            <a:r>
+              <a:rPr lang="el" sz="850">
+                <a:solidFill>
+                  <a:srgbClr val="CCCCCC"/>
+                </a:solidFill>
+                <a:latin typeface="Courier New"/>
+                <a:ea typeface="Courier New"/>
+                <a:cs typeface="Courier New"/>
+                <a:sym typeface="Courier New"/>
+              </a:rPr>
+              <a:t>filter</a:t>
+            </a:r>
+            <a:r>
+              <a:rPr lang="el" sz="850">
+                <a:latin typeface="Courier New"/>
+                <a:ea typeface="Courier New"/>
+                <a:cs typeface="Courier New"/>
+                <a:sym typeface="Courier New"/>
+              </a:rPr>
+              <a:t> </a:t>
+            </a:r>
+            <a:r>
+              <a:rPr lang="el" sz="850">
+                <a:solidFill>
+                  <a:srgbClr val="CCCCCC"/>
+                </a:solidFill>
+                <a:latin typeface="Courier New"/>
+                <a:ea typeface="Courier New"/>
+                <a:cs typeface="Courier New"/>
+                <a:sym typeface="Courier New"/>
+              </a:rPr>
+              <a:t>=</a:t>
+            </a:r>
+            <a:r>
+              <a:rPr lang="el" sz="850">
+                <a:latin typeface="Courier New"/>
+                <a:ea typeface="Courier New"/>
+                <a:cs typeface="Courier New"/>
+                <a:sym typeface="Courier New"/>
+              </a:rPr>
+              <a:t> </a:t>
+            </a:r>
+            <a:r>
+              <a:rPr lang="el" sz="850">
+                <a:solidFill>
+                  <a:srgbClr val="CCCCCC"/>
+                </a:solidFill>
+                <a:latin typeface="Courier New"/>
+                <a:ea typeface="Courier New"/>
+                <a:cs typeface="Courier New"/>
+                <a:sym typeface="Courier New"/>
+              </a:rPr>
+              <a:t>filterBuilder.</a:t>
+            </a:r>
+            <a:r>
+              <a:rPr lang="el" sz="850">
+                <a:solidFill>
+                  <a:srgbClr val="00FFFF"/>
+                </a:solidFill>
+                <a:latin typeface="Courier New"/>
+                <a:ea typeface="Courier New"/>
+                <a:cs typeface="Courier New"/>
+                <a:sym typeface="Courier New"/>
+              </a:rPr>
+              <a:t>Eq</a:t>
+            </a:r>
+            <a:r>
+              <a:rPr lang="el" sz="850">
+                <a:solidFill>
+                  <a:srgbClr val="CCCCCC"/>
+                </a:solidFill>
+                <a:latin typeface="Courier New"/>
+                <a:ea typeface="Courier New"/>
+                <a:cs typeface="Courier New"/>
+                <a:sym typeface="Courier New"/>
+              </a:rPr>
+              <a:t>(existingItem</a:t>
+            </a:r>
+            <a:r>
+              <a:rPr lang="el" sz="850">
+                <a:latin typeface="Courier New"/>
+                <a:ea typeface="Courier New"/>
+                <a:cs typeface="Courier New"/>
+                <a:sym typeface="Courier New"/>
+              </a:rPr>
+              <a:t> </a:t>
+            </a:r>
+            <a:r>
+              <a:rPr lang="el" sz="850">
+                <a:solidFill>
+                  <a:srgbClr val="CCCCCC"/>
+                </a:solidFill>
+                <a:latin typeface="Courier New"/>
+                <a:ea typeface="Courier New"/>
+                <a:cs typeface="Courier New"/>
+                <a:sym typeface="Courier New"/>
+              </a:rPr>
+              <a:t>=&gt;</a:t>
+            </a:r>
+            <a:r>
+              <a:rPr lang="el" sz="850">
+                <a:latin typeface="Courier New"/>
+                <a:ea typeface="Courier New"/>
+                <a:cs typeface="Courier New"/>
+                <a:sym typeface="Courier New"/>
+              </a:rPr>
+              <a:t> </a:t>
+            </a:r>
+            <a:r>
+              <a:rPr lang="el" sz="850">
+                <a:solidFill>
+                  <a:srgbClr val="CCCCCC"/>
+                </a:solidFill>
+                <a:latin typeface="Courier New"/>
+                <a:ea typeface="Courier New"/>
+                <a:cs typeface="Courier New"/>
+                <a:sym typeface="Courier New"/>
+              </a:rPr>
+              <a:t>existingItem.Id,</a:t>
+            </a:r>
+            <a:r>
+              <a:rPr lang="el" sz="850">
+                <a:latin typeface="Courier New"/>
+                <a:ea typeface="Courier New"/>
+                <a:cs typeface="Courier New"/>
+                <a:sym typeface="Courier New"/>
+              </a:rPr>
+              <a:t> </a:t>
+            </a:r>
+            <a:r>
+              <a:rPr lang="el" sz="850">
+                <a:solidFill>
+                  <a:srgbClr val="CCCCCC"/>
+                </a:solidFill>
+                <a:latin typeface="Courier New"/>
+                <a:ea typeface="Courier New"/>
+                <a:cs typeface="Courier New"/>
+                <a:sym typeface="Courier New"/>
+              </a:rPr>
+              <a:t>item.Id);</a:t>
+            </a:r>
+            <a:endParaRPr sz="850">
+              <a:latin typeface="Courier New"/>
+              <a:ea typeface="Courier New"/>
+              <a:cs typeface="Courier New"/>
+              <a:sym typeface="Courier New"/>
+            </a:endParaRPr>
+          </a:p>
+          <a:p>
+            <a:pPr indent="0" lvl="0" marL="0" rtl="0" algn="l">
+              <a:spcBef>
+                <a:spcPts val="0"/>
+              </a:spcBef>
+              <a:spcAft>
+                <a:spcPts val="0"/>
+              </a:spcAft>
+              <a:buNone/>
+            </a:pPr>
+            <a:r>
+              <a:rPr lang="el" sz="850">
+                <a:latin typeface="Courier New"/>
+                <a:ea typeface="Courier New"/>
+                <a:cs typeface="Courier New"/>
+                <a:sym typeface="Courier New"/>
+              </a:rPr>
+              <a:t>            </a:t>
+            </a:r>
+            <a:r>
+              <a:rPr lang="el" sz="850">
+                <a:solidFill>
+                  <a:srgbClr val="E69138"/>
+                </a:solidFill>
+                <a:latin typeface="Courier New"/>
+                <a:ea typeface="Courier New"/>
+                <a:cs typeface="Courier New"/>
+                <a:sym typeface="Courier New"/>
+              </a:rPr>
+              <a:t>itemsCollection</a:t>
+            </a:r>
+            <a:r>
+              <a:rPr lang="el" sz="850">
+                <a:solidFill>
+                  <a:srgbClr val="CCCCCC"/>
+                </a:solidFill>
+                <a:latin typeface="Courier New"/>
+                <a:ea typeface="Courier New"/>
+                <a:cs typeface="Courier New"/>
+                <a:sym typeface="Courier New"/>
+              </a:rPr>
+              <a:t>.</a:t>
+            </a:r>
+            <a:r>
+              <a:rPr lang="el" sz="850">
+                <a:solidFill>
+                  <a:srgbClr val="00FFFF"/>
+                </a:solidFill>
+                <a:latin typeface="Courier New"/>
+                <a:ea typeface="Courier New"/>
+                <a:cs typeface="Courier New"/>
+                <a:sym typeface="Courier New"/>
+              </a:rPr>
+              <a:t>ReplaceOne</a:t>
+            </a:r>
+            <a:r>
+              <a:rPr lang="el" sz="850">
+                <a:solidFill>
+                  <a:srgbClr val="CCCCCC"/>
+                </a:solidFill>
+                <a:latin typeface="Courier New"/>
+                <a:ea typeface="Courier New"/>
+                <a:cs typeface="Courier New"/>
+                <a:sym typeface="Courier New"/>
+              </a:rPr>
+              <a:t>(filter,</a:t>
+            </a:r>
+            <a:r>
+              <a:rPr lang="el" sz="850">
+                <a:latin typeface="Courier New"/>
+                <a:ea typeface="Courier New"/>
+                <a:cs typeface="Courier New"/>
+                <a:sym typeface="Courier New"/>
+              </a:rPr>
+              <a:t> </a:t>
+            </a:r>
+            <a:r>
+              <a:rPr lang="el" sz="850">
+                <a:solidFill>
+                  <a:srgbClr val="CCCCCC"/>
+                </a:solidFill>
+                <a:latin typeface="Courier New"/>
+                <a:ea typeface="Courier New"/>
+                <a:cs typeface="Courier New"/>
+                <a:sym typeface="Courier New"/>
+              </a:rPr>
+              <a:t>item);</a:t>
+            </a:r>
+            <a:endParaRPr sz="850">
+              <a:latin typeface="Courier New"/>
+              <a:ea typeface="Courier New"/>
+              <a:cs typeface="Courier New"/>
+              <a:sym typeface="Courier New"/>
+            </a:endParaRPr>
+          </a:p>
+          <a:p>
+            <a:pPr indent="0" lvl="0" marL="0" rtl="0" algn="just">
+              <a:lnSpc>
+                <a:spcPct val="125000"/>
+              </a:lnSpc>
+              <a:spcBef>
+                <a:spcPts val="0"/>
+              </a:spcBef>
+              <a:spcAft>
+                <a:spcPts val="0"/>
+              </a:spcAft>
+              <a:buNone/>
+            </a:pPr>
+            <a:r>
+              <a:rPr lang="el" sz="850">
+                <a:latin typeface="Courier New"/>
+                <a:ea typeface="Courier New"/>
+                <a:cs typeface="Courier New"/>
+                <a:sym typeface="Courier New"/>
+              </a:rPr>
+              <a:t>        </a:t>
+            </a:r>
+            <a:r>
+              <a:rPr lang="el" sz="850">
+                <a:solidFill>
+                  <a:srgbClr val="CCCCCC"/>
+                </a:solidFill>
+                <a:latin typeface="Courier New"/>
+                <a:ea typeface="Courier New"/>
+                <a:cs typeface="Courier New"/>
+                <a:sym typeface="Courier New"/>
+              </a:rPr>
+              <a:t>}</a:t>
+            </a:r>
+            <a:endParaRPr sz="850">
+              <a:solidFill>
+                <a:srgbClr val="CCCCCC"/>
+              </a:solidFill>
+              <a:latin typeface="Courier New"/>
+              <a:ea typeface="Courier New"/>
+              <a:cs typeface="Courier New"/>
+              <a:sym typeface="Courier New"/>
+            </a:endParaRPr>
+          </a:p>
+        </p:txBody>
+      </p:sp>
+    </p:spTree>
+  </p:cSld>
+  <p:clrMapOvr>
+    <a:masterClrMapping/>
+  </p:clrMapOvr>
+</p:sld>
+</file>
+
+<file path=ppt/slides/slide29.xml><?xml version="1.0" encoding="utf-8"?>
+<p:sld xmlns:a="http://schemas.openxmlformats.org/drawingml/2006/main" xmlns:r="http://schemas.openxmlformats.org/officeDocument/2006/relationships" xmlns:mc="http://schemas.openxmlformats.org/markup-compatibility/2006" xmlns:mv="urn:schemas-microsoft-com:mac:vml" xmlns:p="http://schemas.openxmlformats.org/presentationml/2006/main" xmlns:c="http://schemas.openxmlformats.org/drawingml/2006/chart" xmlns:dgm="http://schemas.openxmlformats.org/drawingml/2006/diagram" xmlns:o="urn:schemas-microsoft-com:office:office" xmlns:v="urn:schemas-microsoft-com:vml" xmlns:pvml="urn:schemas-microsoft-com:office:powerpoint" xmlns:com="http://schemas.openxmlformats.org/drawingml/2006/compatibility" xmlns:p14="http://schemas.microsoft.com/office/powerpoint/2010/main" xmlns:p15="http://schemas.microsoft.com/office/powerpoint/2012/main" xmlns:ahyp="http://schemas.microsoft.com/office/drawing/2018/hyperlinkcolor">
+  <p:cSld>
+    <p:spTree>
+      <p:nvGrpSpPr>
+        <p:cNvPr id="334" name="Shape 334"/>
+        <p:cNvGrpSpPr/>
+        <p:nvPr/>
+      </p:nvGrpSpPr>
+      <p:grpSpPr>
+        <a:xfrm>
+          <a:off x="0" y="0"/>
+          <a:ext cx="0" cy="0"/>
+          <a:chOff x="0" y="0"/>
+          <a:chExt cx="0" cy="0"/>
+        </a:xfrm>
+      </p:grpSpPr>
+      <p:sp>
+        <p:nvSpPr>
+          <p:cNvPr id="335" name="Google Shape;335;p41"/>
+          <p:cNvSpPr txBox="1"/>
+          <p:nvPr>
+            <p:ph type="title"/>
+          </p:nvPr>
+        </p:nvSpPr>
+        <p:spPr>
+          <a:xfrm>
+            <a:off x="1297500" y="393750"/>
+            <a:ext cx="7038900" cy="914100"/>
+          </a:xfrm>
+          <a:prstGeom prst="rect">
+            <a:avLst/>
+          </a:prstGeom>
+        </p:spPr>
+        <p:txBody>
+          <a:bodyPr anchorCtr="0" anchor="t" bIns="91425" lIns="91425" spcFirstLastPara="1" rIns="91425" wrap="square" tIns="91425">
+            <a:normAutofit/>
+          </a:bodyPr>
+          <a:lstStyle/>
+          <a:p>
+            <a:pPr indent="0" lvl="0" marL="0" rtl="0" algn="l">
+              <a:spcBef>
+                <a:spcPts val="0"/>
+              </a:spcBef>
+              <a:spcAft>
+                <a:spcPts val="0"/>
+              </a:spcAft>
+              <a:buNone/>
+            </a:pPr>
+            <a:r>
+              <a:rPr lang="el"/>
+              <a:t>Configure AppSettings.json</a:t>
+            </a:r>
+            <a:endParaRPr/>
+          </a:p>
+        </p:txBody>
+      </p:sp>
+      <p:sp>
+        <p:nvSpPr>
+          <p:cNvPr id="336" name="Google Shape;336;p41"/>
+          <p:cNvSpPr txBox="1"/>
+          <p:nvPr/>
+        </p:nvSpPr>
+        <p:spPr>
+          <a:xfrm>
+            <a:off x="900300" y="1571825"/>
+            <a:ext cx="7261500" cy="2878200"/>
+          </a:xfrm>
+          <a:prstGeom prst="rect">
+            <a:avLst/>
+          </a:prstGeom>
+          <a:noFill/>
+          <a:ln>
+            <a:noFill/>
+          </a:ln>
+        </p:spPr>
+        <p:txBody>
+          <a:bodyPr anchorCtr="0" anchor="t" bIns="91425" lIns="91425" spcFirstLastPara="1" rIns="91425" wrap="square" tIns="91425">
+            <a:spAutoFit/>
+          </a:bodyPr>
+          <a:lstStyle/>
+          <a:p>
+            <a:pPr indent="0" lvl="0" marL="0" rtl="0" algn="l">
+              <a:spcBef>
+                <a:spcPts val="0"/>
+              </a:spcBef>
+              <a:spcAft>
+                <a:spcPts val="0"/>
+              </a:spcAft>
+              <a:buNone/>
+            </a:pPr>
+            <a:r>
+              <a:rPr lang="el" sz="1250">
+                <a:solidFill>
+                  <a:srgbClr val="CCCCCC"/>
+                </a:solidFill>
+                <a:latin typeface="Courier New"/>
+                <a:ea typeface="Courier New"/>
+                <a:cs typeface="Courier New"/>
+                <a:sym typeface="Courier New"/>
+              </a:rPr>
+              <a:t>{</a:t>
+            </a:r>
+            <a:endParaRPr sz="1250">
+              <a:latin typeface="Courier New"/>
+              <a:ea typeface="Courier New"/>
+              <a:cs typeface="Courier New"/>
+              <a:sym typeface="Courier New"/>
+            </a:endParaRPr>
+          </a:p>
+          <a:p>
+            <a:pPr indent="0" lvl="0" marL="0" rtl="0" algn="l">
+              <a:spcBef>
+                <a:spcPts val="0"/>
+              </a:spcBef>
+              <a:spcAft>
+                <a:spcPts val="0"/>
+              </a:spcAft>
+              <a:buNone/>
+            </a:pPr>
+            <a:r>
+              <a:rPr lang="el" sz="1250">
+                <a:latin typeface="Courier New"/>
+                <a:ea typeface="Courier New"/>
+                <a:cs typeface="Courier New"/>
+                <a:sym typeface="Courier New"/>
+              </a:rPr>
+              <a:t>  </a:t>
+            </a:r>
+            <a:r>
+              <a:rPr lang="el" sz="1250">
+                <a:solidFill>
+                  <a:srgbClr val="CCCCCC"/>
+                </a:solidFill>
+                <a:latin typeface="Courier New"/>
+                <a:ea typeface="Courier New"/>
+                <a:cs typeface="Courier New"/>
+                <a:sym typeface="Courier New"/>
+              </a:rPr>
+              <a:t>"Logging":</a:t>
+            </a:r>
+            <a:r>
+              <a:rPr lang="el" sz="1250">
+                <a:latin typeface="Courier New"/>
+                <a:ea typeface="Courier New"/>
+                <a:cs typeface="Courier New"/>
+                <a:sym typeface="Courier New"/>
+              </a:rPr>
+              <a:t> </a:t>
+            </a:r>
+            <a:r>
+              <a:rPr lang="el" sz="1250">
+                <a:solidFill>
+                  <a:srgbClr val="CCCCCC"/>
+                </a:solidFill>
+                <a:latin typeface="Courier New"/>
+                <a:ea typeface="Courier New"/>
+                <a:cs typeface="Courier New"/>
+                <a:sym typeface="Courier New"/>
+              </a:rPr>
+              <a:t>{</a:t>
+            </a:r>
+            <a:endParaRPr sz="1250">
+              <a:latin typeface="Courier New"/>
+              <a:ea typeface="Courier New"/>
+              <a:cs typeface="Courier New"/>
+              <a:sym typeface="Courier New"/>
+            </a:endParaRPr>
+          </a:p>
+          <a:p>
+            <a:pPr indent="0" lvl="0" marL="0" rtl="0" algn="l">
+              <a:spcBef>
+                <a:spcPts val="0"/>
+              </a:spcBef>
+              <a:spcAft>
+                <a:spcPts val="0"/>
+              </a:spcAft>
+              <a:buNone/>
+            </a:pPr>
+            <a:r>
+              <a:rPr lang="el" sz="1250">
+                <a:latin typeface="Courier New"/>
+                <a:ea typeface="Courier New"/>
+                <a:cs typeface="Courier New"/>
+                <a:sym typeface="Courier New"/>
+              </a:rPr>
+              <a:t>    </a:t>
+            </a:r>
+            <a:r>
+              <a:rPr lang="el" sz="1250">
+                <a:solidFill>
+                  <a:srgbClr val="CCCCCC"/>
+                </a:solidFill>
+                <a:latin typeface="Courier New"/>
+                <a:ea typeface="Courier New"/>
+                <a:cs typeface="Courier New"/>
+                <a:sym typeface="Courier New"/>
+              </a:rPr>
+              <a:t>"LogLevel":</a:t>
+            </a:r>
+            <a:r>
+              <a:rPr lang="el" sz="1250">
+                <a:latin typeface="Courier New"/>
+                <a:ea typeface="Courier New"/>
+                <a:cs typeface="Courier New"/>
+                <a:sym typeface="Courier New"/>
+              </a:rPr>
+              <a:t> </a:t>
+            </a:r>
+            <a:r>
+              <a:rPr lang="el" sz="1250">
+                <a:solidFill>
+                  <a:srgbClr val="CCCCCC"/>
+                </a:solidFill>
+                <a:latin typeface="Courier New"/>
+                <a:ea typeface="Courier New"/>
+                <a:cs typeface="Courier New"/>
+                <a:sym typeface="Courier New"/>
+              </a:rPr>
+              <a:t>{</a:t>
+            </a:r>
+            <a:endParaRPr sz="1250">
+              <a:latin typeface="Courier New"/>
+              <a:ea typeface="Courier New"/>
+              <a:cs typeface="Courier New"/>
+              <a:sym typeface="Courier New"/>
+            </a:endParaRPr>
+          </a:p>
+          <a:p>
+            <a:pPr indent="0" lvl="0" marL="0" rtl="0" algn="l">
+              <a:spcBef>
+                <a:spcPts val="0"/>
+              </a:spcBef>
+              <a:spcAft>
+                <a:spcPts val="0"/>
+              </a:spcAft>
+              <a:buNone/>
+            </a:pPr>
+            <a:r>
+              <a:rPr lang="el" sz="1250">
+                <a:latin typeface="Courier New"/>
+                <a:ea typeface="Courier New"/>
+                <a:cs typeface="Courier New"/>
+                <a:sym typeface="Courier New"/>
+              </a:rPr>
+              <a:t>      </a:t>
+            </a:r>
+            <a:r>
+              <a:rPr lang="el" sz="1250">
+                <a:solidFill>
+                  <a:srgbClr val="CCCCCC"/>
+                </a:solidFill>
+                <a:latin typeface="Courier New"/>
+                <a:ea typeface="Courier New"/>
+                <a:cs typeface="Courier New"/>
+                <a:sym typeface="Courier New"/>
+              </a:rPr>
+              <a:t>"Default":</a:t>
+            </a:r>
+            <a:r>
+              <a:rPr lang="el" sz="1250">
+                <a:latin typeface="Courier New"/>
+                <a:ea typeface="Courier New"/>
+                <a:cs typeface="Courier New"/>
+                <a:sym typeface="Courier New"/>
+              </a:rPr>
+              <a:t> </a:t>
+            </a:r>
+            <a:r>
+              <a:rPr lang="el" sz="1250">
+                <a:solidFill>
+                  <a:srgbClr val="CD0000"/>
+                </a:solidFill>
+                <a:latin typeface="Courier New"/>
+                <a:ea typeface="Courier New"/>
+                <a:cs typeface="Courier New"/>
+                <a:sym typeface="Courier New"/>
+              </a:rPr>
+              <a:t>"Information"</a:t>
+            </a:r>
+            <a:r>
+              <a:rPr lang="el" sz="1250">
+                <a:solidFill>
+                  <a:srgbClr val="CCCCCC"/>
+                </a:solidFill>
+                <a:latin typeface="Courier New"/>
+                <a:ea typeface="Courier New"/>
+                <a:cs typeface="Courier New"/>
+                <a:sym typeface="Courier New"/>
+              </a:rPr>
+              <a:t>,</a:t>
+            </a:r>
+            <a:endParaRPr sz="1250">
+              <a:latin typeface="Courier New"/>
+              <a:ea typeface="Courier New"/>
+              <a:cs typeface="Courier New"/>
+              <a:sym typeface="Courier New"/>
+            </a:endParaRPr>
+          </a:p>
+          <a:p>
+            <a:pPr indent="0" lvl="0" marL="0" rtl="0" algn="l">
+              <a:spcBef>
+                <a:spcPts val="0"/>
+              </a:spcBef>
+              <a:spcAft>
+                <a:spcPts val="0"/>
+              </a:spcAft>
+              <a:buNone/>
+            </a:pPr>
+            <a:r>
+              <a:rPr lang="el" sz="1250">
+                <a:latin typeface="Courier New"/>
+                <a:ea typeface="Courier New"/>
+                <a:cs typeface="Courier New"/>
+                <a:sym typeface="Courier New"/>
+              </a:rPr>
+              <a:t>      </a:t>
+            </a:r>
+            <a:r>
+              <a:rPr lang="el" sz="1250">
+                <a:solidFill>
+                  <a:srgbClr val="CCCCCC"/>
+                </a:solidFill>
+                <a:latin typeface="Courier New"/>
+                <a:ea typeface="Courier New"/>
+                <a:cs typeface="Courier New"/>
+                <a:sym typeface="Courier New"/>
+              </a:rPr>
+              <a:t>"Microsoft":</a:t>
+            </a:r>
+            <a:r>
+              <a:rPr lang="el" sz="1250">
+                <a:latin typeface="Courier New"/>
+                <a:ea typeface="Courier New"/>
+                <a:cs typeface="Courier New"/>
+                <a:sym typeface="Courier New"/>
+              </a:rPr>
+              <a:t> </a:t>
+            </a:r>
+            <a:r>
+              <a:rPr lang="el" sz="1250">
+                <a:solidFill>
+                  <a:srgbClr val="CD0000"/>
+                </a:solidFill>
+                <a:latin typeface="Courier New"/>
+                <a:ea typeface="Courier New"/>
+                <a:cs typeface="Courier New"/>
+                <a:sym typeface="Courier New"/>
+              </a:rPr>
+              <a:t>"Warning"</a:t>
+            </a:r>
+            <a:r>
+              <a:rPr lang="el" sz="1250">
+                <a:solidFill>
+                  <a:srgbClr val="CCCCCC"/>
+                </a:solidFill>
+                <a:latin typeface="Courier New"/>
+                <a:ea typeface="Courier New"/>
+                <a:cs typeface="Courier New"/>
+                <a:sym typeface="Courier New"/>
+              </a:rPr>
+              <a:t>,</a:t>
+            </a:r>
+            <a:endParaRPr sz="950">
+              <a:latin typeface="Courier New"/>
+              <a:ea typeface="Courier New"/>
+              <a:cs typeface="Courier New"/>
+              <a:sym typeface="Courier New"/>
+            </a:endParaRPr>
+          </a:p>
+          <a:p>
+            <a:pPr indent="0" lvl="0" marL="0" rtl="0" algn="l">
+              <a:spcBef>
+                <a:spcPts val="0"/>
+              </a:spcBef>
+              <a:spcAft>
+                <a:spcPts val="0"/>
+              </a:spcAft>
+              <a:buNone/>
+            </a:pPr>
+            <a:r>
+              <a:rPr lang="el" sz="1250">
+                <a:latin typeface="Courier New"/>
+                <a:ea typeface="Courier New"/>
+                <a:cs typeface="Courier New"/>
+                <a:sym typeface="Courier New"/>
+              </a:rPr>
+              <a:t>      </a:t>
+            </a:r>
+            <a:r>
+              <a:rPr lang="el" sz="1250">
+                <a:solidFill>
+                  <a:srgbClr val="CCCCCC"/>
+                </a:solidFill>
+                <a:latin typeface="Courier New"/>
+                <a:ea typeface="Courier New"/>
+                <a:cs typeface="Courier New"/>
+                <a:sym typeface="Courier New"/>
+              </a:rPr>
+              <a:t>"Microsoft.Hosting.Lifetime":</a:t>
+            </a:r>
+            <a:r>
+              <a:rPr lang="el" sz="1250">
+                <a:latin typeface="Courier New"/>
+                <a:ea typeface="Courier New"/>
+                <a:cs typeface="Courier New"/>
+                <a:sym typeface="Courier New"/>
+              </a:rPr>
+              <a:t> </a:t>
+            </a:r>
+            <a:r>
+              <a:rPr lang="el" sz="1250">
+                <a:solidFill>
+                  <a:srgbClr val="CD0000"/>
+                </a:solidFill>
+                <a:latin typeface="Courier New"/>
+                <a:ea typeface="Courier New"/>
+                <a:cs typeface="Courier New"/>
+                <a:sym typeface="Courier New"/>
+              </a:rPr>
+              <a:t>"Information"</a:t>
+            </a:r>
+            <a:endParaRPr sz="1250">
+              <a:latin typeface="Courier New"/>
+              <a:ea typeface="Courier New"/>
+              <a:cs typeface="Courier New"/>
+              <a:sym typeface="Courier New"/>
+            </a:endParaRPr>
+          </a:p>
+          <a:p>
+            <a:pPr indent="0" lvl="0" marL="0" rtl="0" algn="l">
+              <a:spcBef>
+                <a:spcPts val="0"/>
+              </a:spcBef>
+              <a:spcAft>
+                <a:spcPts val="0"/>
+              </a:spcAft>
+              <a:buNone/>
+            </a:pPr>
+            <a:r>
+              <a:rPr lang="el" sz="1250">
+                <a:latin typeface="Courier New"/>
+                <a:ea typeface="Courier New"/>
+                <a:cs typeface="Courier New"/>
+                <a:sym typeface="Courier New"/>
+              </a:rPr>
+              <a:t>    </a:t>
+            </a:r>
+            <a:r>
+              <a:rPr lang="el" sz="1250">
+                <a:solidFill>
+                  <a:srgbClr val="CCCCCC"/>
+                </a:solidFill>
+                <a:latin typeface="Courier New"/>
+                <a:ea typeface="Courier New"/>
+                <a:cs typeface="Courier New"/>
+                <a:sym typeface="Courier New"/>
+              </a:rPr>
+              <a:t>}</a:t>
+            </a:r>
+            <a:endParaRPr sz="1250">
+              <a:latin typeface="Courier New"/>
+              <a:ea typeface="Courier New"/>
+              <a:cs typeface="Courier New"/>
+              <a:sym typeface="Courier New"/>
+            </a:endParaRPr>
+          </a:p>
+          <a:p>
+            <a:pPr indent="0" lvl="0" marL="0" rtl="0" algn="l">
+              <a:spcBef>
+                <a:spcPts val="0"/>
+              </a:spcBef>
+              <a:spcAft>
+                <a:spcPts val="0"/>
+              </a:spcAft>
+              <a:buNone/>
+            </a:pPr>
+            <a:r>
+              <a:rPr lang="el" sz="1250">
+                <a:latin typeface="Courier New"/>
+                <a:ea typeface="Courier New"/>
+                <a:cs typeface="Courier New"/>
+                <a:sym typeface="Courier New"/>
+              </a:rPr>
+              <a:t>  </a:t>
+            </a:r>
+            <a:r>
+              <a:rPr lang="el" sz="1250">
+                <a:solidFill>
+                  <a:srgbClr val="CCCCCC"/>
+                </a:solidFill>
+                <a:latin typeface="Courier New"/>
+                <a:ea typeface="Courier New"/>
+                <a:cs typeface="Courier New"/>
+                <a:sym typeface="Courier New"/>
+              </a:rPr>
+              <a:t>},</a:t>
+            </a:r>
+            <a:endParaRPr sz="1250">
+              <a:latin typeface="Courier New"/>
+              <a:ea typeface="Courier New"/>
+              <a:cs typeface="Courier New"/>
+              <a:sym typeface="Courier New"/>
+            </a:endParaRPr>
+          </a:p>
+          <a:p>
+            <a:pPr indent="0" lvl="0" marL="0" rtl="0" algn="l">
+              <a:spcBef>
+                <a:spcPts val="0"/>
+              </a:spcBef>
+              <a:spcAft>
+                <a:spcPts val="0"/>
+              </a:spcAft>
+              <a:buNone/>
+            </a:pPr>
+            <a:r>
+              <a:rPr lang="el" sz="1250">
+                <a:latin typeface="Courier New"/>
+                <a:ea typeface="Courier New"/>
+                <a:cs typeface="Courier New"/>
+                <a:sym typeface="Courier New"/>
+              </a:rPr>
+              <a:t>  </a:t>
+            </a:r>
+            <a:r>
+              <a:rPr lang="el" sz="1250">
+                <a:solidFill>
+                  <a:srgbClr val="CCCCCC"/>
+                </a:solidFill>
+                <a:latin typeface="Courier New"/>
+                <a:ea typeface="Courier New"/>
+                <a:cs typeface="Courier New"/>
+                <a:sym typeface="Courier New"/>
+              </a:rPr>
+              <a:t>"AllowedHosts":</a:t>
+            </a:r>
+            <a:r>
+              <a:rPr lang="el" sz="1250">
+                <a:latin typeface="Courier New"/>
+                <a:ea typeface="Courier New"/>
+                <a:cs typeface="Courier New"/>
+                <a:sym typeface="Courier New"/>
+              </a:rPr>
+              <a:t> </a:t>
+            </a:r>
+            <a:r>
+              <a:rPr lang="el" sz="1250">
+                <a:solidFill>
+                  <a:srgbClr val="CD0000"/>
+                </a:solidFill>
+                <a:latin typeface="Courier New"/>
+                <a:ea typeface="Courier New"/>
+                <a:cs typeface="Courier New"/>
+                <a:sym typeface="Courier New"/>
+              </a:rPr>
+              <a:t>"*"</a:t>
+            </a:r>
+            <a:r>
+              <a:rPr lang="el" sz="1250">
+                <a:solidFill>
+                  <a:srgbClr val="CCCCCC"/>
+                </a:solidFill>
+                <a:latin typeface="Courier New"/>
+                <a:ea typeface="Courier New"/>
+                <a:cs typeface="Courier New"/>
+                <a:sym typeface="Courier New"/>
+              </a:rPr>
+              <a:t>,</a:t>
+            </a:r>
+            <a:endParaRPr sz="1250">
+              <a:latin typeface="Courier New"/>
+              <a:ea typeface="Courier New"/>
+              <a:cs typeface="Courier New"/>
+              <a:sym typeface="Courier New"/>
+            </a:endParaRPr>
+          </a:p>
+          <a:p>
+            <a:pPr indent="0" lvl="0" marL="0" rtl="0" algn="l">
+              <a:spcBef>
+                <a:spcPts val="0"/>
+              </a:spcBef>
+              <a:spcAft>
+                <a:spcPts val="0"/>
+              </a:spcAft>
+              <a:buNone/>
+            </a:pPr>
+            <a:r>
+              <a:rPr lang="el" sz="1250">
+                <a:latin typeface="Courier New"/>
+                <a:ea typeface="Courier New"/>
+                <a:cs typeface="Courier New"/>
+                <a:sym typeface="Courier New"/>
+              </a:rPr>
+              <a:t>  </a:t>
+            </a:r>
+            <a:r>
+              <a:rPr lang="el" sz="1250">
+                <a:solidFill>
+                  <a:srgbClr val="CCCCCC"/>
+                </a:solidFill>
+                <a:latin typeface="Courier New"/>
+                <a:ea typeface="Courier New"/>
+                <a:cs typeface="Courier New"/>
+                <a:sym typeface="Courier New"/>
+              </a:rPr>
+              <a:t>"MongoDbSettings":</a:t>
+            </a:r>
+            <a:r>
+              <a:rPr lang="el" sz="1250">
+                <a:latin typeface="Courier New"/>
+                <a:ea typeface="Courier New"/>
+                <a:cs typeface="Courier New"/>
+                <a:sym typeface="Courier New"/>
+              </a:rPr>
+              <a:t> </a:t>
+            </a:r>
+            <a:r>
+              <a:rPr lang="el" sz="1250">
+                <a:solidFill>
+                  <a:srgbClr val="CCCCCC"/>
+                </a:solidFill>
+                <a:latin typeface="Courier New"/>
+                <a:ea typeface="Courier New"/>
+                <a:cs typeface="Courier New"/>
+                <a:sym typeface="Courier New"/>
+              </a:rPr>
+              <a:t>{</a:t>
+            </a:r>
+            <a:endParaRPr sz="1250">
+              <a:latin typeface="Courier New"/>
+              <a:ea typeface="Courier New"/>
+              <a:cs typeface="Courier New"/>
+              <a:sym typeface="Courier New"/>
+            </a:endParaRPr>
+          </a:p>
+          <a:p>
+            <a:pPr indent="0" lvl="0" marL="0" rtl="0" algn="l">
+              <a:spcBef>
+                <a:spcPts val="0"/>
+              </a:spcBef>
+              <a:spcAft>
+                <a:spcPts val="0"/>
+              </a:spcAft>
+              <a:buNone/>
+            </a:pPr>
+            <a:r>
+              <a:rPr lang="el" sz="1250">
+                <a:latin typeface="Courier New"/>
+                <a:ea typeface="Courier New"/>
+                <a:cs typeface="Courier New"/>
+                <a:sym typeface="Courier New"/>
+              </a:rPr>
+              <a:t>    </a:t>
+            </a:r>
+            <a:r>
+              <a:rPr lang="el" sz="1250">
+                <a:solidFill>
+                  <a:srgbClr val="CCCCCC"/>
+                </a:solidFill>
+                <a:latin typeface="Courier New"/>
+                <a:ea typeface="Courier New"/>
+                <a:cs typeface="Courier New"/>
+                <a:sym typeface="Courier New"/>
+              </a:rPr>
+              <a:t>"Host":</a:t>
+            </a:r>
+            <a:r>
+              <a:rPr lang="el" sz="1250">
+                <a:latin typeface="Courier New"/>
+                <a:ea typeface="Courier New"/>
+                <a:cs typeface="Courier New"/>
+                <a:sym typeface="Courier New"/>
+              </a:rPr>
+              <a:t> </a:t>
+            </a:r>
+            <a:r>
+              <a:rPr lang="el" sz="1250">
+                <a:solidFill>
+                  <a:srgbClr val="CD0000"/>
+                </a:solidFill>
+                <a:latin typeface="Courier New"/>
+                <a:ea typeface="Courier New"/>
+                <a:cs typeface="Courier New"/>
+                <a:sym typeface="Courier New"/>
+              </a:rPr>
+              <a:t>"localhost"</a:t>
+            </a:r>
+            <a:r>
+              <a:rPr lang="el" sz="1250">
+                <a:solidFill>
+                  <a:srgbClr val="CCCCCC"/>
+                </a:solidFill>
+                <a:latin typeface="Courier New"/>
+                <a:ea typeface="Courier New"/>
+                <a:cs typeface="Courier New"/>
+                <a:sym typeface="Courier New"/>
+              </a:rPr>
+              <a:t>,</a:t>
+            </a:r>
+            <a:endParaRPr sz="1250">
+              <a:latin typeface="Courier New"/>
+              <a:ea typeface="Courier New"/>
+              <a:cs typeface="Courier New"/>
+              <a:sym typeface="Courier New"/>
+            </a:endParaRPr>
+          </a:p>
+          <a:p>
+            <a:pPr indent="0" lvl="0" marL="0" rtl="0" algn="l">
+              <a:spcBef>
+                <a:spcPts val="0"/>
+              </a:spcBef>
+              <a:spcAft>
+                <a:spcPts val="0"/>
+              </a:spcAft>
+              <a:buNone/>
+            </a:pPr>
+            <a:r>
+              <a:rPr lang="el" sz="1250">
+                <a:latin typeface="Courier New"/>
+                <a:ea typeface="Courier New"/>
+                <a:cs typeface="Courier New"/>
+                <a:sym typeface="Courier New"/>
+              </a:rPr>
+              <a:t>    </a:t>
+            </a:r>
+            <a:r>
+              <a:rPr lang="el" sz="1250">
+                <a:solidFill>
+                  <a:srgbClr val="CCCCCC"/>
+                </a:solidFill>
+                <a:latin typeface="Courier New"/>
+                <a:ea typeface="Courier New"/>
+                <a:cs typeface="Courier New"/>
+                <a:sym typeface="Courier New"/>
+              </a:rPr>
+              <a:t>"Port":</a:t>
+            </a:r>
+            <a:r>
+              <a:rPr lang="el" sz="1250">
+                <a:latin typeface="Courier New"/>
+                <a:ea typeface="Courier New"/>
+                <a:cs typeface="Courier New"/>
+                <a:sym typeface="Courier New"/>
+              </a:rPr>
+              <a:t> </a:t>
+            </a:r>
+            <a:r>
+              <a:rPr lang="el" sz="1250">
+                <a:solidFill>
+                  <a:srgbClr val="CD0000"/>
+                </a:solidFill>
+                <a:latin typeface="Courier New"/>
+                <a:ea typeface="Courier New"/>
+                <a:cs typeface="Courier New"/>
+                <a:sym typeface="Courier New"/>
+              </a:rPr>
+              <a:t>"27017"</a:t>
+            </a:r>
+            <a:endParaRPr sz="1250">
+              <a:latin typeface="Courier New"/>
+              <a:ea typeface="Courier New"/>
+              <a:cs typeface="Courier New"/>
+              <a:sym typeface="Courier New"/>
+            </a:endParaRPr>
+          </a:p>
+          <a:p>
+            <a:pPr indent="0" lvl="0" marL="0" rtl="0" algn="l">
+              <a:spcBef>
+                <a:spcPts val="0"/>
+              </a:spcBef>
+              <a:spcAft>
+                <a:spcPts val="0"/>
+              </a:spcAft>
+              <a:buNone/>
+            </a:pPr>
+            <a:r>
+              <a:rPr lang="el" sz="1250">
+                <a:latin typeface="Courier New"/>
+                <a:ea typeface="Courier New"/>
+                <a:cs typeface="Courier New"/>
+                <a:sym typeface="Courier New"/>
+              </a:rPr>
+              <a:t>  </a:t>
+            </a:r>
+            <a:r>
+              <a:rPr lang="el" sz="1250">
+                <a:solidFill>
+                  <a:srgbClr val="CCCCCC"/>
+                </a:solidFill>
+                <a:latin typeface="Courier New"/>
+                <a:ea typeface="Courier New"/>
+                <a:cs typeface="Courier New"/>
+                <a:sym typeface="Courier New"/>
+              </a:rPr>
+              <a:t>}</a:t>
+            </a:r>
+            <a:endParaRPr sz="1250">
+              <a:latin typeface="Courier New"/>
+              <a:ea typeface="Courier New"/>
+              <a:cs typeface="Courier New"/>
+              <a:sym typeface="Courier New"/>
+            </a:endParaRPr>
+          </a:p>
+          <a:p>
+            <a:pPr indent="0" lvl="0" marL="0" rtl="0" algn="just">
+              <a:lnSpc>
+                <a:spcPct val="125000"/>
+              </a:lnSpc>
+              <a:spcBef>
+                <a:spcPts val="0"/>
+              </a:spcBef>
+              <a:spcAft>
+                <a:spcPts val="0"/>
+              </a:spcAft>
+              <a:buNone/>
+            </a:pPr>
+            <a:r>
+              <a:rPr lang="el" sz="1250">
+                <a:solidFill>
+                  <a:srgbClr val="CCCCCC"/>
+                </a:solidFill>
+                <a:latin typeface="Courier New"/>
+                <a:ea typeface="Courier New"/>
+                <a:cs typeface="Courier New"/>
+                <a:sym typeface="Courier New"/>
+              </a:rPr>
+              <a:t>}</a:t>
+            </a:r>
+            <a:endParaRPr sz="1250">
+              <a:solidFill>
+                <a:srgbClr val="CCCCCC"/>
+              </a:solidFill>
+              <a:latin typeface="Courier New"/>
+              <a:ea typeface="Courier New"/>
+              <a:cs typeface="Courier New"/>
+              <a:sym typeface="Courier New"/>
+            </a:endParaRPr>
+          </a:p>
+        </p:txBody>
+      </p:sp>
+    </p:spTree>
+  </p:cSld>
+  <p:clrMapOvr>
+    <a:masterClrMapping/>
+  </p:clrMapOvr>
+</p:sld>
+</file>
+
 <file path=ppt/slides/slide3.xml><?xml version="1.0" encoding="utf-8"?>
 <p:sld xmlns:a="http://schemas.openxmlformats.org/drawingml/2006/main" xmlns:r="http://schemas.openxmlformats.org/officeDocument/2006/relationships" xmlns:mc="http://schemas.openxmlformats.org/markup-compatibility/2006" xmlns:mv="urn:schemas-microsoft-com:mac:vml" xmlns:p="http://schemas.openxmlformats.org/presentationml/2006/main" xmlns:c="http://schemas.openxmlformats.org/drawingml/2006/chart" xmlns:dgm="http://schemas.openxmlformats.org/drawingml/2006/diagram" xmlns:o="urn:schemas-microsoft-com:office:office" xmlns:v="urn:schemas-microsoft-com:vml" xmlns:pvml="urn:schemas-microsoft-com:office:powerpoint" xmlns:com="http://schemas.openxmlformats.org/drawingml/2006/compatibility" xmlns:p14="http://schemas.microsoft.com/office/powerpoint/2010/main" xmlns:p15="http://schemas.microsoft.com/office/powerpoint/2012/main" xmlns:ahyp="http://schemas.microsoft.com/office/drawing/2018/hyperlinkcolor">
   <p:cSld>
@@ -28714,6 +34600,2751 @@
               <a:t>).</a:t>
             </a:r>
             <a:endParaRPr/>
+          </a:p>
+        </p:txBody>
+      </p:sp>
+    </p:spTree>
+  </p:cSld>
+  <p:clrMapOvr>
+    <a:masterClrMapping/>
+  </p:clrMapOvr>
+</p:sld>
+</file>
+
+<file path=ppt/slides/slide30.xml><?xml version="1.0" encoding="utf-8"?>
+<p:sld xmlns:a="http://schemas.openxmlformats.org/drawingml/2006/main" xmlns:r="http://schemas.openxmlformats.org/officeDocument/2006/relationships" xmlns:mc="http://schemas.openxmlformats.org/markup-compatibility/2006" xmlns:mv="urn:schemas-microsoft-com:mac:vml" xmlns:p="http://schemas.openxmlformats.org/presentationml/2006/main" xmlns:c="http://schemas.openxmlformats.org/drawingml/2006/chart" xmlns:dgm="http://schemas.openxmlformats.org/drawingml/2006/diagram" xmlns:o="urn:schemas-microsoft-com:office:office" xmlns:v="urn:schemas-microsoft-com:vml" xmlns:pvml="urn:schemas-microsoft-com:office:powerpoint" xmlns:com="http://schemas.openxmlformats.org/drawingml/2006/compatibility" xmlns:p14="http://schemas.microsoft.com/office/powerpoint/2010/main" xmlns:p15="http://schemas.microsoft.com/office/powerpoint/2012/main" xmlns:ahyp="http://schemas.microsoft.com/office/drawing/2018/hyperlinkcolor">
+  <p:cSld>
+    <p:spTree>
+      <p:nvGrpSpPr>
+        <p:cNvPr id="340" name="Shape 340"/>
+        <p:cNvGrpSpPr/>
+        <p:nvPr/>
+      </p:nvGrpSpPr>
+      <p:grpSpPr>
+        <a:xfrm>
+          <a:off x="0" y="0"/>
+          <a:ext cx="0" cy="0"/>
+          <a:chOff x="0" y="0"/>
+          <a:chExt cx="0" cy="0"/>
+        </a:xfrm>
+      </p:grpSpPr>
+      <p:sp>
+        <p:nvSpPr>
+          <p:cNvPr id="341" name="Google Shape;341;p42"/>
+          <p:cNvSpPr txBox="1"/>
+          <p:nvPr>
+            <p:ph type="title"/>
+          </p:nvPr>
+        </p:nvSpPr>
+        <p:spPr>
+          <a:xfrm>
+            <a:off x="1297500" y="393750"/>
+            <a:ext cx="7038900" cy="914100"/>
+          </a:xfrm>
+          <a:prstGeom prst="rect">
+            <a:avLst/>
+          </a:prstGeom>
+        </p:spPr>
+        <p:txBody>
+          <a:bodyPr anchorCtr="0" anchor="t" bIns="91425" lIns="91425" spcFirstLastPara="1" rIns="91425" wrap="square" tIns="91425">
+            <a:normAutofit/>
+          </a:bodyPr>
+          <a:lstStyle/>
+          <a:p>
+            <a:pPr indent="0" lvl="0" marL="0" rtl="0" algn="l">
+              <a:spcBef>
+                <a:spcPts val="0"/>
+              </a:spcBef>
+              <a:spcAft>
+                <a:spcPts val="0"/>
+              </a:spcAft>
+              <a:buNone/>
+            </a:pPr>
+            <a:r>
+              <a:rPr lang="el"/>
+              <a:t>Creating /Settings/ directory</a:t>
+            </a:r>
+            <a:endParaRPr/>
+          </a:p>
+        </p:txBody>
+      </p:sp>
+      <p:sp>
+        <p:nvSpPr>
+          <p:cNvPr id="342" name="Google Shape;342;p42"/>
+          <p:cNvSpPr txBox="1"/>
+          <p:nvPr>
+            <p:ph idx="1" type="body"/>
+          </p:nvPr>
+        </p:nvSpPr>
+        <p:spPr>
+          <a:xfrm>
+            <a:off x="1297500" y="1567550"/>
+            <a:ext cx="7038900" cy="424800"/>
+          </a:xfrm>
+          <a:prstGeom prst="rect">
+            <a:avLst/>
+          </a:prstGeom>
+        </p:spPr>
+        <p:txBody>
+          <a:bodyPr anchorCtr="0" anchor="t" bIns="91425" lIns="91425" spcFirstLastPara="1" rIns="91425" wrap="square" tIns="91425">
+            <a:normAutofit/>
+          </a:bodyPr>
+          <a:lstStyle/>
+          <a:p>
+            <a:pPr indent="0" lvl="0" marL="0" rtl="0" algn="l">
+              <a:spcBef>
+                <a:spcPts val="0"/>
+              </a:spcBef>
+              <a:spcAft>
+                <a:spcPts val="1200"/>
+              </a:spcAft>
+              <a:buNone/>
+            </a:pPr>
+            <a:r>
+              <a:rPr lang="el"/>
+              <a:t>Create a folder called /settings/ and inside we will create the file </a:t>
+            </a:r>
+            <a:r>
+              <a:rPr lang="el">
+                <a:solidFill>
+                  <a:schemeClr val="accent2"/>
+                </a:solidFill>
+              </a:rPr>
+              <a:t>MongoDbSettings.cs</a:t>
+            </a:r>
+            <a:endParaRPr>
+              <a:solidFill>
+                <a:schemeClr val="accent2"/>
+              </a:solidFill>
+            </a:endParaRPr>
+          </a:p>
+        </p:txBody>
+      </p:sp>
+      <p:sp>
+        <p:nvSpPr>
+          <p:cNvPr id="343" name="Google Shape;343;p42"/>
+          <p:cNvSpPr txBox="1"/>
+          <p:nvPr/>
+        </p:nvSpPr>
+        <p:spPr>
+          <a:xfrm>
+            <a:off x="686300" y="2154825"/>
+            <a:ext cx="7578600" cy="2770500"/>
+          </a:xfrm>
+          <a:prstGeom prst="rect">
+            <a:avLst/>
+          </a:prstGeom>
+          <a:noFill/>
+          <a:ln>
+            <a:noFill/>
+          </a:ln>
+        </p:spPr>
+        <p:txBody>
+          <a:bodyPr anchorCtr="0" anchor="t" bIns="91425" lIns="91425" spcFirstLastPara="1" rIns="91425" wrap="square" tIns="91425">
+            <a:spAutoFit/>
+          </a:bodyPr>
+          <a:lstStyle/>
+          <a:p>
+            <a:pPr indent="0" lvl="0" marL="0" rtl="0" algn="l">
+              <a:spcBef>
+                <a:spcPts val="0"/>
+              </a:spcBef>
+              <a:spcAft>
+                <a:spcPts val="0"/>
+              </a:spcAft>
+              <a:buNone/>
+            </a:pPr>
+            <a:r>
+              <a:rPr lang="el" sz="1050">
+                <a:solidFill>
+                  <a:srgbClr val="CDCD00"/>
+                </a:solidFill>
+                <a:latin typeface="Courier New"/>
+                <a:ea typeface="Courier New"/>
+                <a:cs typeface="Courier New"/>
+                <a:sym typeface="Courier New"/>
+              </a:rPr>
+              <a:t>namespace</a:t>
+            </a:r>
+            <a:r>
+              <a:rPr lang="el" sz="1050">
+                <a:latin typeface="Courier New"/>
+                <a:ea typeface="Courier New"/>
+                <a:cs typeface="Courier New"/>
+                <a:sym typeface="Courier New"/>
+              </a:rPr>
+              <a:t> </a:t>
+            </a:r>
+            <a:r>
+              <a:rPr lang="el" sz="1050">
+                <a:solidFill>
+                  <a:srgbClr val="CCCCCC"/>
+                </a:solidFill>
+                <a:latin typeface="Courier New"/>
+                <a:ea typeface="Courier New"/>
+                <a:cs typeface="Courier New"/>
+                <a:sym typeface="Courier New"/>
+              </a:rPr>
+              <a:t>Catalog.Settings</a:t>
+            </a:r>
+            <a:endParaRPr sz="1050">
+              <a:latin typeface="Courier New"/>
+              <a:ea typeface="Courier New"/>
+              <a:cs typeface="Courier New"/>
+              <a:sym typeface="Courier New"/>
+            </a:endParaRPr>
+          </a:p>
+          <a:p>
+            <a:pPr indent="0" lvl="0" marL="0" rtl="0" algn="l">
+              <a:spcBef>
+                <a:spcPts val="0"/>
+              </a:spcBef>
+              <a:spcAft>
+                <a:spcPts val="0"/>
+              </a:spcAft>
+              <a:buNone/>
+            </a:pPr>
+            <a:r>
+              <a:rPr lang="el" sz="1050">
+                <a:solidFill>
+                  <a:srgbClr val="CCCCCC"/>
+                </a:solidFill>
+                <a:latin typeface="Courier New"/>
+                <a:ea typeface="Courier New"/>
+                <a:cs typeface="Courier New"/>
+                <a:sym typeface="Courier New"/>
+              </a:rPr>
+              <a:t>{</a:t>
+            </a:r>
+            <a:endParaRPr sz="1050">
+              <a:latin typeface="Courier New"/>
+              <a:ea typeface="Courier New"/>
+              <a:cs typeface="Courier New"/>
+              <a:sym typeface="Courier New"/>
+            </a:endParaRPr>
+          </a:p>
+          <a:p>
+            <a:pPr indent="0" lvl="0" marL="0" rtl="0" algn="l">
+              <a:spcBef>
+                <a:spcPts val="0"/>
+              </a:spcBef>
+              <a:spcAft>
+                <a:spcPts val="0"/>
+              </a:spcAft>
+              <a:buNone/>
+            </a:pPr>
+            <a:r>
+              <a:rPr lang="el" sz="1050">
+                <a:latin typeface="Courier New"/>
+                <a:ea typeface="Courier New"/>
+                <a:cs typeface="Courier New"/>
+                <a:sym typeface="Courier New"/>
+              </a:rPr>
+              <a:t>    </a:t>
+            </a:r>
+            <a:r>
+              <a:rPr lang="el" sz="1050">
+                <a:solidFill>
+                  <a:srgbClr val="CDCD00"/>
+                </a:solidFill>
+                <a:latin typeface="Courier New"/>
+                <a:ea typeface="Courier New"/>
+                <a:cs typeface="Courier New"/>
+                <a:sym typeface="Courier New"/>
+              </a:rPr>
+              <a:t>public</a:t>
+            </a:r>
+            <a:r>
+              <a:rPr lang="el" sz="1050">
+                <a:latin typeface="Courier New"/>
+                <a:ea typeface="Courier New"/>
+                <a:cs typeface="Courier New"/>
+                <a:sym typeface="Courier New"/>
+              </a:rPr>
+              <a:t> </a:t>
+            </a:r>
+            <a:r>
+              <a:rPr lang="el" sz="1050">
+                <a:solidFill>
+                  <a:srgbClr val="CDCD00"/>
+                </a:solidFill>
+                <a:latin typeface="Courier New"/>
+                <a:ea typeface="Courier New"/>
+                <a:cs typeface="Courier New"/>
+                <a:sym typeface="Courier New"/>
+              </a:rPr>
+              <a:t>class</a:t>
+            </a:r>
+            <a:r>
+              <a:rPr lang="el" sz="1050">
+                <a:latin typeface="Courier New"/>
+                <a:ea typeface="Courier New"/>
+                <a:cs typeface="Courier New"/>
+                <a:sym typeface="Courier New"/>
+              </a:rPr>
+              <a:t> </a:t>
+            </a:r>
+            <a:r>
+              <a:rPr lang="el" sz="1050">
+                <a:solidFill>
+                  <a:srgbClr val="00CDCD"/>
+                </a:solidFill>
+                <a:latin typeface="Courier New"/>
+                <a:ea typeface="Courier New"/>
+                <a:cs typeface="Courier New"/>
+                <a:sym typeface="Courier New"/>
+              </a:rPr>
+              <a:t>MongoDbSettings</a:t>
+            </a:r>
+            <a:endParaRPr sz="1050">
+              <a:latin typeface="Courier New"/>
+              <a:ea typeface="Courier New"/>
+              <a:cs typeface="Courier New"/>
+              <a:sym typeface="Courier New"/>
+            </a:endParaRPr>
+          </a:p>
+          <a:p>
+            <a:pPr indent="0" lvl="0" marL="0" rtl="0" algn="l">
+              <a:spcBef>
+                <a:spcPts val="0"/>
+              </a:spcBef>
+              <a:spcAft>
+                <a:spcPts val="0"/>
+              </a:spcAft>
+              <a:buNone/>
+            </a:pPr>
+            <a:r>
+              <a:rPr lang="el" sz="1050">
+                <a:latin typeface="Courier New"/>
+                <a:ea typeface="Courier New"/>
+                <a:cs typeface="Courier New"/>
+                <a:sym typeface="Courier New"/>
+              </a:rPr>
+              <a:t>    </a:t>
+            </a:r>
+            <a:r>
+              <a:rPr lang="el" sz="1050">
+                <a:solidFill>
+                  <a:srgbClr val="CCCCCC"/>
+                </a:solidFill>
+                <a:latin typeface="Courier New"/>
+                <a:ea typeface="Courier New"/>
+                <a:cs typeface="Courier New"/>
+                <a:sym typeface="Courier New"/>
+              </a:rPr>
+              <a:t>{</a:t>
+            </a:r>
+            <a:endParaRPr sz="1050">
+              <a:latin typeface="Courier New"/>
+              <a:ea typeface="Courier New"/>
+              <a:cs typeface="Courier New"/>
+              <a:sym typeface="Courier New"/>
+            </a:endParaRPr>
+          </a:p>
+          <a:p>
+            <a:pPr indent="0" lvl="0" marL="0" rtl="0" algn="l">
+              <a:spcBef>
+                <a:spcPts val="0"/>
+              </a:spcBef>
+              <a:spcAft>
+                <a:spcPts val="0"/>
+              </a:spcAft>
+              <a:buNone/>
+            </a:pPr>
+            <a:r>
+              <a:rPr lang="el" sz="1050">
+                <a:latin typeface="Courier New"/>
+                <a:ea typeface="Courier New"/>
+                <a:cs typeface="Courier New"/>
+                <a:sym typeface="Courier New"/>
+              </a:rPr>
+              <a:t>        </a:t>
+            </a:r>
+            <a:r>
+              <a:rPr lang="el" sz="1050">
+                <a:solidFill>
+                  <a:srgbClr val="CDCD00"/>
+                </a:solidFill>
+                <a:latin typeface="Courier New"/>
+                <a:ea typeface="Courier New"/>
+                <a:cs typeface="Courier New"/>
+                <a:sym typeface="Courier New"/>
+              </a:rPr>
+              <a:t>public</a:t>
+            </a:r>
+            <a:r>
+              <a:rPr lang="el" sz="1050">
+                <a:latin typeface="Courier New"/>
+                <a:ea typeface="Courier New"/>
+                <a:cs typeface="Courier New"/>
+                <a:sym typeface="Courier New"/>
+              </a:rPr>
+              <a:t> </a:t>
+            </a:r>
+            <a:r>
+              <a:rPr lang="el" sz="1050">
+                <a:solidFill>
+                  <a:srgbClr val="00CD00"/>
+                </a:solidFill>
+                <a:latin typeface="Courier New"/>
+                <a:ea typeface="Courier New"/>
+                <a:cs typeface="Courier New"/>
+                <a:sym typeface="Courier New"/>
+              </a:rPr>
+              <a:t>string</a:t>
+            </a:r>
+            <a:r>
+              <a:rPr lang="el" sz="1050">
+                <a:latin typeface="Courier New"/>
+                <a:ea typeface="Courier New"/>
+                <a:cs typeface="Courier New"/>
+                <a:sym typeface="Courier New"/>
+              </a:rPr>
+              <a:t> </a:t>
+            </a:r>
+            <a:r>
+              <a:rPr lang="el" sz="1050">
+                <a:solidFill>
+                  <a:srgbClr val="CCCCCC"/>
+                </a:solidFill>
+                <a:latin typeface="Courier New"/>
+                <a:ea typeface="Courier New"/>
+                <a:cs typeface="Courier New"/>
+                <a:sym typeface="Courier New"/>
+              </a:rPr>
+              <a:t>Host</a:t>
+            </a:r>
+            <a:r>
+              <a:rPr lang="el" sz="1050">
+                <a:latin typeface="Courier New"/>
+                <a:ea typeface="Courier New"/>
+                <a:cs typeface="Courier New"/>
+                <a:sym typeface="Courier New"/>
+              </a:rPr>
+              <a:t> </a:t>
+            </a:r>
+            <a:r>
+              <a:rPr lang="el" sz="1050">
+                <a:solidFill>
+                  <a:srgbClr val="CCCCCC"/>
+                </a:solidFill>
+                <a:latin typeface="Courier New"/>
+                <a:ea typeface="Courier New"/>
+                <a:cs typeface="Courier New"/>
+                <a:sym typeface="Courier New"/>
+              </a:rPr>
+              <a:t>{</a:t>
+            </a:r>
+            <a:r>
+              <a:rPr lang="el" sz="1050">
+                <a:latin typeface="Courier New"/>
+                <a:ea typeface="Courier New"/>
+                <a:cs typeface="Courier New"/>
+                <a:sym typeface="Courier New"/>
+              </a:rPr>
+              <a:t> </a:t>
+            </a:r>
+            <a:r>
+              <a:rPr lang="el" sz="1050">
+                <a:solidFill>
+                  <a:srgbClr val="CDCD00"/>
+                </a:solidFill>
+                <a:latin typeface="Courier New"/>
+                <a:ea typeface="Courier New"/>
+                <a:cs typeface="Courier New"/>
+                <a:sym typeface="Courier New"/>
+              </a:rPr>
+              <a:t>get</a:t>
+            </a:r>
+            <a:r>
+              <a:rPr lang="el" sz="1050">
+                <a:solidFill>
+                  <a:srgbClr val="CCCCCC"/>
+                </a:solidFill>
+                <a:latin typeface="Courier New"/>
+                <a:ea typeface="Courier New"/>
+                <a:cs typeface="Courier New"/>
+                <a:sym typeface="Courier New"/>
+              </a:rPr>
+              <a:t>;</a:t>
+            </a:r>
+            <a:r>
+              <a:rPr lang="el" sz="1050">
+                <a:latin typeface="Courier New"/>
+                <a:ea typeface="Courier New"/>
+                <a:cs typeface="Courier New"/>
+                <a:sym typeface="Courier New"/>
+              </a:rPr>
+              <a:t> </a:t>
+            </a:r>
+            <a:r>
+              <a:rPr lang="el" sz="1050">
+                <a:solidFill>
+                  <a:srgbClr val="CDCD00"/>
+                </a:solidFill>
+                <a:latin typeface="Courier New"/>
+                <a:ea typeface="Courier New"/>
+                <a:cs typeface="Courier New"/>
+                <a:sym typeface="Courier New"/>
+              </a:rPr>
+              <a:t>set</a:t>
+            </a:r>
+            <a:r>
+              <a:rPr lang="el" sz="1050">
+                <a:solidFill>
+                  <a:srgbClr val="CCCCCC"/>
+                </a:solidFill>
+                <a:latin typeface="Courier New"/>
+                <a:ea typeface="Courier New"/>
+                <a:cs typeface="Courier New"/>
+                <a:sym typeface="Courier New"/>
+              </a:rPr>
+              <a:t>;</a:t>
+            </a:r>
+            <a:r>
+              <a:rPr lang="el" sz="1050">
+                <a:latin typeface="Courier New"/>
+                <a:ea typeface="Courier New"/>
+                <a:cs typeface="Courier New"/>
+                <a:sym typeface="Courier New"/>
+              </a:rPr>
+              <a:t> </a:t>
+            </a:r>
+            <a:r>
+              <a:rPr lang="el" sz="1050">
+                <a:solidFill>
+                  <a:srgbClr val="CCCCCC"/>
+                </a:solidFill>
+                <a:latin typeface="Courier New"/>
+                <a:ea typeface="Courier New"/>
+                <a:cs typeface="Courier New"/>
+                <a:sym typeface="Courier New"/>
+              </a:rPr>
+              <a:t>}</a:t>
+            </a:r>
+            <a:endParaRPr sz="1050">
+              <a:latin typeface="Courier New"/>
+              <a:ea typeface="Courier New"/>
+              <a:cs typeface="Courier New"/>
+              <a:sym typeface="Courier New"/>
+            </a:endParaRPr>
+          </a:p>
+          <a:p>
+            <a:pPr indent="0" lvl="0" marL="0" rtl="0" algn="l">
+              <a:spcBef>
+                <a:spcPts val="0"/>
+              </a:spcBef>
+              <a:spcAft>
+                <a:spcPts val="0"/>
+              </a:spcAft>
+              <a:buNone/>
+            </a:pPr>
+            <a:r>
+              <a:rPr lang="el" sz="1050">
+                <a:latin typeface="Courier New"/>
+                <a:ea typeface="Courier New"/>
+                <a:cs typeface="Courier New"/>
+                <a:sym typeface="Courier New"/>
+              </a:rPr>
+              <a:t>        </a:t>
+            </a:r>
+            <a:r>
+              <a:rPr lang="el" sz="1050">
+                <a:solidFill>
+                  <a:srgbClr val="CDCD00"/>
+                </a:solidFill>
+                <a:latin typeface="Courier New"/>
+                <a:ea typeface="Courier New"/>
+                <a:cs typeface="Courier New"/>
+                <a:sym typeface="Courier New"/>
+              </a:rPr>
+              <a:t>public</a:t>
+            </a:r>
+            <a:r>
+              <a:rPr lang="el" sz="1050">
+                <a:latin typeface="Courier New"/>
+                <a:ea typeface="Courier New"/>
+                <a:cs typeface="Courier New"/>
+                <a:sym typeface="Courier New"/>
+              </a:rPr>
+              <a:t> </a:t>
+            </a:r>
+            <a:r>
+              <a:rPr lang="el" sz="1050">
+                <a:solidFill>
+                  <a:srgbClr val="00CD00"/>
+                </a:solidFill>
+                <a:latin typeface="Courier New"/>
+                <a:ea typeface="Courier New"/>
+                <a:cs typeface="Courier New"/>
+                <a:sym typeface="Courier New"/>
+              </a:rPr>
+              <a:t>int</a:t>
+            </a:r>
+            <a:r>
+              <a:rPr lang="el" sz="1050">
+                <a:latin typeface="Courier New"/>
+                <a:ea typeface="Courier New"/>
+                <a:cs typeface="Courier New"/>
+                <a:sym typeface="Courier New"/>
+              </a:rPr>
+              <a:t> </a:t>
+            </a:r>
+            <a:r>
+              <a:rPr lang="el" sz="1050">
+                <a:solidFill>
+                  <a:srgbClr val="CCCCCC"/>
+                </a:solidFill>
+                <a:latin typeface="Courier New"/>
+                <a:ea typeface="Courier New"/>
+                <a:cs typeface="Courier New"/>
+                <a:sym typeface="Courier New"/>
+              </a:rPr>
+              <a:t>Port</a:t>
+            </a:r>
+            <a:r>
+              <a:rPr lang="el" sz="1050">
+                <a:latin typeface="Courier New"/>
+                <a:ea typeface="Courier New"/>
+                <a:cs typeface="Courier New"/>
+                <a:sym typeface="Courier New"/>
+              </a:rPr>
+              <a:t> </a:t>
+            </a:r>
+            <a:r>
+              <a:rPr lang="el" sz="1050">
+                <a:solidFill>
+                  <a:srgbClr val="CCCCCC"/>
+                </a:solidFill>
+                <a:latin typeface="Courier New"/>
+                <a:ea typeface="Courier New"/>
+                <a:cs typeface="Courier New"/>
+                <a:sym typeface="Courier New"/>
+              </a:rPr>
+              <a:t>{</a:t>
+            </a:r>
+            <a:r>
+              <a:rPr lang="el" sz="1050">
+                <a:latin typeface="Courier New"/>
+                <a:ea typeface="Courier New"/>
+                <a:cs typeface="Courier New"/>
+                <a:sym typeface="Courier New"/>
+              </a:rPr>
+              <a:t> </a:t>
+            </a:r>
+            <a:r>
+              <a:rPr lang="el" sz="1050">
+                <a:solidFill>
+                  <a:srgbClr val="CDCD00"/>
+                </a:solidFill>
+                <a:latin typeface="Courier New"/>
+                <a:ea typeface="Courier New"/>
+                <a:cs typeface="Courier New"/>
+                <a:sym typeface="Courier New"/>
+              </a:rPr>
+              <a:t>get</a:t>
+            </a:r>
+            <a:r>
+              <a:rPr lang="el" sz="1050">
+                <a:solidFill>
+                  <a:srgbClr val="CCCCCC"/>
+                </a:solidFill>
+                <a:latin typeface="Courier New"/>
+                <a:ea typeface="Courier New"/>
+                <a:cs typeface="Courier New"/>
+                <a:sym typeface="Courier New"/>
+              </a:rPr>
+              <a:t>;</a:t>
+            </a:r>
+            <a:r>
+              <a:rPr lang="el" sz="1050">
+                <a:latin typeface="Courier New"/>
+                <a:ea typeface="Courier New"/>
+                <a:cs typeface="Courier New"/>
+                <a:sym typeface="Courier New"/>
+              </a:rPr>
+              <a:t> </a:t>
+            </a:r>
+            <a:r>
+              <a:rPr lang="el" sz="1050">
+                <a:solidFill>
+                  <a:srgbClr val="CDCD00"/>
+                </a:solidFill>
+                <a:latin typeface="Courier New"/>
+                <a:ea typeface="Courier New"/>
+                <a:cs typeface="Courier New"/>
+                <a:sym typeface="Courier New"/>
+              </a:rPr>
+              <a:t>set</a:t>
+            </a:r>
+            <a:r>
+              <a:rPr lang="el" sz="1050">
+                <a:solidFill>
+                  <a:srgbClr val="CCCCCC"/>
+                </a:solidFill>
+                <a:latin typeface="Courier New"/>
+                <a:ea typeface="Courier New"/>
+                <a:cs typeface="Courier New"/>
+                <a:sym typeface="Courier New"/>
+              </a:rPr>
+              <a:t>;</a:t>
+            </a:r>
+            <a:r>
+              <a:rPr lang="el" sz="1050">
+                <a:latin typeface="Courier New"/>
+                <a:ea typeface="Courier New"/>
+                <a:cs typeface="Courier New"/>
+                <a:sym typeface="Courier New"/>
+              </a:rPr>
+              <a:t> </a:t>
+            </a:r>
+            <a:r>
+              <a:rPr lang="el" sz="1050">
+                <a:solidFill>
+                  <a:srgbClr val="CCCCCC"/>
+                </a:solidFill>
+                <a:latin typeface="Courier New"/>
+                <a:ea typeface="Courier New"/>
+                <a:cs typeface="Courier New"/>
+                <a:sym typeface="Courier New"/>
+              </a:rPr>
+              <a:t>}</a:t>
+            </a:r>
+            <a:endParaRPr sz="1050">
+              <a:latin typeface="Courier New"/>
+              <a:ea typeface="Courier New"/>
+              <a:cs typeface="Courier New"/>
+              <a:sym typeface="Courier New"/>
+            </a:endParaRPr>
+          </a:p>
+          <a:p>
+            <a:pPr indent="0" lvl="0" marL="0" rtl="0" algn="l">
+              <a:spcBef>
+                <a:spcPts val="0"/>
+              </a:spcBef>
+              <a:spcAft>
+                <a:spcPts val="0"/>
+              </a:spcAft>
+              <a:buNone/>
+            </a:pPr>
+            <a:r>
+              <a:t/>
+            </a:r>
+            <a:endParaRPr sz="1050">
+              <a:latin typeface="Courier New"/>
+              <a:ea typeface="Courier New"/>
+              <a:cs typeface="Courier New"/>
+              <a:sym typeface="Courier New"/>
+            </a:endParaRPr>
+          </a:p>
+          <a:p>
+            <a:pPr indent="0" lvl="0" marL="0" rtl="0" algn="l">
+              <a:spcBef>
+                <a:spcPts val="0"/>
+              </a:spcBef>
+              <a:spcAft>
+                <a:spcPts val="0"/>
+              </a:spcAft>
+              <a:buNone/>
+            </a:pPr>
+            <a:r>
+              <a:rPr lang="el" sz="1050">
+                <a:latin typeface="Courier New"/>
+                <a:ea typeface="Courier New"/>
+                <a:cs typeface="Courier New"/>
+                <a:sym typeface="Courier New"/>
+              </a:rPr>
+              <a:t>        </a:t>
+            </a:r>
+            <a:r>
+              <a:rPr lang="el" sz="1050">
+                <a:solidFill>
+                  <a:srgbClr val="CDCD00"/>
+                </a:solidFill>
+                <a:latin typeface="Courier New"/>
+                <a:ea typeface="Courier New"/>
+                <a:cs typeface="Courier New"/>
+                <a:sym typeface="Courier New"/>
+              </a:rPr>
+              <a:t>public</a:t>
+            </a:r>
+            <a:r>
+              <a:rPr lang="el" sz="1050">
+                <a:latin typeface="Courier New"/>
+                <a:ea typeface="Courier New"/>
+                <a:cs typeface="Courier New"/>
+                <a:sym typeface="Courier New"/>
+              </a:rPr>
+              <a:t> </a:t>
+            </a:r>
+            <a:r>
+              <a:rPr lang="el" sz="1050">
+                <a:solidFill>
+                  <a:srgbClr val="00CD00"/>
+                </a:solidFill>
+                <a:latin typeface="Courier New"/>
+                <a:ea typeface="Courier New"/>
+                <a:cs typeface="Courier New"/>
+                <a:sym typeface="Courier New"/>
+              </a:rPr>
+              <a:t>string</a:t>
+            </a:r>
+            <a:r>
+              <a:rPr lang="el" sz="1050">
+                <a:latin typeface="Courier New"/>
+                <a:ea typeface="Courier New"/>
+                <a:cs typeface="Courier New"/>
+                <a:sym typeface="Courier New"/>
+              </a:rPr>
+              <a:t> </a:t>
+            </a:r>
+            <a:r>
+              <a:rPr lang="el" sz="1050">
+                <a:solidFill>
+                  <a:srgbClr val="CCCCCC"/>
+                </a:solidFill>
+                <a:latin typeface="Courier New"/>
+                <a:ea typeface="Courier New"/>
+                <a:cs typeface="Courier New"/>
+                <a:sym typeface="Courier New"/>
+              </a:rPr>
+              <a:t>ConnectionString</a:t>
+            </a:r>
+            <a:endParaRPr sz="1050">
+              <a:latin typeface="Courier New"/>
+              <a:ea typeface="Courier New"/>
+              <a:cs typeface="Courier New"/>
+              <a:sym typeface="Courier New"/>
+            </a:endParaRPr>
+          </a:p>
+          <a:p>
+            <a:pPr indent="0" lvl="0" marL="0" rtl="0" algn="l">
+              <a:spcBef>
+                <a:spcPts val="0"/>
+              </a:spcBef>
+              <a:spcAft>
+                <a:spcPts val="0"/>
+              </a:spcAft>
+              <a:buNone/>
+            </a:pPr>
+            <a:r>
+              <a:rPr lang="el" sz="1050">
+                <a:latin typeface="Courier New"/>
+                <a:ea typeface="Courier New"/>
+                <a:cs typeface="Courier New"/>
+                <a:sym typeface="Courier New"/>
+              </a:rPr>
+              <a:t>        </a:t>
+            </a:r>
+            <a:r>
+              <a:rPr lang="el" sz="1050">
+                <a:solidFill>
+                  <a:srgbClr val="CCCCCC"/>
+                </a:solidFill>
+                <a:latin typeface="Courier New"/>
+                <a:ea typeface="Courier New"/>
+                <a:cs typeface="Courier New"/>
+                <a:sym typeface="Courier New"/>
+              </a:rPr>
+              <a:t>{</a:t>
+            </a:r>
+            <a:endParaRPr sz="1050">
+              <a:latin typeface="Courier New"/>
+              <a:ea typeface="Courier New"/>
+              <a:cs typeface="Courier New"/>
+              <a:sym typeface="Courier New"/>
+            </a:endParaRPr>
+          </a:p>
+          <a:p>
+            <a:pPr indent="0" lvl="0" marL="0" rtl="0" algn="l">
+              <a:spcBef>
+                <a:spcPts val="0"/>
+              </a:spcBef>
+              <a:spcAft>
+                <a:spcPts val="0"/>
+              </a:spcAft>
+              <a:buNone/>
+            </a:pPr>
+            <a:r>
+              <a:rPr lang="el" sz="1050">
+                <a:latin typeface="Courier New"/>
+                <a:ea typeface="Courier New"/>
+                <a:cs typeface="Courier New"/>
+                <a:sym typeface="Courier New"/>
+              </a:rPr>
+              <a:t>            </a:t>
+            </a:r>
+            <a:r>
+              <a:rPr lang="el" sz="1050">
+                <a:solidFill>
+                  <a:srgbClr val="CDCD00"/>
+                </a:solidFill>
+                <a:latin typeface="Courier New"/>
+                <a:ea typeface="Courier New"/>
+                <a:cs typeface="Courier New"/>
+                <a:sym typeface="Courier New"/>
+              </a:rPr>
+              <a:t>get</a:t>
+            </a:r>
+            <a:endParaRPr sz="1050">
+              <a:latin typeface="Courier New"/>
+              <a:ea typeface="Courier New"/>
+              <a:cs typeface="Courier New"/>
+              <a:sym typeface="Courier New"/>
+            </a:endParaRPr>
+          </a:p>
+          <a:p>
+            <a:pPr indent="0" lvl="0" marL="0" rtl="0" algn="l">
+              <a:spcBef>
+                <a:spcPts val="0"/>
+              </a:spcBef>
+              <a:spcAft>
+                <a:spcPts val="0"/>
+              </a:spcAft>
+              <a:buNone/>
+            </a:pPr>
+            <a:r>
+              <a:rPr lang="el" sz="1050">
+                <a:latin typeface="Courier New"/>
+                <a:ea typeface="Courier New"/>
+                <a:cs typeface="Courier New"/>
+                <a:sym typeface="Courier New"/>
+              </a:rPr>
+              <a:t>            </a:t>
+            </a:r>
+            <a:r>
+              <a:rPr lang="el" sz="1050">
+                <a:solidFill>
+                  <a:srgbClr val="CCCCCC"/>
+                </a:solidFill>
+                <a:latin typeface="Courier New"/>
+                <a:ea typeface="Courier New"/>
+                <a:cs typeface="Courier New"/>
+                <a:sym typeface="Courier New"/>
+              </a:rPr>
+              <a:t>{</a:t>
+            </a:r>
+            <a:endParaRPr sz="1050">
+              <a:latin typeface="Courier New"/>
+              <a:ea typeface="Courier New"/>
+              <a:cs typeface="Courier New"/>
+              <a:sym typeface="Courier New"/>
+            </a:endParaRPr>
+          </a:p>
+          <a:p>
+            <a:pPr indent="0" lvl="0" marL="0" rtl="0" algn="l">
+              <a:spcBef>
+                <a:spcPts val="0"/>
+              </a:spcBef>
+              <a:spcAft>
+                <a:spcPts val="0"/>
+              </a:spcAft>
+              <a:buNone/>
+            </a:pPr>
+            <a:r>
+              <a:rPr lang="el" sz="1050">
+                <a:latin typeface="Courier New"/>
+                <a:ea typeface="Courier New"/>
+                <a:cs typeface="Courier New"/>
+                <a:sym typeface="Courier New"/>
+              </a:rPr>
+              <a:t>                </a:t>
+            </a:r>
+            <a:r>
+              <a:rPr lang="el" sz="1050">
+                <a:solidFill>
+                  <a:srgbClr val="CDCD00"/>
+                </a:solidFill>
+                <a:latin typeface="Courier New"/>
+                <a:ea typeface="Courier New"/>
+                <a:cs typeface="Courier New"/>
+                <a:sym typeface="Courier New"/>
+              </a:rPr>
+              <a:t>return</a:t>
+            </a:r>
+            <a:r>
+              <a:rPr lang="el" sz="1050">
+                <a:latin typeface="Courier New"/>
+                <a:ea typeface="Courier New"/>
+                <a:cs typeface="Courier New"/>
+                <a:sym typeface="Courier New"/>
+              </a:rPr>
+              <a:t> </a:t>
+            </a:r>
+            <a:r>
+              <a:rPr lang="el" sz="1050">
+                <a:solidFill>
+                  <a:srgbClr val="CCCCCC"/>
+                </a:solidFill>
+                <a:latin typeface="Courier New"/>
+                <a:ea typeface="Courier New"/>
+                <a:cs typeface="Courier New"/>
+                <a:sym typeface="Courier New"/>
+              </a:rPr>
+              <a:t>$</a:t>
+            </a:r>
+            <a:r>
+              <a:rPr lang="el" sz="1050">
+                <a:solidFill>
+                  <a:srgbClr val="CD0000"/>
+                </a:solidFill>
+                <a:latin typeface="Courier New"/>
+                <a:ea typeface="Courier New"/>
+                <a:cs typeface="Courier New"/>
+                <a:sym typeface="Courier New"/>
+              </a:rPr>
+              <a:t>"mongodb://{Host}:{Port}"</a:t>
+            </a:r>
+            <a:r>
+              <a:rPr lang="el" sz="1050">
+                <a:solidFill>
+                  <a:srgbClr val="CCCCCC"/>
+                </a:solidFill>
+                <a:latin typeface="Courier New"/>
+                <a:ea typeface="Courier New"/>
+                <a:cs typeface="Courier New"/>
+                <a:sym typeface="Courier New"/>
+              </a:rPr>
+              <a:t>;</a:t>
+            </a:r>
+            <a:endParaRPr sz="1050">
+              <a:latin typeface="Courier New"/>
+              <a:ea typeface="Courier New"/>
+              <a:cs typeface="Courier New"/>
+              <a:sym typeface="Courier New"/>
+            </a:endParaRPr>
+          </a:p>
+          <a:p>
+            <a:pPr indent="0" lvl="0" marL="0" rtl="0" algn="l">
+              <a:spcBef>
+                <a:spcPts val="0"/>
+              </a:spcBef>
+              <a:spcAft>
+                <a:spcPts val="0"/>
+              </a:spcAft>
+              <a:buNone/>
+            </a:pPr>
+            <a:r>
+              <a:rPr lang="el" sz="1050">
+                <a:latin typeface="Courier New"/>
+                <a:ea typeface="Courier New"/>
+                <a:cs typeface="Courier New"/>
+                <a:sym typeface="Courier New"/>
+              </a:rPr>
+              <a:t>            </a:t>
+            </a:r>
+            <a:r>
+              <a:rPr lang="el" sz="1050">
+                <a:solidFill>
+                  <a:srgbClr val="CCCCCC"/>
+                </a:solidFill>
+                <a:latin typeface="Courier New"/>
+                <a:ea typeface="Courier New"/>
+                <a:cs typeface="Courier New"/>
+                <a:sym typeface="Courier New"/>
+              </a:rPr>
+              <a:t>}</a:t>
+            </a:r>
+            <a:endParaRPr sz="1050">
+              <a:latin typeface="Courier New"/>
+              <a:ea typeface="Courier New"/>
+              <a:cs typeface="Courier New"/>
+              <a:sym typeface="Courier New"/>
+            </a:endParaRPr>
+          </a:p>
+          <a:p>
+            <a:pPr indent="0" lvl="0" marL="0" rtl="0" algn="l">
+              <a:spcBef>
+                <a:spcPts val="0"/>
+              </a:spcBef>
+              <a:spcAft>
+                <a:spcPts val="0"/>
+              </a:spcAft>
+              <a:buNone/>
+            </a:pPr>
+            <a:r>
+              <a:rPr lang="el" sz="1050">
+                <a:latin typeface="Courier New"/>
+                <a:ea typeface="Courier New"/>
+                <a:cs typeface="Courier New"/>
+                <a:sym typeface="Courier New"/>
+              </a:rPr>
+              <a:t>        </a:t>
+            </a:r>
+            <a:r>
+              <a:rPr lang="el" sz="1050">
+                <a:solidFill>
+                  <a:srgbClr val="CCCCCC"/>
+                </a:solidFill>
+                <a:latin typeface="Courier New"/>
+                <a:ea typeface="Courier New"/>
+                <a:cs typeface="Courier New"/>
+                <a:sym typeface="Courier New"/>
+              </a:rPr>
+              <a:t>}</a:t>
+            </a:r>
+            <a:endParaRPr sz="1050">
+              <a:latin typeface="Courier New"/>
+              <a:ea typeface="Courier New"/>
+              <a:cs typeface="Courier New"/>
+              <a:sym typeface="Courier New"/>
+            </a:endParaRPr>
+          </a:p>
+          <a:p>
+            <a:pPr indent="0" lvl="0" marL="0" rtl="0" algn="l">
+              <a:spcBef>
+                <a:spcPts val="0"/>
+              </a:spcBef>
+              <a:spcAft>
+                <a:spcPts val="0"/>
+              </a:spcAft>
+              <a:buNone/>
+            </a:pPr>
+            <a:r>
+              <a:rPr lang="el" sz="1050">
+                <a:latin typeface="Courier New"/>
+                <a:ea typeface="Courier New"/>
+                <a:cs typeface="Courier New"/>
+                <a:sym typeface="Courier New"/>
+              </a:rPr>
+              <a:t>    </a:t>
+            </a:r>
+            <a:r>
+              <a:rPr lang="el" sz="1050">
+                <a:solidFill>
+                  <a:srgbClr val="CCCCCC"/>
+                </a:solidFill>
+                <a:latin typeface="Courier New"/>
+                <a:ea typeface="Courier New"/>
+                <a:cs typeface="Courier New"/>
+                <a:sym typeface="Courier New"/>
+              </a:rPr>
+              <a:t>}</a:t>
+            </a:r>
+            <a:endParaRPr sz="1050">
+              <a:latin typeface="Courier New"/>
+              <a:ea typeface="Courier New"/>
+              <a:cs typeface="Courier New"/>
+              <a:sym typeface="Courier New"/>
+            </a:endParaRPr>
+          </a:p>
+          <a:p>
+            <a:pPr indent="0" lvl="0" marL="0" rtl="0" algn="just">
+              <a:lnSpc>
+                <a:spcPct val="125000"/>
+              </a:lnSpc>
+              <a:spcBef>
+                <a:spcPts val="0"/>
+              </a:spcBef>
+              <a:spcAft>
+                <a:spcPts val="0"/>
+              </a:spcAft>
+              <a:buNone/>
+            </a:pPr>
+            <a:r>
+              <a:rPr lang="el" sz="1050">
+                <a:solidFill>
+                  <a:srgbClr val="CCCCCC"/>
+                </a:solidFill>
+                <a:latin typeface="Courier New"/>
+                <a:ea typeface="Courier New"/>
+                <a:cs typeface="Courier New"/>
+                <a:sym typeface="Courier New"/>
+              </a:rPr>
+              <a:t>}</a:t>
+            </a:r>
+            <a:endParaRPr sz="1050">
+              <a:solidFill>
+                <a:srgbClr val="CCCCCC"/>
+              </a:solidFill>
+              <a:latin typeface="Courier New"/>
+              <a:ea typeface="Courier New"/>
+              <a:cs typeface="Courier New"/>
+              <a:sym typeface="Courier New"/>
+            </a:endParaRPr>
+          </a:p>
+        </p:txBody>
+      </p:sp>
+    </p:spTree>
+  </p:cSld>
+  <p:clrMapOvr>
+    <a:masterClrMapping/>
+  </p:clrMapOvr>
+</p:sld>
+</file>
+
+<file path=ppt/slides/slide31.xml><?xml version="1.0" encoding="utf-8"?>
+<p:sld xmlns:a="http://schemas.openxmlformats.org/drawingml/2006/main" xmlns:r="http://schemas.openxmlformats.org/officeDocument/2006/relationships" xmlns:mc="http://schemas.openxmlformats.org/markup-compatibility/2006" xmlns:mv="urn:schemas-microsoft-com:mac:vml" xmlns:p="http://schemas.openxmlformats.org/presentationml/2006/main" xmlns:c="http://schemas.openxmlformats.org/drawingml/2006/chart" xmlns:dgm="http://schemas.openxmlformats.org/drawingml/2006/diagram" xmlns:o="urn:schemas-microsoft-com:office:office" xmlns:v="urn:schemas-microsoft-com:vml" xmlns:pvml="urn:schemas-microsoft-com:office:powerpoint" xmlns:com="http://schemas.openxmlformats.org/drawingml/2006/compatibility" xmlns:p14="http://schemas.microsoft.com/office/powerpoint/2010/main" xmlns:p15="http://schemas.microsoft.com/office/powerpoint/2012/main" xmlns:ahyp="http://schemas.microsoft.com/office/drawing/2018/hyperlinkcolor">
+  <p:cSld>
+    <p:spTree>
+      <p:nvGrpSpPr>
+        <p:cNvPr id="347" name="Shape 347"/>
+        <p:cNvGrpSpPr/>
+        <p:nvPr/>
+      </p:nvGrpSpPr>
+      <p:grpSpPr>
+        <a:xfrm>
+          <a:off x="0" y="0"/>
+          <a:ext cx="0" cy="0"/>
+          <a:chOff x="0" y="0"/>
+          <a:chExt cx="0" cy="0"/>
+        </a:xfrm>
+      </p:grpSpPr>
+      <p:sp>
+        <p:nvSpPr>
+          <p:cNvPr id="348" name="Google Shape;348;p43"/>
+          <p:cNvSpPr txBox="1"/>
+          <p:nvPr>
+            <p:ph type="title"/>
+          </p:nvPr>
+        </p:nvSpPr>
+        <p:spPr>
+          <a:xfrm>
+            <a:off x="1297500" y="393750"/>
+            <a:ext cx="7038900" cy="914100"/>
+          </a:xfrm>
+          <a:prstGeom prst="rect">
+            <a:avLst/>
+          </a:prstGeom>
+        </p:spPr>
+        <p:txBody>
+          <a:bodyPr anchorCtr="0" anchor="t" bIns="91425" lIns="91425" spcFirstLastPara="1" rIns="91425" wrap="square" tIns="91425">
+            <a:normAutofit/>
+          </a:bodyPr>
+          <a:lstStyle/>
+          <a:p>
+            <a:pPr indent="0" lvl="0" marL="0" rtl="0" algn="l">
+              <a:spcBef>
+                <a:spcPts val="0"/>
+              </a:spcBef>
+              <a:spcAft>
+                <a:spcPts val="0"/>
+              </a:spcAft>
+              <a:buNone/>
+            </a:pPr>
+            <a:r>
+              <a:rPr lang="el"/>
+              <a:t>Register mongo service</a:t>
+            </a:r>
+            <a:endParaRPr/>
+          </a:p>
+        </p:txBody>
+      </p:sp>
+      <p:sp>
+        <p:nvSpPr>
+          <p:cNvPr id="349" name="Google Shape;349;p43"/>
+          <p:cNvSpPr txBox="1"/>
+          <p:nvPr>
+            <p:ph idx="1" type="body"/>
+          </p:nvPr>
+        </p:nvSpPr>
+        <p:spPr>
+          <a:xfrm>
+            <a:off x="1297500" y="1307850"/>
+            <a:ext cx="7038900" cy="469200"/>
+          </a:xfrm>
+          <a:prstGeom prst="rect">
+            <a:avLst/>
+          </a:prstGeom>
+        </p:spPr>
+        <p:txBody>
+          <a:bodyPr anchorCtr="0" anchor="t" bIns="91425" lIns="91425" spcFirstLastPara="1" rIns="91425" wrap="square" tIns="91425">
+            <a:normAutofit fontScale="70000" lnSpcReduction="10000"/>
+          </a:bodyPr>
+          <a:lstStyle/>
+          <a:p>
+            <a:pPr indent="0" lvl="0" marL="0" rtl="0" algn="l">
+              <a:spcBef>
+                <a:spcPts val="0"/>
+              </a:spcBef>
+              <a:spcAft>
+                <a:spcPts val="1200"/>
+              </a:spcAft>
+              <a:buNone/>
+            </a:pPr>
+            <a:r>
+              <a:rPr lang="el"/>
+              <a:t>Open up </a:t>
+            </a:r>
+            <a:r>
+              <a:rPr lang="el">
+                <a:solidFill>
+                  <a:schemeClr val="accent2"/>
+                </a:solidFill>
+              </a:rPr>
+              <a:t>Startup.cs </a:t>
+            </a:r>
+            <a:r>
+              <a:rPr lang="el"/>
+              <a:t>and inside </a:t>
+            </a:r>
+            <a:r>
+              <a:rPr lang="el">
+                <a:solidFill>
+                  <a:srgbClr val="00FFFF"/>
+                </a:solidFill>
+              </a:rPr>
+              <a:t>ConfigureServices </a:t>
+            </a:r>
+            <a:r>
+              <a:rPr lang="el"/>
+              <a:t>method add the new service and edit the old </a:t>
+            </a:r>
+            <a:r>
+              <a:rPr lang="el">
+                <a:solidFill>
+                  <a:schemeClr val="accent2"/>
+                </a:solidFill>
+              </a:rPr>
+              <a:t>ItemsRepository </a:t>
+            </a:r>
+            <a:r>
+              <a:rPr lang="el"/>
+              <a:t>Service, also configure GUID and DATE </a:t>
+            </a:r>
+            <a:r>
+              <a:rPr lang="el"/>
+              <a:t>serialization</a:t>
+            </a:r>
+            <a:endParaRPr/>
+          </a:p>
+        </p:txBody>
+      </p:sp>
+      <p:sp>
+        <p:nvSpPr>
+          <p:cNvPr id="350" name="Google Shape;350;p43"/>
+          <p:cNvSpPr txBox="1"/>
+          <p:nvPr/>
+        </p:nvSpPr>
+        <p:spPr>
+          <a:xfrm>
+            <a:off x="250900" y="1867025"/>
+            <a:ext cx="8412600" cy="2963100"/>
+          </a:xfrm>
+          <a:prstGeom prst="rect">
+            <a:avLst/>
+          </a:prstGeom>
+          <a:noFill/>
+          <a:ln>
+            <a:noFill/>
+          </a:ln>
+        </p:spPr>
+        <p:txBody>
+          <a:bodyPr anchorCtr="0" anchor="t" bIns="91425" lIns="91425" spcFirstLastPara="1" rIns="91425" wrap="square" tIns="91425">
+            <a:spAutoFit/>
+          </a:bodyPr>
+          <a:lstStyle/>
+          <a:p>
+            <a:pPr indent="0" lvl="0" marL="0" rtl="0" algn="l">
+              <a:spcBef>
+                <a:spcPts val="0"/>
+              </a:spcBef>
+              <a:spcAft>
+                <a:spcPts val="0"/>
+              </a:spcAft>
+              <a:buNone/>
+            </a:pPr>
+            <a:r>
+              <a:rPr lang="el" sz="950">
+                <a:solidFill>
+                  <a:srgbClr val="CDCD00"/>
+                </a:solidFill>
+                <a:latin typeface="Courier New"/>
+                <a:ea typeface="Courier New"/>
+                <a:cs typeface="Courier New"/>
+                <a:sym typeface="Courier New"/>
+              </a:rPr>
+              <a:t>public</a:t>
+            </a:r>
+            <a:r>
+              <a:rPr lang="el" sz="950">
+                <a:latin typeface="Courier New"/>
+                <a:ea typeface="Courier New"/>
+                <a:cs typeface="Courier New"/>
+                <a:sym typeface="Courier New"/>
+              </a:rPr>
+              <a:t> </a:t>
+            </a:r>
+            <a:r>
+              <a:rPr lang="el" sz="950">
+                <a:solidFill>
+                  <a:srgbClr val="CDCD00"/>
+                </a:solidFill>
+                <a:latin typeface="Courier New"/>
+                <a:ea typeface="Courier New"/>
+                <a:cs typeface="Courier New"/>
+                <a:sym typeface="Courier New"/>
+              </a:rPr>
+              <a:t>void</a:t>
+            </a:r>
+            <a:r>
+              <a:rPr lang="el" sz="950">
+                <a:latin typeface="Courier New"/>
+                <a:ea typeface="Courier New"/>
+                <a:cs typeface="Courier New"/>
+                <a:sym typeface="Courier New"/>
+              </a:rPr>
+              <a:t> </a:t>
+            </a:r>
+            <a:r>
+              <a:rPr lang="el" sz="950">
+                <a:solidFill>
+                  <a:srgbClr val="CCCCCC"/>
+                </a:solidFill>
+                <a:latin typeface="Courier New"/>
+                <a:ea typeface="Courier New"/>
+                <a:cs typeface="Courier New"/>
+                <a:sym typeface="Courier New"/>
+              </a:rPr>
+              <a:t>ConfigureServices(</a:t>
+            </a:r>
+            <a:r>
+              <a:rPr lang="el" sz="950">
+                <a:solidFill>
+                  <a:schemeClr val="accent2"/>
+                </a:solidFill>
+                <a:latin typeface="Courier New"/>
+                <a:ea typeface="Courier New"/>
+                <a:cs typeface="Courier New"/>
+                <a:sym typeface="Courier New"/>
+              </a:rPr>
+              <a:t>IServiceCollection</a:t>
+            </a:r>
+            <a:r>
+              <a:rPr lang="el" sz="950">
+                <a:latin typeface="Courier New"/>
+                <a:ea typeface="Courier New"/>
+                <a:cs typeface="Courier New"/>
+                <a:sym typeface="Courier New"/>
+              </a:rPr>
+              <a:t> </a:t>
+            </a:r>
+            <a:r>
+              <a:rPr lang="el" sz="950">
+                <a:solidFill>
+                  <a:srgbClr val="CCCCCC"/>
+                </a:solidFill>
+                <a:latin typeface="Courier New"/>
+                <a:ea typeface="Courier New"/>
+                <a:cs typeface="Courier New"/>
+                <a:sym typeface="Courier New"/>
+              </a:rPr>
+              <a:t>services)</a:t>
+            </a:r>
+            <a:endParaRPr sz="950">
+              <a:latin typeface="Courier New"/>
+              <a:ea typeface="Courier New"/>
+              <a:cs typeface="Courier New"/>
+              <a:sym typeface="Courier New"/>
+            </a:endParaRPr>
+          </a:p>
+          <a:p>
+            <a:pPr indent="0" lvl="0" marL="0" rtl="0" algn="l">
+              <a:spcBef>
+                <a:spcPts val="0"/>
+              </a:spcBef>
+              <a:spcAft>
+                <a:spcPts val="0"/>
+              </a:spcAft>
+              <a:buNone/>
+            </a:pPr>
+            <a:r>
+              <a:rPr lang="el" sz="950">
+                <a:latin typeface="Courier New"/>
+                <a:ea typeface="Courier New"/>
+                <a:cs typeface="Courier New"/>
+                <a:sym typeface="Courier New"/>
+              </a:rPr>
+              <a:t>        </a:t>
+            </a:r>
+            <a:r>
+              <a:rPr lang="el" sz="950">
+                <a:solidFill>
+                  <a:srgbClr val="CCCCCC"/>
+                </a:solidFill>
+                <a:latin typeface="Courier New"/>
+                <a:ea typeface="Courier New"/>
+                <a:cs typeface="Courier New"/>
+                <a:sym typeface="Courier New"/>
+              </a:rPr>
+              <a:t>{</a:t>
+            </a:r>
+            <a:endParaRPr sz="950">
+              <a:latin typeface="Courier New"/>
+              <a:ea typeface="Courier New"/>
+              <a:cs typeface="Courier New"/>
+              <a:sym typeface="Courier New"/>
+            </a:endParaRPr>
+          </a:p>
+          <a:p>
+            <a:pPr indent="0" lvl="0" marL="0" rtl="0" algn="l">
+              <a:spcBef>
+                <a:spcPts val="0"/>
+              </a:spcBef>
+              <a:spcAft>
+                <a:spcPts val="0"/>
+              </a:spcAft>
+              <a:buNone/>
+            </a:pPr>
+            <a:r>
+              <a:rPr lang="el" sz="950">
+                <a:latin typeface="Courier New"/>
+                <a:ea typeface="Courier New"/>
+                <a:cs typeface="Courier New"/>
+                <a:sym typeface="Courier New"/>
+              </a:rPr>
+              <a:t>	   </a:t>
+            </a:r>
+            <a:r>
+              <a:rPr b="1" lang="el" sz="950">
+                <a:latin typeface="Courier New"/>
+                <a:ea typeface="Courier New"/>
+                <a:cs typeface="Courier New"/>
+                <a:sym typeface="Courier New"/>
+              </a:rPr>
+              <a:t> </a:t>
+            </a:r>
+            <a:r>
+              <a:rPr b="1" lang="el" sz="950">
+                <a:solidFill>
+                  <a:srgbClr val="CCCCCC"/>
+                </a:solidFill>
+                <a:latin typeface="Courier New"/>
+                <a:ea typeface="Courier New"/>
+                <a:cs typeface="Courier New"/>
+                <a:sym typeface="Courier New"/>
+              </a:rPr>
+              <a:t>BsonSerializer.RegisterSerializer(</a:t>
+            </a:r>
+            <a:r>
+              <a:rPr b="1" lang="el" sz="950">
+                <a:solidFill>
+                  <a:srgbClr val="CDCD00"/>
+                </a:solidFill>
+                <a:latin typeface="Courier New"/>
+                <a:ea typeface="Courier New"/>
+                <a:cs typeface="Courier New"/>
+                <a:sym typeface="Courier New"/>
+              </a:rPr>
+              <a:t>new</a:t>
+            </a:r>
+            <a:r>
+              <a:rPr b="1" lang="el" sz="950">
+                <a:latin typeface="Courier New"/>
+                <a:ea typeface="Courier New"/>
+                <a:cs typeface="Courier New"/>
+                <a:sym typeface="Courier New"/>
+              </a:rPr>
+              <a:t> </a:t>
+            </a:r>
+            <a:r>
+              <a:rPr b="1" lang="el" sz="950">
+                <a:solidFill>
+                  <a:srgbClr val="CCCCCC"/>
+                </a:solidFill>
+                <a:latin typeface="Courier New"/>
+                <a:ea typeface="Courier New"/>
+                <a:cs typeface="Courier New"/>
+                <a:sym typeface="Courier New"/>
+              </a:rPr>
+              <a:t>GuidSerializer(BsonType.String));</a:t>
+            </a:r>
+            <a:endParaRPr b="1" sz="950">
+              <a:latin typeface="Courier New"/>
+              <a:ea typeface="Courier New"/>
+              <a:cs typeface="Courier New"/>
+              <a:sym typeface="Courier New"/>
+            </a:endParaRPr>
+          </a:p>
+          <a:p>
+            <a:pPr indent="0" lvl="0" marL="0" rtl="0" algn="l">
+              <a:spcBef>
+                <a:spcPts val="0"/>
+              </a:spcBef>
+              <a:spcAft>
+                <a:spcPts val="0"/>
+              </a:spcAft>
+              <a:buNone/>
+            </a:pPr>
+            <a:r>
+              <a:rPr b="1" lang="el" sz="950">
+                <a:latin typeface="Courier New"/>
+                <a:ea typeface="Courier New"/>
+                <a:cs typeface="Courier New"/>
+                <a:sym typeface="Courier New"/>
+              </a:rPr>
+              <a:t>          </a:t>
+            </a:r>
+            <a:r>
+              <a:rPr b="1" lang="el" sz="950">
+                <a:solidFill>
+                  <a:srgbClr val="CCCCCC"/>
+                </a:solidFill>
+                <a:latin typeface="Courier New"/>
+                <a:ea typeface="Courier New"/>
+                <a:cs typeface="Courier New"/>
+                <a:sym typeface="Courier New"/>
+              </a:rPr>
+              <a:t>BsonSerializer.RegisterSerializer(</a:t>
+            </a:r>
+            <a:r>
+              <a:rPr b="1" lang="el" sz="950">
+                <a:solidFill>
+                  <a:srgbClr val="CDCD00"/>
+                </a:solidFill>
+                <a:latin typeface="Courier New"/>
+                <a:ea typeface="Courier New"/>
+                <a:cs typeface="Courier New"/>
+                <a:sym typeface="Courier New"/>
+              </a:rPr>
+              <a:t>new</a:t>
+            </a:r>
+            <a:r>
+              <a:rPr b="1" lang="el" sz="950">
+                <a:latin typeface="Courier New"/>
+                <a:ea typeface="Courier New"/>
+                <a:cs typeface="Courier New"/>
+                <a:sym typeface="Courier New"/>
+              </a:rPr>
+              <a:t> </a:t>
+            </a:r>
+            <a:r>
+              <a:rPr b="1" lang="el" sz="950">
+                <a:solidFill>
+                  <a:srgbClr val="CCCCCC"/>
+                </a:solidFill>
+                <a:latin typeface="Courier New"/>
+                <a:ea typeface="Courier New"/>
+                <a:cs typeface="Courier New"/>
+                <a:sym typeface="Courier New"/>
+              </a:rPr>
+              <a:t>DateTimeOffsetSerializer(BsonType.String));</a:t>
+            </a:r>
+            <a:endParaRPr b="1" sz="950">
+              <a:solidFill>
+                <a:srgbClr val="CCCCCC"/>
+              </a:solidFill>
+              <a:latin typeface="Courier New"/>
+              <a:ea typeface="Courier New"/>
+              <a:cs typeface="Courier New"/>
+              <a:sym typeface="Courier New"/>
+            </a:endParaRPr>
+          </a:p>
+          <a:p>
+            <a:pPr indent="0" lvl="0" marL="0" rtl="0" algn="l">
+              <a:spcBef>
+                <a:spcPts val="0"/>
+              </a:spcBef>
+              <a:spcAft>
+                <a:spcPts val="0"/>
+              </a:spcAft>
+              <a:buNone/>
+            </a:pPr>
+            <a:r>
+              <a:t/>
+            </a:r>
+            <a:endParaRPr sz="950">
+              <a:latin typeface="Courier New"/>
+              <a:ea typeface="Courier New"/>
+              <a:cs typeface="Courier New"/>
+              <a:sym typeface="Courier New"/>
+            </a:endParaRPr>
+          </a:p>
+          <a:p>
+            <a:pPr indent="0" lvl="0" marL="0" rtl="0" algn="l">
+              <a:spcBef>
+                <a:spcPts val="0"/>
+              </a:spcBef>
+              <a:spcAft>
+                <a:spcPts val="0"/>
+              </a:spcAft>
+              <a:buNone/>
+            </a:pPr>
+            <a:r>
+              <a:rPr lang="el" sz="950">
+                <a:latin typeface="Courier New"/>
+                <a:ea typeface="Courier New"/>
+                <a:cs typeface="Courier New"/>
+                <a:sym typeface="Courier New"/>
+              </a:rPr>
+              <a:t>            </a:t>
+            </a:r>
+            <a:r>
+              <a:rPr lang="el" sz="950">
+                <a:solidFill>
+                  <a:srgbClr val="CCCCCC"/>
+                </a:solidFill>
+                <a:latin typeface="Courier New"/>
+                <a:ea typeface="Courier New"/>
+                <a:cs typeface="Courier New"/>
+                <a:sym typeface="Courier New"/>
+              </a:rPr>
+              <a:t>services.</a:t>
+            </a:r>
+            <a:r>
+              <a:rPr lang="el" sz="950">
+                <a:solidFill>
+                  <a:srgbClr val="00CDCD"/>
+                </a:solidFill>
+                <a:latin typeface="Courier New"/>
+                <a:ea typeface="Courier New"/>
+                <a:cs typeface="Courier New"/>
+                <a:sym typeface="Courier New"/>
+              </a:rPr>
+              <a:t>AddSingleton</a:t>
+            </a:r>
+            <a:r>
+              <a:rPr lang="el" sz="950">
+                <a:solidFill>
+                  <a:srgbClr val="CCCCCC"/>
+                </a:solidFill>
+                <a:latin typeface="Courier New"/>
+                <a:ea typeface="Courier New"/>
+                <a:cs typeface="Courier New"/>
+                <a:sym typeface="Courier New"/>
+              </a:rPr>
+              <a:t>&lt;IMongoClient&gt;(serviceProvider</a:t>
+            </a:r>
+            <a:r>
+              <a:rPr lang="el" sz="950">
+                <a:latin typeface="Courier New"/>
+                <a:ea typeface="Courier New"/>
+                <a:cs typeface="Courier New"/>
+                <a:sym typeface="Courier New"/>
+              </a:rPr>
+              <a:t> </a:t>
+            </a:r>
+            <a:r>
+              <a:rPr lang="el" sz="950">
+                <a:solidFill>
+                  <a:srgbClr val="CCCCCC"/>
+                </a:solidFill>
+                <a:latin typeface="Courier New"/>
+                <a:ea typeface="Courier New"/>
+                <a:cs typeface="Courier New"/>
+                <a:sym typeface="Courier New"/>
+              </a:rPr>
+              <a:t>=&gt;</a:t>
+            </a:r>
+            <a:endParaRPr sz="950">
+              <a:latin typeface="Courier New"/>
+              <a:ea typeface="Courier New"/>
+              <a:cs typeface="Courier New"/>
+              <a:sym typeface="Courier New"/>
+            </a:endParaRPr>
+          </a:p>
+          <a:p>
+            <a:pPr indent="0" lvl="0" marL="0" rtl="0" algn="l">
+              <a:spcBef>
+                <a:spcPts val="0"/>
+              </a:spcBef>
+              <a:spcAft>
+                <a:spcPts val="0"/>
+              </a:spcAft>
+              <a:buNone/>
+            </a:pPr>
+            <a:r>
+              <a:rPr lang="el" sz="950">
+                <a:latin typeface="Courier New"/>
+                <a:ea typeface="Courier New"/>
+                <a:cs typeface="Courier New"/>
+                <a:sym typeface="Courier New"/>
+              </a:rPr>
+              <a:t>            </a:t>
+            </a:r>
+            <a:r>
+              <a:rPr lang="el" sz="950">
+                <a:solidFill>
+                  <a:srgbClr val="CCCCCC"/>
+                </a:solidFill>
+                <a:latin typeface="Courier New"/>
+                <a:ea typeface="Courier New"/>
+                <a:cs typeface="Courier New"/>
+                <a:sym typeface="Courier New"/>
+              </a:rPr>
+              <a:t>{</a:t>
+            </a:r>
+            <a:endParaRPr sz="950">
+              <a:latin typeface="Courier New"/>
+              <a:ea typeface="Courier New"/>
+              <a:cs typeface="Courier New"/>
+              <a:sym typeface="Courier New"/>
+            </a:endParaRPr>
+          </a:p>
+          <a:p>
+            <a:pPr indent="0" lvl="0" marL="0" rtl="0" algn="l">
+              <a:spcBef>
+                <a:spcPts val="0"/>
+              </a:spcBef>
+              <a:spcAft>
+                <a:spcPts val="0"/>
+              </a:spcAft>
+              <a:buNone/>
+            </a:pPr>
+            <a:r>
+              <a:rPr lang="el" sz="950">
+                <a:latin typeface="Courier New"/>
+                <a:ea typeface="Courier New"/>
+                <a:cs typeface="Courier New"/>
+                <a:sym typeface="Courier New"/>
+              </a:rPr>
+              <a:t>                </a:t>
+            </a:r>
+            <a:r>
+              <a:rPr lang="el" sz="950">
+                <a:solidFill>
+                  <a:srgbClr val="00CD00"/>
+                </a:solidFill>
+                <a:latin typeface="Courier New"/>
+                <a:ea typeface="Courier New"/>
+                <a:cs typeface="Courier New"/>
+                <a:sym typeface="Courier New"/>
+              </a:rPr>
+              <a:t>var</a:t>
+            </a:r>
+            <a:r>
+              <a:rPr lang="el" sz="950">
+                <a:latin typeface="Courier New"/>
+                <a:ea typeface="Courier New"/>
+                <a:cs typeface="Courier New"/>
+                <a:sym typeface="Courier New"/>
+              </a:rPr>
+              <a:t> </a:t>
+            </a:r>
+            <a:r>
+              <a:rPr lang="el" sz="950">
+                <a:solidFill>
+                  <a:srgbClr val="CCCCCC"/>
+                </a:solidFill>
+                <a:latin typeface="Courier New"/>
+                <a:ea typeface="Courier New"/>
+                <a:cs typeface="Courier New"/>
+                <a:sym typeface="Courier New"/>
+              </a:rPr>
+              <a:t>settings</a:t>
+            </a:r>
+            <a:r>
+              <a:rPr lang="el" sz="950">
+                <a:latin typeface="Courier New"/>
+                <a:ea typeface="Courier New"/>
+                <a:cs typeface="Courier New"/>
+                <a:sym typeface="Courier New"/>
+              </a:rPr>
+              <a:t> </a:t>
+            </a:r>
+            <a:r>
+              <a:rPr lang="el" sz="950">
+                <a:solidFill>
+                  <a:srgbClr val="CCCCCC"/>
+                </a:solidFill>
+                <a:latin typeface="Courier New"/>
+                <a:ea typeface="Courier New"/>
+                <a:cs typeface="Courier New"/>
+                <a:sym typeface="Courier New"/>
+              </a:rPr>
+              <a:t>=</a:t>
+            </a:r>
+            <a:r>
+              <a:rPr lang="el" sz="950">
+                <a:latin typeface="Courier New"/>
+                <a:ea typeface="Courier New"/>
+                <a:cs typeface="Courier New"/>
+                <a:sym typeface="Courier New"/>
+              </a:rPr>
+              <a:t> </a:t>
+            </a:r>
+            <a:r>
+              <a:rPr lang="el" sz="950">
+                <a:solidFill>
+                  <a:srgbClr val="CCCCCC"/>
+                </a:solidFill>
+                <a:latin typeface="Courier New"/>
+                <a:ea typeface="Courier New"/>
+                <a:cs typeface="Courier New"/>
+                <a:sym typeface="Courier New"/>
+              </a:rPr>
+              <a:t>Configuration.GetSection(nameof(</a:t>
+            </a:r>
+            <a:r>
+              <a:rPr lang="el" sz="950">
+                <a:solidFill>
+                  <a:schemeClr val="accent2"/>
+                </a:solidFill>
+                <a:latin typeface="Courier New"/>
+                <a:ea typeface="Courier New"/>
+                <a:cs typeface="Courier New"/>
+                <a:sym typeface="Courier New"/>
+              </a:rPr>
+              <a:t>MongoDbSettings</a:t>
+            </a:r>
+            <a:r>
+              <a:rPr lang="el" sz="950">
+                <a:solidFill>
+                  <a:srgbClr val="CCCCCC"/>
+                </a:solidFill>
+                <a:latin typeface="Courier New"/>
+                <a:ea typeface="Courier New"/>
+                <a:cs typeface="Courier New"/>
+                <a:sym typeface="Courier New"/>
+              </a:rPr>
+              <a:t>)).Get&lt;</a:t>
+            </a:r>
+            <a:r>
+              <a:rPr lang="el" sz="950">
+                <a:solidFill>
+                  <a:schemeClr val="accent2"/>
+                </a:solidFill>
+                <a:latin typeface="Courier New"/>
+                <a:ea typeface="Courier New"/>
+                <a:cs typeface="Courier New"/>
+                <a:sym typeface="Courier New"/>
+              </a:rPr>
+              <a:t>MongoDbSettings</a:t>
+            </a:r>
+            <a:r>
+              <a:rPr lang="el" sz="950">
+                <a:solidFill>
+                  <a:srgbClr val="CCCCCC"/>
+                </a:solidFill>
+                <a:latin typeface="Courier New"/>
+                <a:ea typeface="Courier New"/>
+                <a:cs typeface="Courier New"/>
+                <a:sym typeface="Courier New"/>
+              </a:rPr>
+              <a:t>&gt;();</a:t>
+            </a:r>
+            <a:endParaRPr sz="950">
+              <a:latin typeface="Courier New"/>
+              <a:ea typeface="Courier New"/>
+              <a:cs typeface="Courier New"/>
+              <a:sym typeface="Courier New"/>
+            </a:endParaRPr>
+          </a:p>
+          <a:p>
+            <a:pPr indent="0" lvl="0" marL="0" rtl="0" algn="l">
+              <a:spcBef>
+                <a:spcPts val="0"/>
+              </a:spcBef>
+              <a:spcAft>
+                <a:spcPts val="0"/>
+              </a:spcAft>
+              <a:buNone/>
+            </a:pPr>
+            <a:r>
+              <a:rPr lang="el" sz="950">
+                <a:latin typeface="Courier New"/>
+                <a:ea typeface="Courier New"/>
+                <a:cs typeface="Courier New"/>
+                <a:sym typeface="Courier New"/>
+              </a:rPr>
+              <a:t>                </a:t>
+            </a:r>
+            <a:r>
+              <a:rPr lang="el" sz="950">
+                <a:solidFill>
+                  <a:srgbClr val="CDCD00"/>
+                </a:solidFill>
+                <a:latin typeface="Courier New"/>
+                <a:ea typeface="Courier New"/>
+                <a:cs typeface="Courier New"/>
+                <a:sym typeface="Courier New"/>
+              </a:rPr>
+              <a:t>return</a:t>
+            </a:r>
+            <a:r>
+              <a:rPr lang="el" sz="950">
+                <a:latin typeface="Courier New"/>
+                <a:ea typeface="Courier New"/>
+                <a:cs typeface="Courier New"/>
+                <a:sym typeface="Courier New"/>
+              </a:rPr>
+              <a:t> </a:t>
+            </a:r>
+            <a:r>
+              <a:rPr lang="el" sz="950">
+                <a:solidFill>
+                  <a:srgbClr val="CDCD00"/>
+                </a:solidFill>
+                <a:latin typeface="Courier New"/>
+                <a:ea typeface="Courier New"/>
+                <a:cs typeface="Courier New"/>
+                <a:sym typeface="Courier New"/>
+              </a:rPr>
+              <a:t>new</a:t>
+            </a:r>
+            <a:r>
+              <a:rPr lang="el" sz="950">
+                <a:latin typeface="Courier New"/>
+                <a:ea typeface="Courier New"/>
+                <a:cs typeface="Courier New"/>
+                <a:sym typeface="Courier New"/>
+              </a:rPr>
+              <a:t> </a:t>
+            </a:r>
+            <a:r>
+              <a:rPr lang="el" sz="950">
+                <a:solidFill>
+                  <a:srgbClr val="CCCCCC"/>
+                </a:solidFill>
+                <a:latin typeface="Courier New"/>
+                <a:ea typeface="Courier New"/>
+                <a:cs typeface="Courier New"/>
+                <a:sym typeface="Courier New"/>
+              </a:rPr>
+              <a:t>MongoClient(settings.ConnectionString);</a:t>
+            </a:r>
+            <a:endParaRPr sz="950">
+              <a:latin typeface="Courier New"/>
+              <a:ea typeface="Courier New"/>
+              <a:cs typeface="Courier New"/>
+              <a:sym typeface="Courier New"/>
+            </a:endParaRPr>
+          </a:p>
+          <a:p>
+            <a:pPr indent="0" lvl="0" marL="0" rtl="0" algn="l">
+              <a:spcBef>
+                <a:spcPts val="0"/>
+              </a:spcBef>
+              <a:spcAft>
+                <a:spcPts val="0"/>
+              </a:spcAft>
+              <a:buNone/>
+            </a:pPr>
+            <a:r>
+              <a:rPr lang="el" sz="950">
+                <a:latin typeface="Courier New"/>
+                <a:ea typeface="Courier New"/>
+                <a:cs typeface="Courier New"/>
+                <a:sym typeface="Courier New"/>
+              </a:rPr>
+              <a:t>            </a:t>
+            </a:r>
+            <a:r>
+              <a:rPr lang="el" sz="950">
+                <a:solidFill>
+                  <a:srgbClr val="CCCCCC"/>
+                </a:solidFill>
+                <a:latin typeface="Courier New"/>
+                <a:ea typeface="Courier New"/>
+                <a:cs typeface="Courier New"/>
+                <a:sym typeface="Courier New"/>
+              </a:rPr>
+              <a:t>});</a:t>
+            </a:r>
+            <a:endParaRPr sz="950">
+              <a:latin typeface="Courier New"/>
+              <a:ea typeface="Courier New"/>
+              <a:cs typeface="Courier New"/>
+              <a:sym typeface="Courier New"/>
+            </a:endParaRPr>
+          </a:p>
+          <a:p>
+            <a:pPr indent="0" lvl="0" marL="0" rtl="0" algn="l">
+              <a:spcBef>
+                <a:spcPts val="0"/>
+              </a:spcBef>
+              <a:spcAft>
+                <a:spcPts val="0"/>
+              </a:spcAft>
+              <a:buNone/>
+            </a:pPr>
+            <a:r>
+              <a:t/>
+            </a:r>
+            <a:endParaRPr sz="950">
+              <a:latin typeface="Courier New"/>
+              <a:ea typeface="Courier New"/>
+              <a:cs typeface="Courier New"/>
+              <a:sym typeface="Courier New"/>
+            </a:endParaRPr>
+          </a:p>
+          <a:p>
+            <a:pPr indent="0" lvl="0" marL="0" rtl="0" algn="l">
+              <a:spcBef>
+                <a:spcPts val="0"/>
+              </a:spcBef>
+              <a:spcAft>
+                <a:spcPts val="0"/>
+              </a:spcAft>
+              <a:buNone/>
+            </a:pPr>
+            <a:r>
+              <a:rPr lang="el" sz="950">
+                <a:latin typeface="Courier New"/>
+                <a:ea typeface="Courier New"/>
+                <a:cs typeface="Courier New"/>
+                <a:sym typeface="Courier New"/>
+              </a:rPr>
+              <a:t>            </a:t>
+            </a:r>
+            <a:r>
+              <a:rPr b="1" lang="el" sz="950">
+                <a:solidFill>
+                  <a:srgbClr val="CCCCCC"/>
+                </a:solidFill>
+                <a:latin typeface="Courier New"/>
+                <a:ea typeface="Courier New"/>
+                <a:cs typeface="Courier New"/>
+                <a:sym typeface="Courier New"/>
+              </a:rPr>
+              <a:t>services.</a:t>
+            </a:r>
+            <a:r>
+              <a:rPr b="1" lang="el" sz="950">
+                <a:solidFill>
+                  <a:srgbClr val="00CDCD"/>
+                </a:solidFill>
+                <a:latin typeface="Courier New"/>
+                <a:ea typeface="Courier New"/>
+                <a:cs typeface="Courier New"/>
+                <a:sym typeface="Courier New"/>
+              </a:rPr>
+              <a:t>AddSingleton</a:t>
+            </a:r>
+            <a:r>
+              <a:rPr b="1" lang="el" sz="950">
+                <a:solidFill>
+                  <a:srgbClr val="CCCCCC"/>
+                </a:solidFill>
+                <a:latin typeface="Courier New"/>
+                <a:ea typeface="Courier New"/>
+                <a:cs typeface="Courier New"/>
+                <a:sym typeface="Courier New"/>
+              </a:rPr>
+              <a:t>&lt;</a:t>
+            </a:r>
+            <a:r>
+              <a:rPr b="1" lang="el" sz="950">
+                <a:solidFill>
+                  <a:schemeClr val="accent2"/>
+                </a:solidFill>
+                <a:latin typeface="Courier New"/>
+                <a:ea typeface="Courier New"/>
+                <a:cs typeface="Courier New"/>
+                <a:sym typeface="Courier New"/>
+              </a:rPr>
+              <a:t>IItemsRepository</a:t>
+            </a:r>
+            <a:r>
+              <a:rPr b="1" lang="el" sz="950">
+                <a:solidFill>
+                  <a:srgbClr val="CCCCCC"/>
+                </a:solidFill>
+                <a:latin typeface="Courier New"/>
+                <a:ea typeface="Courier New"/>
+                <a:cs typeface="Courier New"/>
+                <a:sym typeface="Courier New"/>
+              </a:rPr>
+              <a:t>,</a:t>
+            </a:r>
+            <a:r>
+              <a:rPr b="1" lang="el" sz="950">
+                <a:latin typeface="Courier New"/>
+                <a:ea typeface="Courier New"/>
+                <a:cs typeface="Courier New"/>
+                <a:sym typeface="Courier New"/>
+              </a:rPr>
+              <a:t> </a:t>
+            </a:r>
+            <a:r>
+              <a:rPr b="1" lang="el" sz="950">
+                <a:solidFill>
+                  <a:schemeClr val="accent2"/>
+                </a:solidFill>
+                <a:latin typeface="Courier New"/>
+                <a:ea typeface="Courier New"/>
+                <a:cs typeface="Courier New"/>
+                <a:sym typeface="Courier New"/>
+              </a:rPr>
+              <a:t>MongoDbItemsRepository</a:t>
+            </a:r>
+            <a:r>
+              <a:rPr b="1" lang="el" sz="950">
+                <a:solidFill>
+                  <a:srgbClr val="CCCCCC"/>
+                </a:solidFill>
+                <a:latin typeface="Courier New"/>
+                <a:ea typeface="Courier New"/>
+                <a:cs typeface="Courier New"/>
+                <a:sym typeface="Courier New"/>
+              </a:rPr>
+              <a:t>&gt;();</a:t>
+            </a:r>
+            <a:endParaRPr b="1" sz="950">
+              <a:latin typeface="Courier New"/>
+              <a:ea typeface="Courier New"/>
+              <a:cs typeface="Courier New"/>
+              <a:sym typeface="Courier New"/>
+            </a:endParaRPr>
+          </a:p>
+          <a:p>
+            <a:pPr indent="0" lvl="0" marL="0" rtl="0" algn="l">
+              <a:spcBef>
+                <a:spcPts val="0"/>
+              </a:spcBef>
+              <a:spcAft>
+                <a:spcPts val="0"/>
+              </a:spcAft>
+              <a:buNone/>
+            </a:pPr>
+            <a:r>
+              <a:t/>
+            </a:r>
+            <a:endParaRPr sz="950">
+              <a:latin typeface="Courier New"/>
+              <a:ea typeface="Courier New"/>
+              <a:cs typeface="Courier New"/>
+              <a:sym typeface="Courier New"/>
+            </a:endParaRPr>
+          </a:p>
+          <a:p>
+            <a:pPr indent="0" lvl="0" marL="0" rtl="0" algn="l">
+              <a:spcBef>
+                <a:spcPts val="0"/>
+              </a:spcBef>
+              <a:spcAft>
+                <a:spcPts val="0"/>
+              </a:spcAft>
+              <a:buNone/>
+            </a:pPr>
+            <a:r>
+              <a:rPr lang="el" sz="950">
+                <a:latin typeface="Courier New"/>
+                <a:ea typeface="Courier New"/>
+                <a:cs typeface="Courier New"/>
+                <a:sym typeface="Courier New"/>
+              </a:rPr>
+              <a:t>            </a:t>
+            </a:r>
+            <a:r>
+              <a:rPr lang="el" sz="950">
+                <a:solidFill>
+                  <a:srgbClr val="CCCCCC"/>
+                </a:solidFill>
+                <a:latin typeface="Courier New"/>
+                <a:ea typeface="Courier New"/>
+                <a:cs typeface="Courier New"/>
+                <a:sym typeface="Courier New"/>
+              </a:rPr>
+              <a:t>services.</a:t>
+            </a:r>
+            <a:r>
+              <a:rPr lang="el" sz="950">
+                <a:solidFill>
+                  <a:srgbClr val="00CDCD"/>
+                </a:solidFill>
+                <a:latin typeface="Courier New"/>
+                <a:ea typeface="Courier New"/>
+                <a:cs typeface="Courier New"/>
+                <a:sym typeface="Courier New"/>
+              </a:rPr>
+              <a:t>AddControllers</a:t>
+            </a:r>
+            <a:r>
+              <a:rPr lang="el" sz="950">
+                <a:solidFill>
+                  <a:srgbClr val="CCCCCC"/>
+                </a:solidFill>
+                <a:latin typeface="Courier New"/>
+                <a:ea typeface="Courier New"/>
+                <a:cs typeface="Courier New"/>
+                <a:sym typeface="Courier New"/>
+              </a:rPr>
+              <a:t>();</a:t>
+            </a:r>
+            <a:endParaRPr sz="950">
+              <a:latin typeface="Courier New"/>
+              <a:ea typeface="Courier New"/>
+              <a:cs typeface="Courier New"/>
+              <a:sym typeface="Courier New"/>
+            </a:endParaRPr>
+          </a:p>
+          <a:p>
+            <a:pPr indent="0" lvl="0" marL="0" rtl="0" algn="l">
+              <a:spcBef>
+                <a:spcPts val="0"/>
+              </a:spcBef>
+              <a:spcAft>
+                <a:spcPts val="0"/>
+              </a:spcAft>
+              <a:buNone/>
+            </a:pPr>
+            <a:r>
+              <a:rPr lang="el" sz="950">
+                <a:latin typeface="Courier New"/>
+                <a:ea typeface="Courier New"/>
+                <a:cs typeface="Courier New"/>
+                <a:sym typeface="Courier New"/>
+              </a:rPr>
+              <a:t>            </a:t>
+            </a:r>
+            <a:r>
+              <a:rPr lang="el" sz="950">
+                <a:solidFill>
+                  <a:srgbClr val="CCCCCC"/>
+                </a:solidFill>
+                <a:latin typeface="Courier New"/>
+                <a:ea typeface="Courier New"/>
+                <a:cs typeface="Courier New"/>
+                <a:sym typeface="Courier New"/>
+              </a:rPr>
+              <a:t>services.</a:t>
+            </a:r>
+            <a:r>
+              <a:rPr lang="el" sz="950">
+                <a:solidFill>
+                  <a:srgbClr val="00CDCD"/>
+                </a:solidFill>
+                <a:latin typeface="Courier New"/>
+                <a:ea typeface="Courier New"/>
+                <a:cs typeface="Courier New"/>
+                <a:sym typeface="Courier New"/>
+              </a:rPr>
+              <a:t>AddSwaggerGen</a:t>
+            </a:r>
+            <a:r>
+              <a:rPr lang="el" sz="950">
+                <a:solidFill>
+                  <a:srgbClr val="CCCCCC"/>
+                </a:solidFill>
+                <a:latin typeface="Courier New"/>
+                <a:ea typeface="Courier New"/>
+                <a:cs typeface="Courier New"/>
+                <a:sym typeface="Courier New"/>
+              </a:rPr>
+              <a:t>(c</a:t>
+            </a:r>
+            <a:r>
+              <a:rPr lang="el" sz="950">
+                <a:latin typeface="Courier New"/>
+                <a:ea typeface="Courier New"/>
+                <a:cs typeface="Courier New"/>
+                <a:sym typeface="Courier New"/>
+              </a:rPr>
+              <a:t> </a:t>
+            </a:r>
+            <a:r>
+              <a:rPr lang="el" sz="950">
+                <a:solidFill>
+                  <a:srgbClr val="CCCCCC"/>
+                </a:solidFill>
+                <a:latin typeface="Courier New"/>
+                <a:ea typeface="Courier New"/>
+                <a:cs typeface="Courier New"/>
+                <a:sym typeface="Courier New"/>
+              </a:rPr>
+              <a:t>=&gt;</a:t>
+            </a:r>
+            <a:endParaRPr sz="950">
+              <a:latin typeface="Courier New"/>
+              <a:ea typeface="Courier New"/>
+              <a:cs typeface="Courier New"/>
+              <a:sym typeface="Courier New"/>
+            </a:endParaRPr>
+          </a:p>
+          <a:p>
+            <a:pPr indent="0" lvl="0" marL="0" rtl="0" algn="l">
+              <a:spcBef>
+                <a:spcPts val="0"/>
+              </a:spcBef>
+              <a:spcAft>
+                <a:spcPts val="0"/>
+              </a:spcAft>
+              <a:buNone/>
+            </a:pPr>
+            <a:r>
+              <a:rPr lang="el" sz="950">
+                <a:latin typeface="Courier New"/>
+                <a:ea typeface="Courier New"/>
+                <a:cs typeface="Courier New"/>
+                <a:sym typeface="Courier New"/>
+              </a:rPr>
+              <a:t>            </a:t>
+            </a:r>
+            <a:r>
+              <a:rPr lang="el" sz="950">
+                <a:solidFill>
+                  <a:srgbClr val="CCCCCC"/>
+                </a:solidFill>
+                <a:latin typeface="Courier New"/>
+                <a:ea typeface="Courier New"/>
+                <a:cs typeface="Courier New"/>
+                <a:sym typeface="Courier New"/>
+              </a:rPr>
+              <a:t>{</a:t>
+            </a:r>
+            <a:endParaRPr sz="950">
+              <a:latin typeface="Courier New"/>
+              <a:ea typeface="Courier New"/>
+              <a:cs typeface="Courier New"/>
+              <a:sym typeface="Courier New"/>
+            </a:endParaRPr>
+          </a:p>
+          <a:p>
+            <a:pPr indent="0" lvl="0" marL="0" rtl="0" algn="l">
+              <a:spcBef>
+                <a:spcPts val="0"/>
+              </a:spcBef>
+              <a:spcAft>
+                <a:spcPts val="0"/>
+              </a:spcAft>
+              <a:buNone/>
+            </a:pPr>
+            <a:r>
+              <a:rPr lang="el" sz="950">
+                <a:latin typeface="Courier New"/>
+                <a:ea typeface="Courier New"/>
+                <a:cs typeface="Courier New"/>
+                <a:sym typeface="Courier New"/>
+              </a:rPr>
+              <a:t>                </a:t>
+            </a:r>
+            <a:r>
+              <a:rPr lang="el" sz="950">
+                <a:solidFill>
+                  <a:srgbClr val="CCCCCC"/>
+                </a:solidFill>
+                <a:latin typeface="Courier New"/>
+                <a:ea typeface="Courier New"/>
+                <a:cs typeface="Courier New"/>
+                <a:sym typeface="Courier New"/>
+              </a:rPr>
+              <a:t>c.SwaggerDoc(</a:t>
+            </a:r>
+            <a:r>
+              <a:rPr lang="el" sz="950">
+                <a:solidFill>
+                  <a:srgbClr val="CD0000"/>
+                </a:solidFill>
+                <a:latin typeface="Courier New"/>
+                <a:ea typeface="Courier New"/>
+                <a:cs typeface="Courier New"/>
+                <a:sym typeface="Courier New"/>
+              </a:rPr>
+              <a:t>"v1"</a:t>
+            </a:r>
+            <a:r>
+              <a:rPr lang="el" sz="950">
+                <a:solidFill>
+                  <a:srgbClr val="CCCCCC"/>
+                </a:solidFill>
+                <a:latin typeface="Courier New"/>
+                <a:ea typeface="Courier New"/>
+                <a:cs typeface="Courier New"/>
+                <a:sym typeface="Courier New"/>
+              </a:rPr>
+              <a:t>,</a:t>
+            </a:r>
+            <a:r>
+              <a:rPr lang="el" sz="950">
+                <a:latin typeface="Courier New"/>
+                <a:ea typeface="Courier New"/>
+                <a:cs typeface="Courier New"/>
+                <a:sym typeface="Courier New"/>
+              </a:rPr>
+              <a:t> </a:t>
+            </a:r>
+            <a:r>
+              <a:rPr lang="el" sz="950">
+                <a:solidFill>
+                  <a:srgbClr val="CDCD00"/>
+                </a:solidFill>
+                <a:latin typeface="Courier New"/>
+                <a:ea typeface="Courier New"/>
+                <a:cs typeface="Courier New"/>
+                <a:sym typeface="Courier New"/>
+              </a:rPr>
+              <a:t>new</a:t>
+            </a:r>
+            <a:r>
+              <a:rPr lang="el" sz="950">
+                <a:latin typeface="Courier New"/>
+                <a:ea typeface="Courier New"/>
+                <a:cs typeface="Courier New"/>
+                <a:sym typeface="Courier New"/>
+              </a:rPr>
+              <a:t> </a:t>
+            </a:r>
+            <a:r>
+              <a:rPr lang="el" sz="950">
+                <a:solidFill>
+                  <a:srgbClr val="CCCCCC"/>
+                </a:solidFill>
+                <a:latin typeface="Courier New"/>
+                <a:ea typeface="Courier New"/>
+                <a:cs typeface="Courier New"/>
+                <a:sym typeface="Courier New"/>
+              </a:rPr>
+              <a:t>OpenApiInfo</a:t>
+            </a:r>
+            <a:r>
+              <a:rPr lang="el" sz="950">
+                <a:latin typeface="Courier New"/>
+                <a:ea typeface="Courier New"/>
+                <a:cs typeface="Courier New"/>
+                <a:sym typeface="Courier New"/>
+              </a:rPr>
+              <a:t> </a:t>
+            </a:r>
+            <a:r>
+              <a:rPr lang="el" sz="950">
+                <a:solidFill>
+                  <a:srgbClr val="CCCCCC"/>
+                </a:solidFill>
+                <a:latin typeface="Courier New"/>
+                <a:ea typeface="Courier New"/>
+                <a:cs typeface="Courier New"/>
+                <a:sym typeface="Courier New"/>
+              </a:rPr>
+              <a:t>{</a:t>
+            </a:r>
+            <a:r>
+              <a:rPr lang="el" sz="950">
+                <a:latin typeface="Courier New"/>
+                <a:ea typeface="Courier New"/>
+                <a:cs typeface="Courier New"/>
+                <a:sym typeface="Courier New"/>
+              </a:rPr>
+              <a:t> </a:t>
+            </a:r>
+            <a:r>
+              <a:rPr lang="el" sz="950">
+                <a:solidFill>
+                  <a:srgbClr val="CCCCCC"/>
+                </a:solidFill>
+                <a:latin typeface="Courier New"/>
+                <a:ea typeface="Courier New"/>
+                <a:cs typeface="Courier New"/>
+                <a:sym typeface="Courier New"/>
+              </a:rPr>
+              <a:t>Title</a:t>
+            </a:r>
+            <a:r>
+              <a:rPr lang="el" sz="950">
+                <a:latin typeface="Courier New"/>
+                <a:ea typeface="Courier New"/>
+                <a:cs typeface="Courier New"/>
+                <a:sym typeface="Courier New"/>
+              </a:rPr>
+              <a:t> </a:t>
+            </a:r>
+            <a:r>
+              <a:rPr lang="el" sz="950">
+                <a:solidFill>
+                  <a:srgbClr val="CCCCCC"/>
+                </a:solidFill>
+                <a:latin typeface="Courier New"/>
+                <a:ea typeface="Courier New"/>
+                <a:cs typeface="Courier New"/>
+                <a:sym typeface="Courier New"/>
+              </a:rPr>
+              <a:t>=</a:t>
+            </a:r>
+            <a:r>
+              <a:rPr lang="el" sz="950">
+                <a:latin typeface="Courier New"/>
+                <a:ea typeface="Courier New"/>
+                <a:cs typeface="Courier New"/>
+                <a:sym typeface="Courier New"/>
+              </a:rPr>
+              <a:t> </a:t>
+            </a:r>
+            <a:r>
+              <a:rPr lang="el" sz="950">
+                <a:solidFill>
+                  <a:srgbClr val="CD0000"/>
+                </a:solidFill>
+                <a:latin typeface="Courier New"/>
+                <a:ea typeface="Courier New"/>
+                <a:cs typeface="Courier New"/>
+                <a:sym typeface="Courier New"/>
+              </a:rPr>
+              <a:t>"Catalog"</a:t>
+            </a:r>
+            <a:r>
+              <a:rPr lang="el" sz="950">
+                <a:solidFill>
+                  <a:srgbClr val="CCCCCC"/>
+                </a:solidFill>
+                <a:latin typeface="Courier New"/>
+                <a:ea typeface="Courier New"/>
+                <a:cs typeface="Courier New"/>
+                <a:sym typeface="Courier New"/>
+              </a:rPr>
+              <a:t>,</a:t>
+            </a:r>
+            <a:r>
+              <a:rPr lang="el" sz="950">
+                <a:latin typeface="Courier New"/>
+                <a:ea typeface="Courier New"/>
+                <a:cs typeface="Courier New"/>
+                <a:sym typeface="Courier New"/>
+              </a:rPr>
+              <a:t> </a:t>
+            </a:r>
+            <a:r>
+              <a:rPr lang="el" sz="950">
+                <a:solidFill>
+                  <a:srgbClr val="CCCCCC"/>
+                </a:solidFill>
+                <a:latin typeface="Courier New"/>
+                <a:ea typeface="Courier New"/>
+                <a:cs typeface="Courier New"/>
+                <a:sym typeface="Courier New"/>
+              </a:rPr>
+              <a:t>Version</a:t>
+            </a:r>
+            <a:r>
+              <a:rPr lang="el" sz="950">
+                <a:latin typeface="Courier New"/>
+                <a:ea typeface="Courier New"/>
+                <a:cs typeface="Courier New"/>
+                <a:sym typeface="Courier New"/>
+              </a:rPr>
+              <a:t> </a:t>
+            </a:r>
+            <a:r>
+              <a:rPr lang="el" sz="950">
+                <a:solidFill>
+                  <a:srgbClr val="CCCCCC"/>
+                </a:solidFill>
+                <a:latin typeface="Courier New"/>
+                <a:ea typeface="Courier New"/>
+                <a:cs typeface="Courier New"/>
+                <a:sym typeface="Courier New"/>
+              </a:rPr>
+              <a:t>=</a:t>
+            </a:r>
+            <a:r>
+              <a:rPr lang="el" sz="950">
+                <a:latin typeface="Courier New"/>
+                <a:ea typeface="Courier New"/>
+                <a:cs typeface="Courier New"/>
+                <a:sym typeface="Courier New"/>
+              </a:rPr>
+              <a:t> </a:t>
+            </a:r>
+            <a:r>
+              <a:rPr lang="el" sz="950">
+                <a:solidFill>
+                  <a:srgbClr val="CD0000"/>
+                </a:solidFill>
+                <a:latin typeface="Courier New"/>
+                <a:ea typeface="Courier New"/>
+                <a:cs typeface="Courier New"/>
+                <a:sym typeface="Courier New"/>
+              </a:rPr>
+              <a:t>"v1"</a:t>
+            </a:r>
+            <a:r>
+              <a:rPr lang="el" sz="950">
+                <a:latin typeface="Courier New"/>
+                <a:ea typeface="Courier New"/>
+                <a:cs typeface="Courier New"/>
+                <a:sym typeface="Courier New"/>
+              </a:rPr>
+              <a:t> </a:t>
+            </a:r>
+            <a:r>
+              <a:rPr lang="el" sz="950">
+                <a:solidFill>
+                  <a:srgbClr val="CCCCCC"/>
+                </a:solidFill>
+                <a:latin typeface="Courier New"/>
+                <a:ea typeface="Courier New"/>
+                <a:cs typeface="Courier New"/>
+                <a:sym typeface="Courier New"/>
+              </a:rPr>
+              <a:t>});</a:t>
+            </a:r>
+            <a:endParaRPr sz="950">
+              <a:latin typeface="Courier New"/>
+              <a:ea typeface="Courier New"/>
+              <a:cs typeface="Courier New"/>
+              <a:sym typeface="Courier New"/>
+            </a:endParaRPr>
+          </a:p>
+          <a:p>
+            <a:pPr indent="0" lvl="0" marL="0" rtl="0" algn="l">
+              <a:spcBef>
+                <a:spcPts val="0"/>
+              </a:spcBef>
+              <a:spcAft>
+                <a:spcPts val="0"/>
+              </a:spcAft>
+              <a:buNone/>
+            </a:pPr>
+            <a:r>
+              <a:rPr lang="el" sz="950">
+                <a:latin typeface="Courier New"/>
+                <a:ea typeface="Courier New"/>
+                <a:cs typeface="Courier New"/>
+                <a:sym typeface="Courier New"/>
+              </a:rPr>
+              <a:t>            </a:t>
+            </a:r>
+            <a:r>
+              <a:rPr lang="el" sz="950">
+                <a:solidFill>
+                  <a:srgbClr val="CCCCCC"/>
+                </a:solidFill>
+                <a:latin typeface="Courier New"/>
+                <a:ea typeface="Courier New"/>
+                <a:cs typeface="Courier New"/>
+                <a:sym typeface="Courier New"/>
+              </a:rPr>
+              <a:t>});</a:t>
+            </a:r>
+            <a:endParaRPr sz="950">
+              <a:latin typeface="Courier New"/>
+              <a:ea typeface="Courier New"/>
+              <a:cs typeface="Courier New"/>
+              <a:sym typeface="Courier New"/>
+            </a:endParaRPr>
+          </a:p>
+          <a:p>
+            <a:pPr indent="0" lvl="0" marL="0" rtl="0" algn="just">
+              <a:lnSpc>
+                <a:spcPct val="125000"/>
+              </a:lnSpc>
+              <a:spcBef>
+                <a:spcPts val="0"/>
+              </a:spcBef>
+              <a:spcAft>
+                <a:spcPts val="0"/>
+              </a:spcAft>
+              <a:buNone/>
+            </a:pPr>
+            <a:r>
+              <a:rPr lang="el" sz="950">
+                <a:latin typeface="Courier New"/>
+                <a:ea typeface="Courier New"/>
+                <a:cs typeface="Courier New"/>
+                <a:sym typeface="Courier New"/>
+              </a:rPr>
+              <a:t>        </a:t>
+            </a:r>
+            <a:r>
+              <a:rPr lang="el" sz="950">
+                <a:solidFill>
+                  <a:srgbClr val="CCCCCC"/>
+                </a:solidFill>
+                <a:latin typeface="Courier New"/>
+                <a:ea typeface="Courier New"/>
+                <a:cs typeface="Courier New"/>
+                <a:sym typeface="Courier New"/>
+              </a:rPr>
+              <a:t>}</a:t>
+            </a:r>
+            <a:endParaRPr sz="950">
+              <a:solidFill>
+                <a:srgbClr val="CCCCCC"/>
+              </a:solidFill>
+              <a:latin typeface="Courier New"/>
+              <a:ea typeface="Courier New"/>
+              <a:cs typeface="Courier New"/>
+              <a:sym typeface="Courier New"/>
+            </a:endParaRPr>
           </a:p>
         </p:txBody>
       </p:sp>
@@ -33317,6 +41948,285 @@
 </file>
 
 <file path=ppt/theme/theme1.xml><?xml version="1.0" encoding="utf-8"?>
+<a:theme xmlns:a="http://schemas.openxmlformats.org/drawingml/2006/main" xmlns:r="http://schemas.openxmlformats.org/officeDocument/2006/relationships">
+  <a:themeElements>
+    <a:clrScheme name="Default">
+      <a:dk1>
+        <a:srgbClr val="000000"/>
+      </a:dk1>
+      <a:lt1>
+        <a:srgbClr val="FFFFFF"/>
+      </a:lt1>
+      <a:dk2>
+        <a:srgbClr val="158158"/>
+      </a:dk2>
+      <a:lt2>
+        <a:srgbClr val="F3F3F3"/>
+      </a:lt2>
+      <a:accent1>
+        <a:srgbClr val="058DC7"/>
+      </a:accent1>
+      <a:accent2>
+        <a:srgbClr val="50B432"/>
+      </a:accent2>
+      <a:accent3>
+        <a:srgbClr val="ED561B"/>
+      </a:accent3>
+      <a:accent4>
+        <a:srgbClr val="EDEF00"/>
+      </a:accent4>
+      <a:accent5>
+        <a:srgbClr val="24CBE5"/>
+      </a:accent5>
+      <a:accent6>
+        <a:srgbClr val="64E572"/>
+      </a:accent6>
+      <a:hlink>
+        <a:srgbClr val="2200CC"/>
+      </a:hlink>
+      <a:folHlink>
+        <a:srgbClr val="551A8B"/>
+      </a:folHlink>
+    </a:clrScheme>
+    <a:fontScheme name="Office">
+      <a:majorFont>
+        <a:latin typeface="Arial"/>
+        <a:ea typeface=""/>
+        <a:cs typeface=""/>
+        <a:font script="Jpan" typeface="ＭＳ Ｐゴシック"/>
+        <a:font script="Hang" typeface="맑은 고딕"/>
+        <a:font script="Hans" typeface="宋体"/>
+        <a:font script="Hant" typeface="新細明體"/>
+        <a:font script="Arab" typeface="Times New Roman"/>
+        <a:font script="Hebr" typeface="Times New Roman"/>
+        <a:font script="Thai" typeface="Angsana New"/>
+        <a:font script="Ethi" typeface="Nyala"/>
+        <a:font script="Beng" typeface="Vrinda"/>
+        <a:font script="Gujr" typeface="Shruti"/>
+        <a:font script="Khmr" typeface="MoolBoran"/>
+        <a:font script="Knda" typeface="Tunga"/>
+        <a:font script="Guru" typeface="Raavi"/>
+        <a:font script="Cans" typeface="Euphemia"/>
+        <a:font script="Cher" typeface="Plantagenet Cherokee"/>
+        <a:font script="Yiii" typeface="Microsoft Yi Baiti"/>
+        <a:font script="Tibt" typeface="Microsoft Himalaya"/>
+        <a:font script="Thaa" typeface="MV Boli"/>
+        <a:font script="Deva" typeface="Mangal"/>
+        <a:font script="Telu" typeface="Gautami"/>
+        <a:font script="Taml" typeface="Latha"/>
+        <a:font script="Syrc" typeface="Estrangelo Edessa"/>
+        <a:font script="Orya" typeface="Kalinga"/>
+        <a:font script="Mlym" typeface="Kartika"/>
+        <a:font script="Laoo" typeface="DokChampa"/>
+        <a:font script="Sinh" typeface="Iskoola Pota"/>
+        <a:font script="Mong" typeface="Mongolian Baiti"/>
+        <a:font script="Viet" typeface="Times New Roman"/>
+        <a:font script="Uigh" typeface="Microsoft Uighur"/>
+        <a:font script="Geor" typeface="Sylfaen"/>
+      </a:majorFont>
+      <a:minorFont>
+        <a:latin typeface="Arial"/>
+        <a:ea typeface=""/>
+        <a:cs typeface=""/>
+        <a:font script="Jpan" typeface="ＭＳ Ｐゴシック"/>
+        <a:font script="Hang" typeface="맑은 고딕"/>
+        <a:font script="Hans" typeface="宋体"/>
+        <a:font script="Hant" typeface="新細明體"/>
+        <a:font script="Arab" typeface="Arial"/>
+        <a:font script="Hebr" typeface="Arial"/>
+        <a:font script="Thai" typeface="Cordia New"/>
+        <a:font script="Ethi" typeface="Nyala"/>
+        <a:font script="Beng" typeface="Vrinda"/>
+        <a:font script="Gujr" typeface="Shruti"/>
+        <a:font script="Khmr" typeface="DaunPenh"/>
+        <a:font script="Knda" typeface="Tunga"/>
+        <a:font script="Guru" typeface="Raavi"/>
+        <a:font script="Cans" typeface="Euphemia"/>
+        <a:font script="Cher" typeface="Plantagenet Cherokee"/>
+        <a:font script="Yiii" typeface="Microsoft Yi Baiti"/>
+        <a:font script="Tibt" typeface="Microsoft Himalaya"/>
+        <a:font script="Thaa" typeface="MV Boli"/>
+        <a:font script="Deva" typeface="Mangal"/>
+        <a:font script="Telu" typeface="Gautami"/>
+        <a:font script="Taml" typeface="Latha"/>
+        <a:font script="Syrc" typeface="Estrangelo Edessa"/>
+        <a:font script="Orya" typeface="Kalinga"/>
+        <a:font script="Mlym" typeface="Kartika"/>
+        <a:font script="Laoo" typeface="DokChampa"/>
+        <a:font script="Sinh" typeface="Iskoola Pota"/>
+        <a:font script="Mong" typeface="Mongolian Baiti"/>
+        <a:font script="Viet" typeface="Arial"/>
+        <a:font script="Uigh" typeface="Microsoft Uighur"/>
+        <a:font script="Geor" typeface="Sylfaen"/>
+      </a:minorFont>
+    </a:fontScheme>
+    <a:fmtScheme name="Office">
+      <a:fillStyleLst>
+        <a:solidFill>
+          <a:schemeClr val="phClr"/>
+        </a:solidFill>
+        <a:gradFill rotWithShape="1">
+          <a:gsLst>
+            <a:gs pos="0">
+              <a:schemeClr val="phClr">
+                <a:tint val="50000"/>
+                <a:satMod val="300000"/>
+              </a:schemeClr>
+            </a:gs>
+            <a:gs pos="35000">
+              <a:schemeClr val="phClr">
+                <a:tint val="37000"/>
+                <a:satMod val="300000"/>
+              </a:schemeClr>
+            </a:gs>
+            <a:gs pos="100000">
+              <a:schemeClr val="phClr">
+                <a:tint val="15000"/>
+                <a:satMod val="350000"/>
+              </a:schemeClr>
+            </a:gs>
+          </a:gsLst>
+          <a:lin ang="16200000" scaled="1"/>
+        </a:gradFill>
+        <a:gradFill rotWithShape="1">
+          <a:gsLst>
+            <a:gs pos="0">
+              <a:schemeClr val="phClr">
+                <a:tint val="100000"/>
+                <a:shade val="100000"/>
+                <a:satMod val="130000"/>
+              </a:schemeClr>
+            </a:gs>
+            <a:gs pos="100000">
+              <a:schemeClr val="phClr">
+                <a:tint val="50000"/>
+                <a:shade val="100000"/>
+                <a:satMod val="350000"/>
+              </a:schemeClr>
+            </a:gs>
+          </a:gsLst>
+          <a:lin ang="16200000" scaled="0"/>
+        </a:gradFill>
+      </a:fillStyleLst>
+      <a:lnStyleLst>
+        <a:ln w="9525" cap="flat" cmpd="sng" algn="ctr">
+          <a:solidFill>
+            <a:schemeClr val="phClr">
+              <a:shade val="95000"/>
+              <a:satMod val="105000"/>
+            </a:schemeClr>
+          </a:solidFill>
+          <a:prstDash val="solid"/>
+        </a:ln>
+        <a:ln w="25400" cap="flat" cmpd="sng" algn="ctr">
+          <a:solidFill>
+            <a:schemeClr val="phClr"/>
+          </a:solidFill>
+          <a:prstDash val="solid"/>
+        </a:ln>
+        <a:ln w="38100" cap="flat" cmpd="sng" algn="ctr">
+          <a:solidFill>
+            <a:schemeClr val="phClr"/>
+          </a:solidFill>
+          <a:prstDash val="solid"/>
+        </a:ln>
+      </a:lnStyleLst>
+      <a:effectStyleLst>
+        <a:effectStyle>
+          <a:effectLst>
+            <a:outerShdw blurRad="40000" dist="20000" dir="5400000" rotWithShape="0">
+              <a:srgbClr val="000000">
+                <a:alpha val="38000"/>
+              </a:srgbClr>
+            </a:outerShdw>
+          </a:effectLst>
+        </a:effectStyle>
+        <a:effectStyle>
+          <a:effectLst>
+            <a:outerShdw blurRad="40000" dist="23000" dir="5400000" rotWithShape="0">
+              <a:srgbClr val="000000">
+                <a:alpha val="35000"/>
+              </a:srgbClr>
+            </a:outerShdw>
+          </a:effectLst>
+        </a:effectStyle>
+        <a:effectStyle>
+          <a:effectLst>
+            <a:outerShdw blurRad="40000" dist="23000" dir="5400000" rotWithShape="0">
+              <a:srgbClr val="000000">
+                <a:alpha val="35000"/>
+              </a:srgbClr>
+            </a:outerShdw>
+          </a:effectLst>
+          <a:scene3d>
+            <a:camera prst="orthographicFront">
+              <a:rot lat="0" lon="0" rev="0"/>
+            </a:camera>
+            <a:lightRig rig="threePt" dir="t">
+              <a:rot lat="0" lon="0" rev="1200000"/>
+            </a:lightRig>
+          </a:scene3d>
+          <a:sp3d>
+            <a:bevelT w="63500" h="25400"/>
+          </a:sp3d>
+        </a:effectStyle>
+      </a:effectStyleLst>
+      <a:bgFillStyleLst>
+        <a:solidFill>
+          <a:schemeClr val="phClr"/>
+        </a:solidFill>
+        <a:gradFill rotWithShape="1">
+          <a:gsLst>
+            <a:gs pos="0">
+              <a:schemeClr val="phClr">
+                <a:tint val="40000"/>
+                <a:satMod val="350000"/>
+              </a:schemeClr>
+            </a:gs>
+            <a:gs pos="40000">
+              <a:schemeClr val="phClr">
+                <a:tint val="45000"/>
+                <a:shade val="99000"/>
+                <a:satMod val="350000"/>
+              </a:schemeClr>
+            </a:gs>
+            <a:gs pos="100000">
+              <a:schemeClr val="phClr">
+                <a:shade val="20000"/>
+                <a:satMod val="255000"/>
+              </a:schemeClr>
+            </a:gs>
+          </a:gsLst>
+          <a:path path="circle">
+            <a:fillToRect l="50000" t="-80000" r="50000" b="180000"/>
+          </a:path>
+        </a:gradFill>
+        <a:gradFill rotWithShape="1">
+          <a:gsLst>
+            <a:gs pos="0">
+              <a:schemeClr val="phClr">
+                <a:tint val="80000"/>
+                <a:satMod val="300000"/>
+              </a:schemeClr>
+            </a:gs>
+            <a:gs pos="100000">
+              <a:schemeClr val="phClr">
+                <a:shade val="30000"/>
+                <a:satMod val="200000"/>
+              </a:schemeClr>
+            </a:gs>
+          </a:gsLst>
+          <a:path path="circle">
+            <a:fillToRect l="50000" t="50000" r="50000" b="50000"/>
+          </a:path>
+        </a:gradFill>
+      </a:bgFillStyleLst>
+    </a:fmtScheme>
+  </a:themeElements>
+</a:theme>
+</file>
+
+<file path=ppt/theme/theme2.xml><?xml version="1.0" encoding="utf-8"?>
 <a:theme xmlns:a="http://schemas.openxmlformats.org/drawingml/2006/main" xmlns:r="http://schemas.openxmlformats.org/officeDocument/2006/relationships" name="Focus">
   <a:themeElements>
     <a:clrScheme name="Focus">
@@ -33593,283 +42503,4 @@
     </a:fmtScheme>
   </a:themeElements>
 </a:theme>
-</file>
-
-<file path=ppt/theme/theme2.xml><?xml version="1.0" encoding="utf-8"?>
-<a:theme xmlns:a="http://schemas.openxmlformats.org/drawingml/2006/main" xmlns:r="http://schemas.openxmlformats.org/officeDocument/2006/relationships">
-  <a:themeElements>
-    <a:clrScheme name="Default">
-      <a:dk1>
-        <a:srgbClr val="000000"/>
-      </a:dk1>
-      <a:lt1>
-        <a:srgbClr val="FFFFFF"/>
-      </a:lt1>
-      <a:dk2>
-        <a:srgbClr val="158158"/>
-      </a:dk2>
-      <a:lt2>
-        <a:srgbClr val="F3F3F3"/>
-      </a:lt2>
-      <a:accent1>
-        <a:srgbClr val="058DC7"/>
-      </a:accent1>
-      <a:accent2>
-        <a:srgbClr val="50B432"/>
-      </a:accent2>
-      <a:accent3>
-        <a:srgbClr val="ED561B"/>
-      </a:accent3>
-      <a:accent4>
-        <a:srgbClr val="EDEF00"/>
-      </a:accent4>
-      <a:accent5>
-        <a:srgbClr val="24CBE5"/>
-      </a:accent5>
-      <a:accent6>
-        <a:srgbClr val="64E572"/>
-      </a:accent6>
-      <a:hlink>
-        <a:srgbClr val="2200CC"/>
-      </a:hlink>
-      <a:folHlink>
-        <a:srgbClr val="551A8B"/>
-      </a:folHlink>
-    </a:clrScheme>
-    <a:fontScheme name="Office">
-      <a:majorFont>
-        <a:latin typeface="Arial"/>
-        <a:ea typeface=""/>
-        <a:cs typeface=""/>
-        <a:font script="Jpan" typeface="ＭＳ Ｐゴシック"/>
-        <a:font script="Hang" typeface="맑은 고딕"/>
-        <a:font script="Hans" typeface="宋体"/>
-        <a:font script="Hant" typeface="新細明體"/>
-        <a:font script="Arab" typeface="Times New Roman"/>
-        <a:font script="Hebr" typeface="Times New Roman"/>
-        <a:font script="Thai" typeface="Angsana New"/>
-        <a:font script="Ethi" typeface="Nyala"/>
-        <a:font script="Beng" typeface="Vrinda"/>
-        <a:font script="Gujr" typeface="Shruti"/>
-        <a:font script="Khmr" typeface="MoolBoran"/>
-        <a:font script="Knda" typeface="Tunga"/>
-        <a:font script="Guru" typeface="Raavi"/>
-        <a:font script="Cans" typeface="Euphemia"/>
-        <a:font script="Cher" typeface="Plantagenet Cherokee"/>
-        <a:font script="Yiii" typeface="Microsoft Yi Baiti"/>
-        <a:font script="Tibt" typeface="Microsoft Himalaya"/>
-        <a:font script="Thaa" typeface="MV Boli"/>
-        <a:font script="Deva" typeface="Mangal"/>
-        <a:font script="Telu" typeface="Gautami"/>
-        <a:font script="Taml" typeface="Latha"/>
-        <a:font script="Syrc" typeface="Estrangelo Edessa"/>
-        <a:font script="Orya" typeface="Kalinga"/>
-        <a:font script="Mlym" typeface="Kartika"/>
-        <a:font script="Laoo" typeface="DokChampa"/>
-        <a:font script="Sinh" typeface="Iskoola Pota"/>
-        <a:font script="Mong" typeface="Mongolian Baiti"/>
-        <a:font script="Viet" typeface="Times New Roman"/>
-        <a:font script="Uigh" typeface="Microsoft Uighur"/>
-        <a:font script="Geor" typeface="Sylfaen"/>
-      </a:majorFont>
-      <a:minorFont>
-        <a:latin typeface="Arial"/>
-        <a:ea typeface=""/>
-        <a:cs typeface=""/>
-        <a:font script="Jpan" typeface="ＭＳ Ｐゴシック"/>
-        <a:font script="Hang" typeface="맑은 고딕"/>
-        <a:font script="Hans" typeface="宋体"/>
-        <a:font script="Hant" typeface="新細明體"/>
-        <a:font script="Arab" typeface="Arial"/>
-        <a:font script="Hebr" typeface="Arial"/>
-        <a:font script="Thai" typeface="Cordia New"/>
-        <a:font script="Ethi" typeface="Nyala"/>
-        <a:font script="Beng" typeface="Vrinda"/>
-        <a:font script="Gujr" typeface="Shruti"/>
-        <a:font script="Khmr" typeface="DaunPenh"/>
-        <a:font script="Knda" typeface="Tunga"/>
-        <a:font script="Guru" typeface="Raavi"/>
-        <a:font script="Cans" typeface="Euphemia"/>
-        <a:font script="Cher" typeface="Plantagenet Cherokee"/>
-        <a:font script="Yiii" typeface="Microsoft Yi Baiti"/>
-        <a:font script="Tibt" typeface="Microsoft Himalaya"/>
-        <a:font script="Thaa" typeface="MV Boli"/>
-        <a:font script="Deva" typeface="Mangal"/>
-        <a:font script="Telu" typeface="Gautami"/>
-        <a:font script="Taml" typeface="Latha"/>
-        <a:font script="Syrc" typeface="Estrangelo Edessa"/>
-        <a:font script="Orya" typeface="Kalinga"/>
-        <a:font script="Mlym" typeface="Kartika"/>
-        <a:font script="Laoo" typeface="DokChampa"/>
-        <a:font script="Sinh" typeface="Iskoola Pota"/>
-        <a:font script="Mong" typeface="Mongolian Baiti"/>
-        <a:font script="Viet" typeface="Arial"/>
-        <a:font script="Uigh" typeface="Microsoft Uighur"/>
-        <a:font script="Geor" typeface="Sylfaen"/>
-      </a:minorFont>
-    </a:fontScheme>
-    <a:fmtScheme name="Office">
-      <a:fillStyleLst>
-        <a:solidFill>
-          <a:schemeClr val="phClr"/>
-        </a:solidFill>
-        <a:gradFill rotWithShape="1">
-          <a:gsLst>
-            <a:gs pos="0">
-              <a:schemeClr val="phClr">
-                <a:tint val="50000"/>
-                <a:satMod val="300000"/>
-              </a:schemeClr>
-            </a:gs>
-            <a:gs pos="35000">
-              <a:schemeClr val="phClr">
-                <a:tint val="37000"/>
-                <a:satMod val="300000"/>
-              </a:schemeClr>
-            </a:gs>
-            <a:gs pos="100000">
-              <a:schemeClr val="phClr">
-                <a:tint val="15000"/>
-                <a:satMod val="350000"/>
-              </a:schemeClr>
-            </a:gs>
-          </a:gsLst>
-          <a:lin ang="16200000" scaled="1"/>
-        </a:gradFill>
-        <a:gradFill rotWithShape="1">
-          <a:gsLst>
-            <a:gs pos="0">
-              <a:schemeClr val="phClr">
-                <a:tint val="100000"/>
-                <a:shade val="100000"/>
-                <a:satMod val="130000"/>
-              </a:schemeClr>
-            </a:gs>
-            <a:gs pos="100000">
-              <a:schemeClr val="phClr">
-                <a:tint val="50000"/>
-                <a:shade val="100000"/>
-                <a:satMod val="350000"/>
-              </a:schemeClr>
-            </a:gs>
-          </a:gsLst>
-          <a:lin ang="16200000" scaled="0"/>
-        </a:gradFill>
-      </a:fillStyleLst>
-      <a:lnStyleLst>
-        <a:ln w="9525" cap="flat" cmpd="sng" algn="ctr">
-          <a:solidFill>
-            <a:schemeClr val="phClr">
-              <a:shade val="95000"/>
-              <a:satMod val="105000"/>
-            </a:schemeClr>
-          </a:solidFill>
-          <a:prstDash val="solid"/>
-        </a:ln>
-        <a:ln w="25400" cap="flat" cmpd="sng" algn="ctr">
-          <a:solidFill>
-            <a:schemeClr val="phClr"/>
-          </a:solidFill>
-          <a:prstDash val="solid"/>
-        </a:ln>
-        <a:ln w="38100" cap="flat" cmpd="sng" algn="ctr">
-          <a:solidFill>
-            <a:schemeClr val="phClr"/>
-          </a:solidFill>
-          <a:prstDash val="solid"/>
-        </a:ln>
-      </a:lnStyleLst>
-      <a:effectStyleLst>
-        <a:effectStyle>
-          <a:effectLst>
-            <a:outerShdw blurRad="40000" dist="20000" dir="5400000" rotWithShape="0">
-              <a:srgbClr val="000000">
-                <a:alpha val="38000"/>
-              </a:srgbClr>
-            </a:outerShdw>
-          </a:effectLst>
-        </a:effectStyle>
-        <a:effectStyle>
-          <a:effectLst>
-            <a:outerShdw blurRad="40000" dist="23000" dir="5400000" rotWithShape="0">
-              <a:srgbClr val="000000">
-                <a:alpha val="35000"/>
-              </a:srgbClr>
-            </a:outerShdw>
-          </a:effectLst>
-        </a:effectStyle>
-        <a:effectStyle>
-          <a:effectLst>
-            <a:outerShdw blurRad="40000" dist="23000" dir="5400000" rotWithShape="0">
-              <a:srgbClr val="000000">
-                <a:alpha val="35000"/>
-              </a:srgbClr>
-            </a:outerShdw>
-          </a:effectLst>
-          <a:scene3d>
-            <a:camera prst="orthographicFront">
-              <a:rot lat="0" lon="0" rev="0"/>
-            </a:camera>
-            <a:lightRig rig="threePt" dir="t">
-              <a:rot lat="0" lon="0" rev="1200000"/>
-            </a:lightRig>
-          </a:scene3d>
-          <a:sp3d>
-            <a:bevelT w="63500" h="25400"/>
-          </a:sp3d>
-        </a:effectStyle>
-      </a:effectStyleLst>
-      <a:bgFillStyleLst>
-        <a:solidFill>
-          <a:schemeClr val="phClr"/>
-        </a:solidFill>
-        <a:gradFill rotWithShape="1">
-          <a:gsLst>
-            <a:gs pos="0">
-              <a:schemeClr val="phClr">
-                <a:tint val="40000"/>
-                <a:satMod val="350000"/>
-              </a:schemeClr>
-            </a:gs>
-            <a:gs pos="40000">
-              <a:schemeClr val="phClr">
-                <a:tint val="45000"/>
-                <a:shade val="99000"/>
-                <a:satMod val="350000"/>
-              </a:schemeClr>
-            </a:gs>
-            <a:gs pos="100000">
-              <a:schemeClr val="phClr">
-                <a:shade val="20000"/>
-                <a:satMod val="255000"/>
-              </a:schemeClr>
-            </a:gs>
-          </a:gsLst>
-          <a:path path="circle">
-            <a:fillToRect l="50000" t="-80000" r="50000" b="180000"/>
-          </a:path>
-        </a:gradFill>
-        <a:gradFill rotWithShape="1">
-          <a:gsLst>
-            <a:gs pos="0">
-              <a:schemeClr val="phClr">
-                <a:tint val="80000"/>
-                <a:satMod val="300000"/>
-              </a:schemeClr>
-            </a:gs>
-            <a:gs pos="100000">
-              <a:schemeClr val="phClr">
-                <a:shade val="30000"/>
-                <a:satMod val="200000"/>
-              </a:schemeClr>
-            </a:gs>
-          </a:gsLst>
-          <a:path path="circle">
-            <a:fillToRect l="50000" t="50000" r="50000" b="50000"/>
-          </a:path>
-        </a:gradFill>
-      </a:bgFillStyleLst>
-    </a:fmtScheme>
-  </a:themeElements>
-</a:theme>
 </file>